--- a/docs/modules/ROOT/pages/alcor_agents/AGA_design.pptx
+++ b/docs/modules/ROOT/pages/alcor_agents/AGA_design.pptx
@@ -5,34 +5,35 @@
     <p:sldMasterId id="2147483648" r:id="rId1"/>
   </p:sldMasterIdLst>
   <p:notesMasterIdLst>
-    <p:notesMasterId r:id="rId27"/>
+    <p:notesMasterId r:id="rId28"/>
   </p:notesMasterIdLst>
   <p:sldIdLst>
     <p:sldId id="256" r:id="rId2"/>
-    <p:sldId id="423" r:id="rId3"/>
-    <p:sldId id="424" r:id="rId4"/>
-    <p:sldId id="425" r:id="rId5"/>
-    <p:sldId id="428" r:id="rId6"/>
-    <p:sldId id="427" r:id="rId7"/>
-    <p:sldId id="431" r:id="rId8"/>
-    <p:sldId id="432" r:id="rId9"/>
-    <p:sldId id="433" r:id="rId10"/>
-    <p:sldId id="434" r:id="rId11"/>
-    <p:sldId id="435" r:id="rId12"/>
-    <p:sldId id="436" r:id="rId13"/>
-    <p:sldId id="437" r:id="rId14"/>
-    <p:sldId id="438" r:id="rId15"/>
-    <p:sldId id="448" r:id="rId16"/>
-    <p:sldId id="439" r:id="rId17"/>
-    <p:sldId id="449" r:id="rId18"/>
-    <p:sldId id="446" r:id="rId19"/>
-    <p:sldId id="450" r:id="rId20"/>
-    <p:sldId id="429" r:id="rId21"/>
-    <p:sldId id="442" r:id="rId22"/>
-    <p:sldId id="443" r:id="rId23"/>
-    <p:sldId id="445" r:id="rId24"/>
-    <p:sldId id="430" r:id="rId25"/>
-    <p:sldId id="451" r:id="rId26"/>
+    <p:sldId id="452" r:id="rId3"/>
+    <p:sldId id="423" r:id="rId4"/>
+    <p:sldId id="424" r:id="rId5"/>
+    <p:sldId id="425" r:id="rId6"/>
+    <p:sldId id="428" r:id="rId7"/>
+    <p:sldId id="427" r:id="rId8"/>
+    <p:sldId id="431" r:id="rId9"/>
+    <p:sldId id="432" r:id="rId10"/>
+    <p:sldId id="433" r:id="rId11"/>
+    <p:sldId id="434" r:id="rId12"/>
+    <p:sldId id="435" r:id="rId13"/>
+    <p:sldId id="436" r:id="rId14"/>
+    <p:sldId id="437" r:id="rId15"/>
+    <p:sldId id="438" r:id="rId16"/>
+    <p:sldId id="448" r:id="rId17"/>
+    <p:sldId id="439" r:id="rId18"/>
+    <p:sldId id="449" r:id="rId19"/>
+    <p:sldId id="446" r:id="rId20"/>
+    <p:sldId id="450" r:id="rId21"/>
+    <p:sldId id="429" r:id="rId22"/>
+    <p:sldId id="442" r:id="rId23"/>
+    <p:sldId id="443" r:id="rId24"/>
+    <p:sldId id="445" r:id="rId25"/>
+    <p:sldId id="430" r:id="rId26"/>
+    <p:sldId id="451" r:id="rId27"/>
   </p:sldIdLst>
   <p:sldSz cx="12192000" cy="6858000"/>
   <p:notesSz cx="6858000" cy="9144000"/>
@@ -221,7 +222,7 @@
           <a:p>
             <a:fld id="{027A9787-ED9C-DD45-9343-9117E52B77E3}" type="datetimeFigureOut">
               <a:rPr lang="en-US" smtClean="0"/>
-              <a:t>1/27/21</a:t>
+              <a:t>1/28/21</a:t>
             </a:fld>
             <a:endParaRPr lang="en-US"/>
           </a:p>
@@ -553,7 +554,7 @@
           <a:p>
             <a:fld id="{F0837B78-B9E6-AD43-876A-2D1D48F9945E}" type="slidenum">
               <a:rPr lang="en-US" smtClean="0"/>
-              <a:t>4</a:t>
+              <a:t>5</a:t>
             </a:fld>
             <a:endParaRPr lang="en-US" dirty="0"/>
           </a:p>
@@ -637,7 +638,7 @@
           <a:p>
             <a:fld id="{F0837B78-B9E6-AD43-876A-2D1D48F9945E}" type="slidenum">
               <a:rPr lang="en-US" smtClean="0"/>
-              <a:t>13</a:t>
+              <a:t>14</a:t>
             </a:fld>
             <a:endParaRPr lang="en-US" dirty="0"/>
           </a:p>
@@ -724,7 +725,7 @@
           <a:p>
             <a:fld id="{3B8F7B5A-F07A-D34B-B7A1-626E768F04C8}" type="slidenum">
               <a:rPr lang="en-US" smtClean="0"/>
-              <a:t>16</a:t>
+              <a:t>17</a:t>
             </a:fld>
             <a:endParaRPr lang="en-US"/>
           </a:p>
@@ -941,7 +942,7 @@
           <a:p>
             <a:fld id="{F0837B78-B9E6-AD43-876A-2D1D48F9945E}" type="slidenum">
               <a:rPr lang="en-US" smtClean="0"/>
-              <a:t>17</a:t>
+              <a:t>18</a:t>
             </a:fld>
             <a:endParaRPr lang="en-US" dirty="0"/>
           </a:p>
@@ -1053,7 +1054,7 @@
           <a:p>
             <a:fld id="{F0837B78-B9E6-AD43-876A-2D1D48F9945E}" type="slidenum">
               <a:rPr lang="en-US" smtClean="0"/>
-              <a:t>18</a:t>
+              <a:t>19</a:t>
             </a:fld>
             <a:endParaRPr lang="en-US" dirty="0"/>
           </a:p>
@@ -1170,7 +1171,7 @@
           <a:p>
             <a:fld id="{F0837B78-B9E6-AD43-876A-2D1D48F9945E}" type="slidenum">
               <a:rPr lang="en-US" smtClean="0"/>
-              <a:t>19</a:t>
+              <a:t>20</a:t>
             </a:fld>
             <a:endParaRPr lang="en-US" dirty="0"/>
           </a:p>
@@ -1280,7 +1281,7 @@
           <a:p>
             <a:fld id="{3B8F7B5A-F07A-D34B-B7A1-626E768F04C8}" type="slidenum">
               <a:rPr lang="en-US" smtClean="0"/>
-              <a:t>24</a:t>
+              <a:t>25</a:t>
             </a:fld>
             <a:endParaRPr lang="en-US"/>
           </a:p>
@@ -1446,7 +1447,7 @@
           <a:p>
             <a:fld id="{3E6E40AA-6AEA-3E4C-834D-1791CEC61FE5}" type="datetimeFigureOut">
               <a:rPr lang="en-US" smtClean="0"/>
-              <a:t>1/27/21</a:t>
+              <a:t>1/28/21</a:t>
             </a:fld>
             <a:endParaRPr lang="en-US"/>
           </a:p>
@@ -1644,7 +1645,7 @@
           <a:p>
             <a:fld id="{3E6E40AA-6AEA-3E4C-834D-1791CEC61FE5}" type="datetimeFigureOut">
               <a:rPr lang="en-US" smtClean="0"/>
-              <a:t>1/27/21</a:t>
+              <a:t>1/28/21</a:t>
             </a:fld>
             <a:endParaRPr lang="en-US"/>
           </a:p>
@@ -1852,7 +1853,7 @@
           <a:p>
             <a:fld id="{3E6E40AA-6AEA-3E4C-834D-1791CEC61FE5}" type="datetimeFigureOut">
               <a:rPr lang="en-US" smtClean="0"/>
-              <a:t>1/27/21</a:t>
+              <a:t>1/28/21</a:t>
             </a:fld>
             <a:endParaRPr lang="en-US"/>
           </a:p>
@@ -2050,7 +2051,7 @@
           <a:p>
             <a:fld id="{3E6E40AA-6AEA-3E4C-834D-1791CEC61FE5}" type="datetimeFigureOut">
               <a:rPr lang="en-US" smtClean="0"/>
-              <a:t>1/27/21</a:t>
+              <a:t>1/28/21</a:t>
             </a:fld>
             <a:endParaRPr lang="en-US"/>
           </a:p>
@@ -2325,7 +2326,7 @@
           <a:p>
             <a:fld id="{3E6E40AA-6AEA-3E4C-834D-1791CEC61FE5}" type="datetimeFigureOut">
               <a:rPr lang="en-US" smtClean="0"/>
-              <a:t>1/27/21</a:t>
+              <a:t>1/28/21</a:t>
             </a:fld>
             <a:endParaRPr lang="en-US"/>
           </a:p>
@@ -2590,7 +2591,7 @@
           <a:p>
             <a:fld id="{3E6E40AA-6AEA-3E4C-834D-1791CEC61FE5}" type="datetimeFigureOut">
               <a:rPr lang="en-US" smtClean="0"/>
-              <a:t>1/27/21</a:t>
+              <a:t>1/28/21</a:t>
             </a:fld>
             <a:endParaRPr lang="en-US"/>
           </a:p>
@@ -3002,7 +3003,7 @@
           <a:p>
             <a:fld id="{3E6E40AA-6AEA-3E4C-834D-1791CEC61FE5}" type="datetimeFigureOut">
               <a:rPr lang="en-US" smtClean="0"/>
-              <a:t>1/27/21</a:t>
+              <a:t>1/28/21</a:t>
             </a:fld>
             <a:endParaRPr lang="en-US"/>
           </a:p>
@@ -3143,7 +3144,7 @@
           <a:p>
             <a:fld id="{3E6E40AA-6AEA-3E4C-834D-1791CEC61FE5}" type="datetimeFigureOut">
               <a:rPr lang="en-US" smtClean="0"/>
-              <a:t>1/27/21</a:t>
+              <a:t>1/28/21</a:t>
             </a:fld>
             <a:endParaRPr lang="en-US"/>
           </a:p>
@@ -3256,7 +3257,7 @@
           <a:p>
             <a:fld id="{3E6E40AA-6AEA-3E4C-834D-1791CEC61FE5}" type="datetimeFigureOut">
               <a:rPr lang="en-US" smtClean="0"/>
-              <a:t>1/27/21</a:t>
+              <a:t>1/28/21</a:t>
             </a:fld>
             <a:endParaRPr lang="en-US"/>
           </a:p>
@@ -3567,7 +3568,7 @@
           <a:p>
             <a:fld id="{3E6E40AA-6AEA-3E4C-834D-1791CEC61FE5}" type="datetimeFigureOut">
               <a:rPr lang="en-US" smtClean="0"/>
-              <a:t>1/27/21</a:t>
+              <a:t>1/28/21</a:t>
             </a:fld>
             <a:endParaRPr lang="en-US"/>
           </a:p>
@@ -3855,7 +3856,7 @@
           <a:p>
             <a:fld id="{3E6E40AA-6AEA-3E4C-834D-1791CEC61FE5}" type="datetimeFigureOut">
               <a:rPr lang="en-US" smtClean="0"/>
-              <a:t>1/27/21</a:t>
+              <a:t>1/28/21</a:t>
             </a:fld>
             <a:endParaRPr lang="en-US"/>
           </a:p>
@@ -4096,7 +4097,7 @@
           <a:p>
             <a:fld id="{3E6E40AA-6AEA-3E4C-834D-1791CEC61FE5}" type="datetimeFigureOut">
               <a:rPr lang="en-US" smtClean="0"/>
-              <a:t>1/27/21</a:t>
+              <a:t>1/28/21</a:t>
             </a:fld>
             <a:endParaRPr lang="en-US"/>
           </a:p>
@@ -5996,6 +5997,1773 @@
           <a:p>
             <a:r>
               <a:rPr lang="en-US" dirty="0"/>
+              <a:t>Delete neighbor – small VPC</a:t>
+            </a:r>
+          </a:p>
+        </p:txBody>
+      </p:sp>
+      <p:sp>
+        <p:nvSpPr>
+          <p:cNvPr id="85" name="Content Placeholder 2">
+            <a:extLst>
+              <a:ext uri="{FF2B5EF4-FFF2-40B4-BE49-F238E27FC236}">
+                <a16:creationId xmlns:a16="http://schemas.microsoft.com/office/drawing/2014/main" id="{FEF360CE-5B08-434F-B96B-507A25C80FEC}"/>
+              </a:ext>
+            </a:extLst>
+          </p:cNvPr>
+          <p:cNvSpPr>
+            <a:spLocks noGrp="1"/>
+          </p:cNvSpPr>
+          <p:nvPr>
+            <p:ph idx="1"/>
+          </p:nvPr>
+        </p:nvSpPr>
+        <p:spPr>
+          <a:xfrm>
+            <a:off x="105168" y="762872"/>
+            <a:ext cx="7561038" cy="5923766"/>
+          </a:xfrm>
+        </p:spPr>
+        <p:txBody>
+          <a:bodyPr>
+            <a:normAutofit/>
+          </a:bodyPr>
+          <a:lstStyle/>
+          <a:p>
+            <a:r>
+              <a:rPr lang="en-US" u="sng" dirty="0">
+                <a:solidFill>
+                  <a:srgbClr val="FF0000"/>
+                </a:solidFill>
+              </a:rPr>
+              <a:t>AGA act as passthrough proxy</a:t>
+            </a:r>
+          </a:p>
+          <a:p>
+            <a:r>
+              <a:rPr lang="en-US" dirty="0"/>
+              <a:t>DPM -&gt; AGA: neighbor state</a:t>
+            </a:r>
+          </a:p>
+          <a:p>
+            <a:pPr lvl="1"/>
+            <a:r>
+              <a:rPr lang="en-US" dirty="0" err="1"/>
+              <a:t>vpc_size</a:t>
+            </a:r>
+            <a:r>
+              <a:rPr lang="en-US" dirty="0"/>
+              <a:t> from </a:t>
+            </a:r>
+            <a:r>
+              <a:rPr lang="en-US" dirty="0" err="1"/>
+              <a:t>VpcState</a:t>
+            </a:r>
+            <a:r>
+              <a:rPr lang="en-US" dirty="0"/>
+              <a:t> = SMALL</a:t>
+            </a:r>
+          </a:p>
+          <a:p>
+            <a:pPr lvl="1"/>
+            <a:r>
+              <a:rPr lang="en-US" dirty="0" err="1"/>
+              <a:t>operation_type</a:t>
+            </a:r>
+            <a:r>
+              <a:rPr lang="en-US" dirty="0"/>
+              <a:t> = DELETE</a:t>
+            </a:r>
+          </a:p>
+          <a:p>
+            <a:pPr lvl="1"/>
+            <a:r>
+              <a:rPr lang="en-US" dirty="0" err="1"/>
+              <a:t>targetted_hosts</a:t>
+            </a:r>
+            <a:r>
+              <a:rPr lang="en-US" dirty="0"/>
+              <a:t> = [“host 1”] (array of 1 host)</a:t>
+            </a:r>
+          </a:p>
+          <a:p>
+            <a:pPr lvl="1"/>
+            <a:r>
+              <a:rPr lang="en-US" dirty="0" err="1"/>
+              <a:t>revision_number</a:t>
+            </a:r>
+            <a:r>
+              <a:rPr lang="en-US" dirty="0"/>
+              <a:t> = 7</a:t>
+            </a:r>
+          </a:p>
+          <a:p>
+            <a:pPr lvl="1"/>
+            <a:r>
+              <a:rPr lang="en-US" dirty="0" err="1"/>
+              <a:t>update_type</a:t>
+            </a:r>
+            <a:r>
+              <a:rPr lang="en-US" dirty="0"/>
+              <a:t> = FULL</a:t>
+            </a:r>
+          </a:p>
+          <a:p>
+            <a:r>
+              <a:rPr lang="en-US" dirty="0"/>
+              <a:t>AGA-&gt;ACA</a:t>
+            </a:r>
+          </a:p>
+          <a:p>
+            <a:pPr lvl="1"/>
+            <a:r>
+              <a:rPr lang="en-US" dirty="0"/>
+              <a:t>Sends it down to the corresponding ACA host</a:t>
+            </a:r>
+          </a:p>
+          <a:p>
+            <a:pPr lvl="1"/>
+            <a:r>
+              <a:rPr lang="en-US" dirty="0"/>
+              <a:t>Update the delete neighbor full state (delete it or keep it for out of order handling?)</a:t>
+            </a:r>
+          </a:p>
+          <a:p>
+            <a:pPr lvl="1"/>
+            <a:r>
+              <a:rPr lang="en-US" dirty="0"/>
+              <a:t>clear all previous Delta states (#6)</a:t>
+            </a:r>
+          </a:p>
+        </p:txBody>
+      </p:sp>
+      <p:graphicFrame>
+        <p:nvGraphicFramePr>
+          <p:cNvPr id="8" name="Table 10">
+            <a:extLst>
+              <a:ext uri="{FF2B5EF4-FFF2-40B4-BE49-F238E27FC236}">
+                <a16:creationId xmlns:a16="http://schemas.microsoft.com/office/drawing/2014/main" id="{491F93DD-975D-3941-B43A-F9D09AFDEF54}"/>
+              </a:ext>
+            </a:extLst>
+          </p:cNvPr>
+          <p:cNvGraphicFramePr>
+            <a:graphicFrameLocks noGrp="1"/>
+          </p:cNvGraphicFramePr>
+          <p:nvPr/>
+        </p:nvGraphicFramePr>
+        <p:xfrm>
+          <a:off x="8485837" y="2760898"/>
+          <a:ext cx="3472556" cy="1395652"/>
+        </p:xfrm>
+        <a:graphic>
+          <a:graphicData uri="http://schemas.openxmlformats.org/drawingml/2006/table">
+            <a:tbl>
+              <a:tblPr firstRow="1" bandRow="1">
+                <a:tableStyleId>{5C22544A-7EE6-4342-B048-85BDC9FD1C3A}</a:tableStyleId>
+              </a:tblPr>
+              <a:tblGrid>
+                <a:gridCol w="1525306">
+                  <a:extLst>
+                    <a:ext uri="{9D8B030D-6E8A-4147-A177-3AD203B41FA5}">
+                      <a16:colId xmlns:a16="http://schemas.microsoft.com/office/drawing/2014/main" val="3997333578"/>
+                    </a:ext>
+                  </a:extLst>
+                </a:gridCol>
+                <a:gridCol w="485564">
+                  <a:extLst>
+                    <a:ext uri="{9D8B030D-6E8A-4147-A177-3AD203B41FA5}">
+                      <a16:colId xmlns:a16="http://schemas.microsoft.com/office/drawing/2014/main" val="1076842233"/>
+                    </a:ext>
+                  </a:extLst>
+                </a:gridCol>
+                <a:gridCol w="1461686">
+                  <a:extLst>
+                    <a:ext uri="{9D8B030D-6E8A-4147-A177-3AD203B41FA5}">
+                      <a16:colId xmlns:a16="http://schemas.microsoft.com/office/drawing/2014/main" val="3042798488"/>
+                    </a:ext>
+                  </a:extLst>
+                </a:gridCol>
+              </a:tblGrid>
+              <a:tr h="0">
+                <a:tc>
+                  <a:txBody>
+                    <a:bodyPr/>
+                    <a:lstStyle/>
+                    <a:p>
+                      <a:r>
+                        <a:rPr lang="en-US" sz="1200" dirty="0"/>
+                        <a:t>Host1, Neighbor Resource ID=“234”, Sent = </a:t>
+                      </a:r>
+                      <a:r>
+                        <a:rPr lang="en-US" sz="1200" dirty="0">
+                          <a:solidFill>
+                            <a:srgbClr val="FF0000"/>
+                          </a:solidFill>
+                        </a:rPr>
+                        <a:t>True</a:t>
+                      </a:r>
+                    </a:p>
+                  </a:txBody>
+                  <a:tcPr/>
+                </a:tc>
+                <a:tc>
+                  <a:txBody>
+                    <a:bodyPr/>
+                    <a:lstStyle/>
+                    <a:p>
+                      <a:r>
+                        <a:rPr lang="en-US" sz="1200" dirty="0"/>
+                        <a:t>Version</a:t>
+                      </a:r>
+                    </a:p>
+                  </a:txBody>
+                  <a:tcPr/>
+                </a:tc>
+                <a:tc>
+                  <a:txBody>
+                    <a:bodyPr/>
+                    <a:lstStyle/>
+                    <a:p>
+                      <a:r>
+                        <a:rPr lang="en-US" sz="1200" dirty="0"/>
+                        <a:t>State</a:t>
+                      </a:r>
+                    </a:p>
+                  </a:txBody>
+                  <a:tcPr/>
+                </a:tc>
+                <a:extLst>
+                  <a:ext uri="{0D108BD9-81ED-4DB2-BD59-A6C34878D82A}">
+                    <a16:rowId xmlns:a16="http://schemas.microsoft.com/office/drawing/2014/main" val="3094804447"/>
+                  </a:ext>
+                </a:extLst>
+              </a:tr>
+              <a:tr h="298372">
+                <a:tc>
+                  <a:txBody>
+                    <a:bodyPr/>
+                    <a:lstStyle/>
+                    <a:p>
+                      <a:r>
+                        <a:rPr lang="en-US" sz="1200" dirty="0"/>
+                        <a:t>Last Full Update</a:t>
+                      </a:r>
+                    </a:p>
+                  </a:txBody>
+                  <a:tcPr/>
+                </a:tc>
+                <a:tc>
+                  <a:txBody>
+                    <a:bodyPr/>
+                    <a:lstStyle/>
+                    <a:p>
+                      <a:r>
+                        <a:rPr lang="en-US" sz="1200" dirty="0"/>
+                        <a:t>7</a:t>
+                      </a:r>
+                    </a:p>
+                  </a:txBody>
+                  <a:tcPr/>
+                </a:tc>
+                <a:tc>
+                  <a:txBody>
+                    <a:bodyPr/>
+                    <a:lstStyle/>
+                    <a:p>
+                      <a:r>
+                        <a:rPr lang="en-US" sz="1200" dirty="0"/>
+                        <a:t>NeighFullState#7 (DELETE)</a:t>
+                      </a:r>
+                    </a:p>
+                  </a:txBody>
+                  <a:tcPr/>
+                </a:tc>
+                <a:extLst>
+                  <a:ext uri="{0D108BD9-81ED-4DB2-BD59-A6C34878D82A}">
+                    <a16:rowId xmlns:a16="http://schemas.microsoft.com/office/drawing/2014/main" val="2868273196"/>
+                  </a:ext>
+                </a:extLst>
+              </a:tr>
+              <a:tr h="298372">
+                <a:tc>
+                  <a:txBody>
+                    <a:bodyPr/>
+                    <a:lstStyle/>
+                    <a:p>
+                      <a:r>
+                        <a:rPr lang="en-US" sz="1200" strike="sngStrike" dirty="0"/>
+                        <a:t>Last Delta Update</a:t>
+                      </a:r>
+                    </a:p>
+                  </a:txBody>
+                  <a:tcPr/>
+                </a:tc>
+                <a:tc>
+                  <a:txBody>
+                    <a:bodyPr/>
+                    <a:lstStyle/>
+                    <a:p>
+                      <a:r>
+                        <a:rPr lang="en-US" sz="1200" strike="sngStrike" dirty="0"/>
+                        <a:t>6</a:t>
+                      </a:r>
+                    </a:p>
+                  </a:txBody>
+                  <a:tcPr/>
+                </a:tc>
+                <a:tc>
+                  <a:txBody>
+                    <a:bodyPr/>
+                    <a:lstStyle/>
+                    <a:p>
+                      <a:r>
+                        <a:rPr lang="en-US" sz="1200" strike="sngStrike" dirty="0"/>
+                        <a:t>NeighDeltaState#6</a:t>
+                      </a:r>
+                    </a:p>
+                  </a:txBody>
+                  <a:tcPr/>
+                </a:tc>
+                <a:extLst>
+                  <a:ext uri="{0D108BD9-81ED-4DB2-BD59-A6C34878D82A}">
+                    <a16:rowId xmlns:a16="http://schemas.microsoft.com/office/drawing/2014/main" val="329187170"/>
+                  </a:ext>
+                </a:extLst>
+              </a:tr>
+            </a:tbl>
+          </a:graphicData>
+        </a:graphic>
+      </p:graphicFrame>
+    </p:spTree>
+    <p:extLst>
+      <p:ext uri="{BB962C8B-B14F-4D97-AF65-F5344CB8AC3E}">
+        <p14:creationId xmlns:p14="http://schemas.microsoft.com/office/powerpoint/2010/main" val="2085386961"/>
+      </p:ext>
+    </p:extLst>
+  </p:cSld>
+  <p:clrMapOvr>
+    <a:masterClrMapping/>
+  </p:clrMapOvr>
+</p:sld>
+</file>
+
+<file path=ppt/slides/slide11.xml><?xml version="1.0" encoding="utf-8"?>
+<p:sld xmlns:a="http://schemas.openxmlformats.org/drawingml/2006/main" xmlns:r="http://schemas.openxmlformats.org/officeDocument/2006/relationships" xmlns:p="http://schemas.openxmlformats.org/presentationml/2006/main">
+  <p:cSld>
+    <p:spTree>
+      <p:nvGrpSpPr>
+        <p:cNvPr id="1" name=""/>
+        <p:cNvGrpSpPr/>
+        <p:nvPr/>
+      </p:nvGrpSpPr>
+      <p:grpSpPr>
+        <a:xfrm>
+          <a:off x="0" y="0"/>
+          <a:ext cx="0" cy="0"/>
+          <a:chOff x="0" y="0"/>
+          <a:chExt cx="0" cy="0"/>
+        </a:xfrm>
+      </p:grpSpPr>
+      <p:sp>
+        <p:nvSpPr>
+          <p:cNvPr id="6" name="Rounded Rectangle 5">
+            <a:extLst>
+              <a:ext uri="{FF2B5EF4-FFF2-40B4-BE49-F238E27FC236}">
+                <a16:creationId xmlns:a16="http://schemas.microsoft.com/office/drawing/2014/main" id="{86B29247-8203-1B4A-9AE5-5260FB689DEF}"/>
+              </a:ext>
+            </a:extLst>
+          </p:cNvPr>
+          <p:cNvSpPr/>
+          <p:nvPr/>
+        </p:nvSpPr>
+        <p:spPr>
+          <a:xfrm>
+            <a:off x="7754404" y="5393532"/>
+            <a:ext cx="1957422" cy="1420733"/>
+          </a:xfrm>
+          <a:prstGeom prst="roundRect">
+            <a:avLst/>
+          </a:prstGeom>
+          <a:solidFill>
+            <a:schemeClr val="bg1">
+              <a:lumMod val="85000"/>
+            </a:schemeClr>
+          </a:solidFill>
+        </p:spPr>
+        <p:style>
+          <a:lnRef idx="2">
+            <a:schemeClr val="accent1">
+              <a:shade val="50000"/>
+            </a:schemeClr>
+          </a:lnRef>
+          <a:fillRef idx="1">
+            <a:schemeClr val="accent1"/>
+          </a:fillRef>
+          <a:effectRef idx="0">
+            <a:schemeClr val="accent1"/>
+          </a:effectRef>
+          <a:fontRef idx="minor">
+            <a:schemeClr val="lt1"/>
+          </a:fontRef>
+        </p:style>
+        <p:txBody>
+          <a:bodyPr rtlCol="0" anchor="ctr"/>
+          <a:lstStyle/>
+          <a:p>
+            <a:pPr algn="ctr"/>
+            <a:endParaRPr lang="en-US" sz="1050" dirty="0"/>
+          </a:p>
+        </p:txBody>
+      </p:sp>
+      <p:sp>
+        <p:nvSpPr>
+          <p:cNvPr id="7" name="Rounded Rectangle 6">
+            <a:extLst>
+              <a:ext uri="{FF2B5EF4-FFF2-40B4-BE49-F238E27FC236}">
+                <a16:creationId xmlns:a16="http://schemas.microsoft.com/office/drawing/2014/main" id="{D695EC23-43FD-9A4E-AEB5-E63A84873979}"/>
+              </a:ext>
+            </a:extLst>
+          </p:cNvPr>
+          <p:cNvSpPr/>
+          <p:nvPr/>
+        </p:nvSpPr>
+        <p:spPr>
+          <a:xfrm>
+            <a:off x="7963891" y="5432953"/>
+            <a:ext cx="1601732" cy="1297672"/>
+          </a:xfrm>
+          <a:prstGeom prst="roundRect">
+            <a:avLst/>
+          </a:prstGeom>
+          <a:solidFill>
+            <a:schemeClr val="accent1"/>
+          </a:solidFill>
+        </p:spPr>
+        <p:style>
+          <a:lnRef idx="2">
+            <a:schemeClr val="accent1">
+              <a:shade val="50000"/>
+            </a:schemeClr>
+          </a:lnRef>
+          <a:fillRef idx="1">
+            <a:schemeClr val="accent1"/>
+          </a:fillRef>
+          <a:effectRef idx="0">
+            <a:schemeClr val="accent1"/>
+          </a:effectRef>
+          <a:fontRef idx="minor">
+            <a:schemeClr val="lt1"/>
+          </a:fontRef>
+        </p:style>
+        <p:txBody>
+          <a:bodyPr rtlCol="0" anchor="ctr"/>
+          <a:lstStyle/>
+          <a:p>
+            <a:pPr algn="ctr"/>
+            <a:endParaRPr lang="en-US" sz="1050" dirty="0"/>
+          </a:p>
+        </p:txBody>
+      </p:sp>
+      <p:sp>
+        <p:nvSpPr>
+          <p:cNvPr id="26" name="Rectangle 25">
+            <a:extLst>
+              <a:ext uri="{FF2B5EF4-FFF2-40B4-BE49-F238E27FC236}">
+                <a16:creationId xmlns:a16="http://schemas.microsoft.com/office/drawing/2014/main" id="{77E77911-0FD9-A142-A4A4-34BB4082EA39}"/>
+              </a:ext>
+            </a:extLst>
+          </p:cNvPr>
+          <p:cNvSpPr/>
+          <p:nvPr/>
+        </p:nvSpPr>
+        <p:spPr>
+          <a:xfrm>
+            <a:off x="8398751" y="5478847"/>
+            <a:ext cx="776788" cy="185612"/>
+          </a:xfrm>
+          <a:prstGeom prst="rect">
+            <a:avLst/>
+          </a:prstGeom>
+          <a:solidFill>
+            <a:srgbClr val="7030A0"/>
+          </a:solidFill>
+        </p:spPr>
+        <p:style>
+          <a:lnRef idx="2">
+            <a:schemeClr val="accent1">
+              <a:shade val="50000"/>
+            </a:schemeClr>
+          </a:lnRef>
+          <a:fillRef idx="1">
+            <a:schemeClr val="accent1"/>
+          </a:fillRef>
+          <a:effectRef idx="0">
+            <a:schemeClr val="accent1"/>
+          </a:effectRef>
+          <a:fontRef idx="minor">
+            <a:schemeClr val="lt1"/>
+          </a:fontRef>
+        </p:style>
+        <p:txBody>
+          <a:bodyPr rtlCol="0" anchor="ctr"/>
+          <a:lstStyle/>
+          <a:p>
+            <a:pPr algn="ctr"/>
+            <a:r>
+              <a:rPr lang="en-US" sz="900" dirty="0"/>
+              <a:t>ACA</a:t>
+            </a:r>
+          </a:p>
+        </p:txBody>
+      </p:sp>
+      <p:sp>
+        <p:nvSpPr>
+          <p:cNvPr id="2" name="Rectangle 1">
+            <a:extLst>
+              <a:ext uri="{FF2B5EF4-FFF2-40B4-BE49-F238E27FC236}">
+                <a16:creationId xmlns:a16="http://schemas.microsoft.com/office/drawing/2014/main" id="{83DD1A05-FC85-1C46-ADB3-2D6171C7A240}"/>
+              </a:ext>
+            </a:extLst>
+          </p:cNvPr>
+          <p:cNvSpPr/>
+          <p:nvPr/>
+        </p:nvSpPr>
+        <p:spPr>
+          <a:xfrm>
+            <a:off x="7994029" y="5745959"/>
+            <a:ext cx="719238" cy="299832"/>
+          </a:xfrm>
+          <a:prstGeom prst="rect">
+            <a:avLst/>
+          </a:prstGeom>
+        </p:spPr>
+        <p:style>
+          <a:lnRef idx="2">
+            <a:schemeClr val="accent6"/>
+          </a:lnRef>
+          <a:fillRef idx="1">
+            <a:schemeClr val="lt1"/>
+          </a:fillRef>
+          <a:effectRef idx="0">
+            <a:schemeClr val="accent6"/>
+          </a:effectRef>
+          <a:fontRef idx="minor">
+            <a:schemeClr val="dk1"/>
+          </a:fontRef>
+        </p:style>
+        <p:txBody>
+          <a:bodyPr rtlCol="0" anchor="ctr"/>
+          <a:lstStyle/>
+          <a:p>
+            <a:pPr algn="ctr"/>
+            <a:r>
+              <a:rPr lang="en-US" sz="900" dirty="0">
+                <a:solidFill>
+                  <a:schemeClr val="accent6"/>
+                </a:solidFill>
+              </a:rPr>
+              <a:t>VM1</a:t>
+            </a:r>
+          </a:p>
+          <a:p>
+            <a:pPr algn="ctr"/>
+            <a:r>
+              <a:rPr lang="en-US" sz="900" dirty="0">
+                <a:solidFill>
+                  <a:schemeClr val="accent6"/>
+                </a:solidFill>
+              </a:rPr>
+              <a:t>10.0.0.101</a:t>
+            </a:r>
+          </a:p>
+        </p:txBody>
+      </p:sp>
+      <p:sp>
+        <p:nvSpPr>
+          <p:cNvPr id="47" name="Rectangle 46">
+            <a:extLst>
+              <a:ext uri="{FF2B5EF4-FFF2-40B4-BE49-F238E27FC236}">
+                <a16:creationId xmlns:a16="http://schemas.microsoft.com/office/drawing/2014/main" id="{B78D16F2-1DEF-BF4F-B0F2-072F5CA60812}"/>
+              </a:ext>
+            </a:extLst>
+          </p:cNvPr>
+          <p:cNvSpPr/>
+          <p:nvPr/>
+        </p:nvSpPr>
+        <p:spPr>
+          <a:xfrm>
+            <a:off x="7994030" y="6238292"/>
+            <a:ext cx="719237" cy="299832"/>
+          </a:xfrm>
+          <a:prstGeom prst="rect">
+            <a:avLst/>
+          </a:prstGeom>
+        </p:spPr>
+        <p:style>
+          <a:lnRef idx="2">
+            <a:schemeClr val="accent6"/>
+          </a:lnRef>
+          <a:fillRef idx="1">
+            <a:schemeClr val="lt1"/>
+          </a:fillRef>
+          <a:effectRef idx="0">
+            <a:schemeClr val="accent6"/>
+          </a:effectRef>
+          <a:fontRef idx="minor">
+            <a:schemeClr val="dk1"/>
+          </a:fontRef>
+        </p:style>
+        <p:txBody>
+          <a:bodyPr rtlCol="0" anchor="ctr"/>
+          <a:lstStyle/>
+          <a:p>
+            <a:pPr algn="ctr"/>
+            <a:r>
+              <a:rPr lang="en-US" sz="900" dirty="0">
+                <a:solidFill>
+                  <a:srgbClr val="FF0000"/>
+                </a:solidFill>
+              </a:rPr>
+              <a:t>VM2</a:t>
+            </a:r>
+          </a:p>
+          <a:p>
+            <a:pPr algn="ctr"/>
+            <a:r>
+              <a:rPr lang="en-US" sz="900" dirty="0">
+                <a:solidFill>
+                  <a:srgbClr val="FF0000"/>
+                </a:solidFill>
+              </a:rPr>
+              <a:t>10.0.1.102</a:t>
+            </a:r>
+          </a:p>
+        </p:txBody>
+      </p:sp>
+      <p:sp>
+        <p:nvSpPr>
+          <p:cNvPr id="4" name="Card 3">
+            <a:extLst>
+              <a:ext uri="{FF2B5EF4-FFF2-40B4-BE49-F238E27FC236}">
+                <a16:creationId xmlns:a16="http://schemas.microsoft.com/office/drawing/2014/main" id="{288F9827-C38F-DE41-8293-AD2362021959}"/>
+              </a:ext>
+            </a:extLst>
+          </p:cNvPr>
+          <p:cNvSpPr/>
+          <p:nvPr/>
+        </p:nvSpPr>
+        <p:spPr>
+          <a:xfrm>
+            <a:off x="8813807" y="5758355"/>
+            <a:ext cx="481984" cy="275041"/>
+          </a:xfrm>
+          <a:prstGeom prst="flowChartPunchedCard">
+            <a:avLst/>
+          </a:prstGeom>
+        </p:spPr>
+        <p:style>
+          <a:lnRef idx="3">
+            <a:schemeClr val="lt1"/>
+          </a:lnRef>
+          <a:fillRef idx="1">
+            <a:schemeClr val="accent2"/>
+          </a:fillRef>
+          <a:effectRef idx="1">
+            <a:schemeClr val="accent2"/>
+          </a:effectRef>
+          <a:fontRef idx="minor">
+            <a:schemeClr val="lt1"/>
+          </a:fontRef>
+        </p:style>
+        <p:txBody>
+          <a:bodyPr rtlCol="0" anchor="ctr"/>
+          <a:lstStyle/>
+          <a:p>
+            <a:pPr algn="ctr"/>
+            <a:r>
+              <a:rPr lang="en-US" sz="1050" dirty="0">
+                <a:solidFill>
+                  <a:schemeClr val="tx1"/>
+                </a:solidFill>
+              </a:rPr>
+              <a:t>OVS</a:t>
+            </a:r>
+          </a:p>
+        </p:txBody>
+      </p:sp>
+      <p:sp>
+        <p:nvSpPr>
+          <p:cNvPr id="25" name="Rounded Rectangle 24">
+            <a:extLst>
+              <a:ext uri="{FF2B5EF4-FFF2-40B4-BE49-F238E27FC236}">
+                <a16:creationId xmlns:a16="http://schemas.microsoft.com/office/drawing/2014/main" id="{81B0697B-D999-1C40-BE43-F50DA8F2E613}"/>
+              </a:ext>
+            </a:extLst>
+          </p:cNvPr>
+          <p:cNvSpPr/>
+          <p:nvPr/>
+        </p:nvSpPr>
+        <p:spPr>
+          <a:xfrm>
+            <a:off x="10123381" y="5398564"/>
+            <a:ext cx="1957422" cy="1420733"/>
+          </a:xfrm>
+          <a:prstGeom prst="roundRect">
+            <a:avLst/>
+          </a:prstGeom>
+          <a:solidFill>
+            <a:schemeClr val="bg1">
+              <a:lumMod val="85000"/>
+            </a:schemeClr>
+          </a:solidFill>
+        </p:spPr>
+        <p:style>
+          <a:lnRef idx="2">
+            <a:schemeClr val="accent1">
+              <a:shade val="50000"/>
+            </a:schemeClr>
+          </a:lnRef>
+          <a:fillRef idx="1">
+            <a:schemeClr val="accent1"/>
+          </a:fillRef>
+          <a:effectRef idx="0">
+            <a:schemeClr val="accent1"/>
+          </a:effectRef>
+          <a:fontRef idx="minor">
+            <a:schemeClr val="lt1"/>
+          </a:fontRef>
+        </p:style>
+        <p:txBody>
+          <a:bodyPr rtlCol="0" anchor="ctr"/>
+          <a:lstStyle/>
+          <a:p>
+            <a:pPr algn="ctr"/>
+            <a:endParaRPr lang="en-US" sz="1050" dirty="0"/>
+          </a:p>
+        </p:txBody>
+      </p:sp>
+      <p:sp>
+        <p:nvSpPr>
+          <p:cNvPr id="27" name="Rounded Rectangle 26">
+            <a:extLst>
+              <a:ext uri="{FF2B5EF4-FFF2-40B4-BE49-F238E27FC236}">
+                <a16:creationId xmlns:a16="http://schemas.microsoft.com/office/drawing/2014/main" id="{A4458021-C7AA-7845-A2FA-B9E99CF9FF13}"/>
+              </a:ext>
+            </a:extLst>
+          </p:cNvPr>
+          <p:cNvSpPr/>
+          <p:nvPr/>
+        </p:nvSpPr>
+        <p:spPr>
+          <a:xfrm>
+            <a:off x="10332868" y="5432952"/>
+            <a:ext cx="1601732" cy="1302705"/>
+          </a:xfrm>
+          <a:prstGeom prst="roundRect">
+            <a:avLst/>
+          </a:prstGeom>
+          <a:solidFill>
+            <a:schemeClr val="accent1"/>
+          </a:solidFill>
+        </p:spPr>
+        <p:style>
+          <a:lnRef idx="2">
+            <a:schemeClr val="accent1">
+              <a:shade val="50000"/>
+            </a:schemeClr>
+          </a:lnRef>
+          <a:fillRef idx="1">
+            <a:schemeClr val="accent1"/>
+          </a:fillRef>
+          <a:effectRef idx="0">
+            <a:schemeClr val="accent1"/>
+          </a:effectRef>
+          <a:fontRef idx="minor">
+            <a:schemeClr val="lt1"/>
+          </a:fontRef>
+        </p:style>
+        <p:txBody>
+          <a:bodyPr rtlCol="0" anchor="ctr"/>
+          <a:lstStyle/>
+          <a:p>
+            <a:pPr algn="ctr"/>
+            <a:endParaRPr lang="en-US" sz="1050" dirty="0"/>
+          </a:p>
+        </p:txBody>
+      </p:sp>
+      <p:sp>
+        <p:nvSpPr>
+          <p:cNvPr id="28" name="Rectangle 27">
+            <a:extLst>
+              <a:ext uri="{FF2B5EF4-FFF2-40B4-BE49-F238E27FC236}">
+                <a16:creationId xmlns:a16="http://schemas.microsoft.com/office/drawing/2014/main" id="{03AE3161-BD0A-E340-989D-C567B5319DFF}"/>
+              </a:ext>
+            </a:extLst>
+          </p:cNvPr>
+          <p:cNvSpPr/>
+          <p:nvPr/>
+        </p:nvSpPr>
+        <p:spPr>
+          <a:xfrm>
+            <a:off x="10745340" y="5488735"/>
+            <a:ext cx="776788" cy="185612"/>
+          </a:xfrm>
+          <a:prstGeom prst="rect">
+            <a:avLst/>
+          </a:prstGeom>
+          <a:solidFill>
+            <a:srgbClr val="7030A0"/>
+          </a:solidFill>
+        </p:spPr>
+        <p:style>
+          <a:lnRef idx="2">
+            <a:schemeClr val="accent1">
+              <a:shade val="50000"/>
+            </a:schemeClr>
+          </a:lnRef>
+          <a:fillRef idx="1">
+            <a:schemeClr val="accent1"/>
+          </a:fillRef>
+          <a:effectRef idx="0">
+            <a:schemeClr val="accent1"/>
+          </a:effectRef>
+          <a:fontRef idx="minor">
+            <a:schemeClr val="lt1"/>
+          </a:fontRef>
+        </p:style>
+        <p:txBody>
+          <a:bodyPr rtlCol="0" anchor="ctr"/>
+          <a:lstStyle/>
+          <a:p>
+            <a:pPr algn="ctr"/>
+            <a:r>
+              <a:rPr lang="en-US" sz="900" dirty="0"/>
+              <a:t>ACA</a:t>
+            </a:r>
+          </a:p>
+        </p:txBody>
+      </p:sp>
+      <p:sp>
+        <p:nvSpPr>
+          <p:cNvPr id="29" name="TextBox 28">
+            <a:extLst>
+              <a:ext uri="{FF2B5EF4-FFF2-40B4-BE49-F238E27FC236}">
+                <a16:creationId xmlns:a16="http://schemas.microsoft.com/office/drawing/2014/main" id="{EBF2506E-16F2-914C-A9B4-9B9793F4BD48}"/>
+              </a:ext>
+            </a:extLst>
+          </p:cNvPr>
+          <p:cNvSpPr txBox="1"/>
+          <p:nvPr/>
+        </p:nvSpPr>
+        <p:spPr>
+          <a:xfrm rot="16200000">
+            <a:off x="9582513" y="5901585"/>
+            <a:ext cx="1293107" cy="276999"/>
+          </a:xfrm>
+          <a:prstGeom prst="rect">
+            <a:avLst/>
+          </a:prstGeom>
+          <a:noFill/>
+        </p:spPr>
+        <p:txBody>
+          <a:bodyPr wrap="square" rtlCol="0">
+            <a:spAutoFit/>
+          </a:bodyPr>
+          <a:lstStyle/>
+          <a:p>
+            <a:r>
+              <a:rPr lang="en-US" sz="1200" dirty="0"/>
+              <a:t>Compute Host N</a:t>
+            </a:r>
+          </a:p>
+        </p:txBody>
+      </p:sp>
+      <p:sp>
+        <p:nvSpPr>
+          <p:cNvPr id="30" name="Rectangle 29">
+            <a:extLst>
+              <a:ext uri="{FF2B5EF4-FFF2-40B4-BE49-F238E27FC236}">
+                <a16:creationId xmlns:a16="http://schemas.microsoft.com/office/drawing/2014/main" id="{0C841257-32A4-FD4A-B3DD-9A477B733363}"/>
+              </a:ext>
+            </a:extLst>
+          </p:cNvPr>
+          <p:cNvSpPr/>
+          <p:nvPr/>
+        </p:nvSpPr>
+        <p:spPr>
+          <a:xfrm>
+            <a:off x="10349098" y="5758354"/>
+            <a:ext cx="702636" cy="299832"/>
+          </a:xfrm>
+          <a:prstGeom prst="rect">
+            <a:avLst/>
+          </a:prstGeom>
+        </p:spPr>
+        <p:style>
+          <a:lnRef idx="2">
+            <a:schemeClr val="accent6"/>
+          </a:lnRef>
+          <a:fillRef idx="1">
+            <a:schemeClr val="lt1"/>
+          </a:fillRef>
+          <a:effectRef idx="0">
+            <a:schemeClr val="accent6"/>
+          </a:effectRef>
+          <a:fontRef idx="minor">
+            <a:schemeClr val="dk1"/>
+          </a:fontRef>
+        </p:style>
+        <p:txBody>
+          <a:bodyPr rtlCol="0" anchor="ctr"/>
+          <a:lstStyle/>
+          <a:p>
+            <a:pPr algn="ctr"/>
+            <a:r>
+              <a:rPr lang="en-US" sz="900" dirty="0">
+                <a:solidFill>
+                  <a:schemeClr val="accent6"/>
+                </a:solidFill>
+              </a:rPr>
+              <a:t>VM3</a:t>
+            </a:r>
+          </a:p>
+          <a:p>
+            <a:pPr algn="ctr"/>
+            <a:r>
+              <a:rPr lang="en-US" sz="900" dirty="0">
+                <a:solidFill>
+                  <a:schemeClr val="accent6"/>
+                </a:solidFill>
+              </a:rPr>
+              <a:t>10.0.0.105</a:t>
+            </a:r>
+          </a:p>
+        </p:txBody>
+      </p:sp>
+      <p:sp>
+        <p:nvSpPr>
+          <p:cNvPr id="31" name="Rectangle 30">
+            <a:extLst>
+              <a:ext uri="{FF2B5EF4-FFF2-40B4-BE49-F238E27FC236}">
+                <a16:creationId xmlns:a16="http://schemas.microsoft.com/office/drawing/2014/main" id="{DA0CA20A-D071-7547-93E7-68F8906F5732}"/>
+              </a:ext>
+            </a:extLst>
+          </p:cNvPr>
+          <p:cNvSpPr/>
+          <p:nvPr/>
+        </p:nvSpPr>
+        <p:spPr>
+          <a:xfrm>
+            <a:off x="10349099" y="6306845"/>
+            <a:ext cx="702635" cy="299832"/>
+          </a:xfrm>
+          <a:prstGeom prst="rect">
+            <a:avLst/>
+          </a:prstGeom>
+        </p:spPr>
+        <p:style>
+          <a:lnRef idx="2">
+            <a:schemeClr val="accent6"/>
+          </a:lnRef>
+          <a:fillRef idx="1">
+            <a:schemeClr val="lt1"/>
+          </a:fillRef>
+          <a:effectRef idx="0">
+            <a:schemeClr val="accent6"/>
+          </a:effectRef>
+          <a:fontRef idx="minor">
+            <a:schemeClr val="dk1"/>
+          </a:fontRef>
+        </p:style>
+        <p:txBody>
+          <a:bodyPr rtlCol="0" anchor="ctr"/>
+          <a:lstStyle/>
+          <a:p>
+            <a:pPr algn="ctr"/>
+            <a:r>
+              <a:rPr lang="en-US" sz="900" dirty="0">
+                <a:solidFill>
+                  <a:srgbClr val="FF0000"/>
+                </a:solidFill>
+              </a:rPr>
+              <a:t>VM4</a:t>
+            </a:r>
+          </a:p>
+          <a:p>
+            <a:pPr algn="ctr"/>
+            <a:r>
+              <a:rPr lang="en-US" sz="900" dirty="0">
+                <a:solidFill>
+                  <a:srgbClr val="FF0000"/>
+                </a:solidFill>
+              </a:rPr>
+              <a:t>10.0.1.106</a:t>
+            </a:r>
+          </a:p>
+        </p:txBody>
+      </p:sp>
+      <p:sp>
+        <p:nvSpPr>
+          <p:cNvPr id="32" name="Card 31">
+            <a:extLst>
+              <a:ext uri="{FF2B5EF4-FFF2-40B4-BE49-F238E27FC236}">
+                <a16:creationId xmlns:a16="http://schemas.microsoft.com/office/drawing/2014/main" id="{F13D2423-36A7-D443-B03C-8F0476C2ABC4}"/>
+              </a:ext>
+            </a:extLst>
+          </p:cNvPr>
+          <p:cNvSpPr/>
+          <p:nvPr/>
+        </p:nvSpPr>
+        <p:spPr>
+          <a:xfrm>
+            <a:off x="11133734" y="5758354"/>
+            <a:ext cx="481984" cy="275041"/>
+          </a:xfrm>
+          <a:prstGeom prst="flowChartPunchedCard">
+            <a:avLst/>
+          </a:prstGeom>
+        </p:spPr>
+        <p:style>
+          <a:lnRef idx="3">
+            <a:schemeClr val="lt1"/>
+          </a:lnRef>
+          <a:fillRef idx="1">
+            <a:schemeClr val="accent2"/>
+          </a:fillRef>
+          <a:effectRef idx="1">
+            <a:schemeClr val="accent2"/>
+          </a:effectRef>
+          <a:fontRef idx="minor">
+            <a:schemeClr val="lt1"/>
+          </a:fontRef>
+        </p:style>
+        <p:txBody>
+          <a:bodyPr rtlCol="0" anchor="ctr"/>
+          <a:lstStyle/>
+          <a:p>
+            <a:pPr algn="ctr"/>
+            <a:r>
+              <a:rPr lang="en-US" sz="1050" dirty="0">
+                <a:solidFill>
+                  <a:schemeClr val="tx1"/>
+                </a:solidFill>
+              </a:rPr>
+              <a:t>OVS</a:t>
+            </a:r>
+          </a:p>
+        </p:txBody>
+      </p:sp>
+      <p:sp>
+        <p:nvSpPr>
+          <p:cNvPr id="34" name="Rounded Rectangle 33">
+            <a:extLst>
+              <a:ext uri="{FF2B5EF4-FFF2-40B4-BE49-F238E27FC236}">
+                <a16:creationId xmlns:a16="http://schemas.microsoft.com/office/drawing/2014/main" id="{B5E0BD5F-FCAC-5C41-9218-2A414006B604}"/>
+              </a:ext>
+            </a:extLst>
+          </p:cNvPr>
+          <p:cNvSpPr/>
+          <p:nvPr/>
+        </p:nvSpPr>
+        <p:spPr>
+          <a:xfrm>
+            <a:off x="8747472" y="3443706"/>
+            <a:ext cx="1957422" cy="1179108"/>
+          </a:xfrm>
+          <a:prstGeom prst="roundRect">
+            <a:avLst/>
+          </a:prstGeom>
+          <a:solidFill>
+            <a:schemeClr val="bg1">
+              <a:lumMod val="85000"/>
+            </a:schemeClr>
+          </a:solidFill>
+        </p:spPr>
+        <p:style>
+          <a:lnRef idx="2">
+            <a:schemeClr val="accent1">
+              <a:shade val="50000"/>
+            </a:schemeClr>
+          </a:lnRef>
+          <a:fillRef idx="1">
+            <a:schemeClr val="accent1"/>
+          </a:fillRef>
+          <a:effectRef idx="0">
+            <a:schemeClr val="accent1"/>
+          </a:effectRef>
+          <a:fontRef idx="minor">
+            <a:schemeClr val="lt1"/>
+          </a:fontRef>
+        </p:style>
+        <p:txBody>
+          <a:bodyPr rtlCol="0" anchor="ctr"/>
+          <a:lstStyle/>
+          <a:p>
+            <a:pPr algn="ctr"/>
+            <a:endParaRPr lang="en-US" sz="1050" dirty="0"/>
+          </a:p>
+        </p:txBody>
+      </p:sp>
+      <p:sp>
+        <p:nvSpPr>
+          <p:cNvPr id="35" name="Rounded Rectangle 34">
+            <a:extLst>
+              <a:ext uri="{FF2B5EF4-FFF2-40B4-BE49-F238E27FC236}">
+                <a16:creationId xmlns:a16="http://schemas.microsoft.com/office/drawing/2014/main" id="{C64D45DD-C673-4446-9329-00988BA082EE}"/>
+              </a:ext>
+            </a:extLst>
+          </p:cNvPr>
+          <p:cNvSpPr/>
+          <p:nvPr/>
+        </p:nvSpPr>
+        <p:spPr>
+          <a:xfrm>
+            <a:off x="9151446" y="3484021"/>
+            <a:ext cx="1391370" cy="1022555"/>
+          </a:xfrm>
+          <a:prstGeom prst="roundRect">
+            <a:avLst/>
+          </a:prstGeom>
+          <a:solidFill>
+            <a:schemeClr val="accent1"/>
+          </a:solidFill>
+        </p:spPr>
+        <p:style>
+          <a:lnRef idx="2">
+            <a:schemeClr val="accent1">
+              <a:shade val="50000"/>
+            </a:schemeClr>
+          </a:lnRef>
+          <a:fillRef idx="1">
+            <a:schemeClr val="accent1"/>
+          </a:fillRef>
+          <a:effectRef idx="0">
+            <a:schemeClr val="accent1"/>
+          </a:effectRef>
+          <a:fontRef idx="minor">
+            <a:schemeClr val="lt1"/>
+          </a:fontRef>
+        </p:style>
+        <p:txBody>
+          <a:bodyPr rtlCol="0" anchor="ctr"/>
+          <a:lstStyle/>
+          <a:p>
+            <a:pPr algn="ctr"/>
+            <a:endParaRPr lang="en-US" sz="1050" dirty="0"/>
+          </a:p>
+        </p:txBody>
+      </p:sp>
+      <p:sp>
+        <p:nvSpPr>
+          <p:cNvPr id="36" name="Rectangle 35">
+            <a:extLst>
+              <a:ext uri="{FF2B5EF4-FFF2-40B4-BE49-F238E27FC236}">
+                <a16:creationId xmlns:a16="http://schemas.microsoft.com/office/drawing/2014/main" id="{9D65845D-17D8-044D-93D6-CDB0E27EAD51}"/>
+              </a:ext>
+            </a:extLst>
+          </p:cNvPr>
+          <p:cNvSpPr/>
+          <p:nvPr/>
+        </p:nvSpPr>
+        <p:spPr>
+          <a:xfrm>
+            <a:off x="9285805" y="4232621"/>
+            <a:ext cx="776788" cy="185612"/>
+          </a:xfrm>
+          <a:prstGeom prst="rect">
+            <a:avLst/>
+          </a:prstGeom>
+          <a:solidFill>
+            <a:srgbClr val="7030A0"/>
+          </a:solidFill>
+        </p:spPr>
+        <p:style>
+          <a:lnRef idx="2">
+            <a:schemeClr val="accent1">
+              <a:shade val="50000"/>
+            </a:schemeClr>
+          </a:lnRef>
+          <a:fillRef idx="1">
+            <a:schemeClr val="accent1"/>
+          </a:fillRef>
+          <a:effectRef idx="0">
+            <a:schemeClr val="accent1"/>
+          </a:effectRef>
+          <a:fontRef idx="minor">
+            <a:schemeClr val="lt1"/>
+          </a:fontRef>
+        </p:style>
+        <p:txBody>
+          <a:bodyPr rtlCol="0" anchor="ctr"/>
+          <a:lstStyle/>
+          <a:p>
+            <a:pPr algn="ctr"/>
+            <a:r>
+              <a:rPr lang="en-US" sz="900" dirty="0"/>
+              <a:t>Alcor Group Agent</a:t>
+            </a:r>
+          </a:p>
+        </p:txBody>
+      </p:sp>
+      <p:sp>
+        <p:nvSpPr>
+          <p:cNvPr id="53" name="Rounded Rectangle 52">
+            <a:extLst>
+              <a:ext uri="{FF2B5EF4-FFF2-40B4-BE49-F238E27FC236}">
+                <a16:creationId xmlns:a16="http://schemas.microsoft.com/office/drawing/2014/main" id="{020E6211-18A3-824B-90EF-FDD27F327315}"/>
+              </a:ext>
+            </a:extLst>
+          </p:cNvPr>
+          <p:cNvSpPr/>
+          <p:nvPr/>
+        </p:nvSpPr>
+        <p:spPr>
+          <a:xfrm>
+            <a:off x="8899872" y="3602759"/>
+            <a:ext cx="1957422" cy="1172455"/>
+          </a:xfrm>
+          <a:prstGeom prst="roundRect">
+            <a:avLst/>
+          </a:prstGeom>
+          <a:solidFill>
+            <a:schemeClr val="bg1">
+              <a:lumMod val="85000"/>
+            </a:schemeClr>
+          </a:solidFill>
+        </p:spPr>
+        <p:style>
+          <a:lnRef idx="2">
+            <a:schemeClr val="accent1">
+              <a:shade val="50000"/>
+            </a:schemeClr>
+          </a:lnRef>
+          <a:fillRef idx="1">
+            <a:schemeClr val="accent1"/>
+          </a:fillRef>
+          <a:effectRef idx="0">
+            <a:schemeClr val="accent1"/>
+          </a:effectRef>
+          <a:fontRef idx="minor">
+            <a:schemeClr val="lt1"/>
+          </a:fontRef>
+        </p:style>
+        <p:txBody>
+          <a:bodyPr rtlCol="0" anchor="ctr"/>
+          <a:lstStyle/>
+          <a:p>
+            <a:pPr algn="ctr"/>
+            <a:endParaRPr lang="en-US" sz="1050" dirty="0"/>
+          </a:p>
+        </p:txBody>
+      </p:sp>
+      <p:sp>
+        <p:nvSpPr>
+          <p:cNvPr id="56" name="Rounded Rectangle 55">
+            <a:extLst>
+              <a:ext uri="{FF2B5EF4-FFF2-40B4-BE49-F238E27FC236}">
+                <a16:creationId xmlns:a16="http://schemas.microsoft.com/office/drawing/2014/main" id="{9AFAA2F9-6929-3D4A-9E5C-8E46C825E718}"/>
+              </a:ext>
+            </a:extLst>
+          </p:cNvPr>
+          <p:cNvSpPr/>
+          <p:nvPr/>
+        </p:nvSpPr>
+        <p:spPr>
+          <a:xfrm>
+            <a:off x="9303846" y="3636421"/>
+            <a:ext cx="1391370" cy="1022555"/>
+          </a:xfrm>
+          <a:prstGeom prst="roundRect">
+            <a:avLst/>
+          </a:prstGeom>
+          <a:solidFill>
+            <a:schemeClr val="accent1"/>
+          </a:solidFill>
+        </p:spPr>
+        <p:style>
+          <a:lnRef idx="2">
+            <a:schemeClr val="accent1">
+              <a:shade val="50000"/>
+            </a:schemeClr>
+          </a:lnRef>
+          <a:fillRef idx="1">
+            <a:schemeClr val="accent1"/>
+          </a:fillRef>
+          <a:effectRef idx="0">
+            <a:schemeClr val="accent1"/>
+          </a:effectRef>
+          <a:fontRef idx="minor">
+            <a:schemeClr val="lt1"/>
+          </a:fontRef>
+        </p:style>
+        <p:txBody>
+          <a:bodyPr rtlCol="0" anchor="ctr"/>
+          <a:lstStyle/>
+          <a:p>
+            <a:pPr algn="ctr"/>
+            <a:endParaRPr lang="en-US" sz="1050" dirty="0"/>
+          </a:p>
+        </p:txBody>
+      </p:sp>
+      <p:sp>
+        <p:nvSpPr>
+          <p:cNvPr id="57" name="Rectangle 56">
+            <a:extLst>
+              <a:ext uri="{FF2B5EF4-FFF2-40B4-BE49-F238E27FC236}">
+                <a16:creationId xmlns:a16="http://schemas.microsoft.com/office/drawing/2014/main" id="{93DFF0BB-3097-8142-88CA-66FED30A7B03}"/>
+              </a:ext>
+            </a:extLst>
+          </p:cNvPr>
+          <p:cNvSpPr/>
+          <p:nvPr/>
+        </p:nvSpPr>
+        <p:spPr>
+          <a:xfrm>
+            <a:off x="9438205" y="4385021"/>
+            <a:ext cx="776788" cy="185612"/>
+          </a:xfrm>
+          <a:prstGeom prst="rect">
+            <a:avLst/>
+          </a:prstGeom>
+          <a:solidFill>
+            <a:srgbClr val="7030A0"/>
+          </a:solidFill>
+        </p:spPr>
+        <p:style>
+          <a:lnRef idx="2">
+            <a:schemeClr val="accent1">
+              <a:shade val="50000"/>
+            </a:schemeClr>
+          </a:lnRef>
+          <a:fillRef idx="1">
+            <a:schemeClr val="accent1"/>
+          </a:fillRef>
+          <a:effectRef idx="0">
+            <a:schemeClr val="accent1"/>
+          </a:effectRef>
+          <a:fontRef idx="minor">
+            <a:schemeClr val="lt1"/>
+          </a:fontRef>
+        </p:style>
+        <p:txBody>
+          <a:bodyPr rtlCol="0" anchor="ctr"/>
+          <a:lstStyle/>
+          <a:p>
+            <a:pPr algn="ctr"/>
+            <a:r>
+              <a:rPr lang="en-US" sz="900" dirty="0"/>
+              <a:t>Alcor Group Agent</a:t>
+            </a:r>
+          </a:p>
+        </p:txBody>
+      </p:sp>
+      <p:sp>
+        <p:nvSpPr>
+          <p:cNvPr id="61" name="Rounded Rectangle 60">
+            <a:extLst>
+              <a:ext uri="{FF2B5EF4-FFF2-40B4-BE49-F238E27FC236}">
+                <a16:creationId xmlns:a16="http://schemas.microsoft.com/office/drawing/2014/main" id="{0E7AC90A-56B4-F240-A90A-33948EF85BBF}"/>
+              </a:ext>
+            </a:extLst>
+          </p:cNvPr>
+          <p:cNvSpPr/>
+          <p:nvPr/>
+        </p:nvSpPr>
+        <p:spPr>
+          <a:xfrm>
+            <a:off x="9052272" y="3750805"/>
+            <a:ext cx="1957422" cy="1176809"/>
+          </a:xfrm>
+          <a:prstGeom prst="roundRect">
+            <a:avLst/>
+          </a:prstGeom>
+          <a:solidFill>
+            <a:schemeClr val="bg1">
+              <a:lumMod val="85000"/>
+            </a:schemeClr>
+          </a:solidFill>
+        </p:spPr>
+        <p:style>
+          <a:lnRef idx="2">
+            <a:schemeClr val="accent1">
+              <a:shade val="50000"/>
+            </a:schemeClr>
+          </a:lnRef>
+          <a:fillRef idx="1">
+            <a:schemeClr val="accent1"/>
+          </a:fillRef>
+          <a:effectRef idx="0">
+            <a:schemeClr val="accent1"/>
+          </a:effectRef>
+          <a:fontRef idx="minor">
+            <a:schemeClr val="lt1"/>
+          </a:fontRef>
+        </p:style>
+        <p:txBody>
+          <a:bodyPr rtlCol="0" anchor="ctr"/>
+          <a:lstStyle/>
+          <a:p>
+            <a:pPr algn="ctr"/>
+            <a:endParaRPr lang="en-US" sz="1050" dirty="0"/>
+          </a:p>
+        </p:txBody>
+      </p:sp>
+      <p:sp>
+        <p:nvSpPr>
+          <p:cNvPr id="62" name="Rounded Rectangle 61">
+            <a:extLst>
+              <a:ext uri="{FF2B5EF4-FFF2-40B4-BE49-F238E27FC236}">
+                <a16:creationId xmlns:a16="http://schemas.microsoft.com/office/drawing/2014/main" id="{2A740A94-F84F-A24D-8214-33542C7BF26E}"/>
+              </a:ext>
+            </a:extLst>
+          </p:cNvPr>
+          <p:cNvSpPr/>
+          <p:nvPr/>
+        </p:nvSpPr>
+        <p:spPr>
+          <a:xfrm>
+            <a:off x="9456246" y="3788821"/>
+            <a:ext cx="1391370" cy="1022555"/>
+          </a:xfrm>
+          <a:prstGeom prst="roundRect">
+            <a:avLst/>
+          </a:prstGeom>
+          <a:solidFill>
+            <a:schemeClr val="accent1"/>
+          </a:solidFill>
+        </p:spPr>
+        <p:style>
+          <a:lnRef idx="2">
+            <a:schemeClr val="accent1">
+              <a:shade val="50000"/>
+            </a:schemeClr>
+          </a:lnRef>
+          <a:fillRef idx="1">
+            <a:schemeClr val="accent1"/>
+          </a:fillRef>
+          <a:effectRef idx="0">
+            <a:schemeClr val="accent1"/>
+          </a:effectRef>
+          <a:fontRef idx="minor">
+            <a:schemeClr val="lt1"/>
+          </a:fontRef>
+        </p:style>
+        <p:txBody>
+          <a:bodyPr rtlCol="0" anchor="ctr"/>
+          <a:lstStyle/>
+          <a:p>
+            <a:pPr algn="ctr"/>
+            <a:endParaRPr lang="en-US" sz="1050" dirty="0"/>
+          </a:p>
+        </p:txBody>
+      </p:sp>
+      <p:sp>
+        <p:nvSpPr>
+          <p:cNvPr id="63" name="Rectangle 62">
+            <a:extLst>
+              <a:ext uri="{FF2B5EF4-FFF2-40B4-BE49-F238E27FC236}">
+                <a16:creationId xmlns:a16="http://schemas.microsoft.com/office/drawing/2014/main" id="{8F3B2E56-3D72-F742-B394-16DA01152CF4}"/>
+              </a:ext>
+            </a:extLst>
+          </p:cNvPr>
+          <p:cNvSpPr/>
+          <p:nvPr/>
+        </p:nvSpPr>
+        <p:spPr>
+          <a:xfrm>
+            <a:off x="9753795" y="4558672"/>
+            <a:ext cx="776788" cy="185612"/>
+          </a:xfrm>
+          <a:prstGeom prst="rect">
+            <a:avLst/>
+          </a:prstGeom>
+          <a:solidFill>
+            <a:srgbClr val="00B050"/>
+          </a:solidFill>
+        </p:spPr>
+        <p:style>
+          <a:lnRef idx="2">
+            <a:schemeClr val="accent1">
+              <a:shade val="50000"/>
+            </a:schemeClr>
+          </a:lnRef>
+          <a:fillRef idx="1">
+            <a:schemeClr val="accent1"/>
+          </a:fillRef>
+          <a:effectRef idx="0">
+            <a:schemeClr val="accent1"/>
+          </a:effectRef>
+          <a:fontRef idx="minor">
+            <a:schemeClr val="lt1"/>
+          </a:fontRef>
+        </p:style>
+        <p:txBody>
+          <a:bodyPr rtlCol="0" anchor="ctr"/>
+          <a:lstStyle/>
+          <a:p>
+            <a:pPr algn="ctr"/>
+            <a:r>
+              <a:rPr lang="en-US" sz="900" dirty="0">
+                <a:solidFill>
+                  <a:srgbClr val="FF0000"/>
+                </a:solidFill>
+              </a:rPr>
+              <a:t>AGA</a:t>
+            </a:r>
+          </a:p>
+        </p:txBody>
+      </p:sp>
+      <p:sp>
+        <p:nvSpPr>
+          <p:cNvPr id="65" name="Can 64">
+            <a:extLst>
+              <a:ext uri="{FF2B5EF4-FFF2-40B4-BE49-F238E27FC236}">
+                <a16:creationId xmlns:a16="http://schemas.microsoft.com/office/drawing/2014/main" id="{528DD932-3315-424E-8AC0-57B31A74D3DF}"/>
+              </a:ext>
+            </a:extLst>
+          </p:cNvPr>
+          <p:cNvSpPr/>
+          <p:nvPr/>
+        </p:nvSpPr>
+        <p:spPr>
+          <a:xfrm>
+            <a:off x="7792550" y="237206"/>
+            <a:ext cx="4165843" cy="3830763"/>
+          </a:xfrm>
+          <a:prstGeom prst="can">
+            <a:avLst/>
+          </a:prstGeom>
+        </p:spPr>
+        <p:style>
+          <a:lnRef idx="2">
+            <a:schemeClr val="accent4">
+              <a:shade val="50000"/>
+            </a:schemeClr>
+          </a:lnRef>
+          <a:fillRef idx="1">
+            <a:schemeClr val="accent4"/>
+          </a:fillRef>
+          <a:effectRef idx="0">
+            <a:schemeClr val="accent4"/>
+          </a:effectRef>
+          <a:fontRef idx="minor">
+            <a:schemeClr val="lt1"/>
+          </a:fontRef>
+        </p:style>
+        <p:txBody>
+          <a:bodyPr rtlCol="0" anchor="ctr"/>
+          <a:lstStyle/>
+          <a:p>
+            <a:pPr algn="ctr"/>
+            <a:r>
+              <a:rPr lang="en-US" sz="2000" dirty="0"/>
+              <a:t>Shared in memory GS Configuration Cache for each Host</a:t>
+            </a:r>
+          </a:p>
+        </p:txBody>
+      </p:sp>
+      <p:sp>
+        <p:nvSpPr>
+          <p:cNvPr id="16" name="Up-Down Arrow 15">
+            <a:extLst>
+              <a:ext uri="{FF2B5EF4-FFF2-40B4-BE49-F238E27FC236}">
+                <a16:creationId xmlns:a16="http://schemas.microsoft.com/office/drawing/2014/main" id="{762920A0-F3A5-9448-B570-C9EB19C273F1}"/>
+              </a:ext>
+            </a:extLst>
+          </p:cNvPr>
+          <p:cNvSpPr/>
+          <p:nvPr/>
+        </p:nvSpPr>
+        <p:spPr>
+          <a:xfrm rot="3553710" flipH="1">
+            <a:off x="9197752" y="4413843"/>
+            <a:ext cx="126493" cy="1350277"/>
+          </a:xfrm>
+          <a:prstGeom prst="upDownArrow">
+            <a:avLst/>
+          </a:prstGeom>
+          <a:solidFill>
+            <a:srgbClr val="FFFF00"/>
+          </a:solidFill>
+        </p:spPr>
+        <p:style>
+          <a:lnRef idx="2">
+            <a:schemeClr val="accent1">
+              <a:shade val="50000"/>
+            </a:schemeClr>
+          </a:lnRef>
+          <a:fillRef idx="1">
+            <a:schemeClr val="accent1"/>
+          </a:fillRef>
+          <a:effectRef idx="0">
+            <a:schemeClr val="accent1"/>
+          </a:effectRef>
+          <a:fontRef idx="minor">
+            <a:schemeClr val="lt1"/>
+          </a:fontRef>
+        </p:style>
+        <p:txBody>
+          <a:bodyPr rtlCol="0" anchor="ctr"/>
+          <a:lstStyle/>
+          <a:p>
+            <a:pPr algn="ctr"/>
+            <a:endParaRPr lang="en-US" sz="1050" dirty="0"/>
+          </a:p>
+        </p:txBody>
+      </p:sp>
+      <p:sp>
+        <p:nvSpPr>
+          <p:cNvPr id="96" name="Up-Down Arrow 95">
+            <a:extLst>
+              <a:ext uri="{FF2B5EF4-FFF2-40B4-BE49-F238E27FC236}">
+                <a16:creationId xmlns:a16="http://schemas.microsoft.com/office/drawing/2014/main" id="{7C1835D1-AF33-A842-A69E-A167B340C172}"/>
+              </a:ext>
+            </a:extLst>
+          </p:cNvPr>
+          <p:cNvSpPr/>
+          <p:nvPr/>
+        </p:nvSpPr>
+        <p:spPr>
+          <a:xfrm rot="7542028" flipH="1">
+            <a:off x="10695775" y="4489057"/>
+            <a:ext cx="134980" cy="1219831"/>
+          </a:xfrm>
+          <a:prstGeom prst="upDownArrow">
+            <a:avLst/>
+          </a:prstGeom>
+          <a:solidFill>
+            <a:srgbClr val="FFFF00"/>
+          </a:solidFill>
+        </p:spPr>
+        <p:style>
+          <a:lnRef idx="2">
+            <a:schemeClr val="accent1">
+              <a:shade val="50000"/>
+            </a:schemeClr>
+          </a:lnRef>
+          <a:fillRef idx="1">
+            <a:schemeClr val="accent1"/>
+          </a:fillRef>
+          <a:effectRef idx="0">
+            <a:schemeClr val="accent1"/>
+          </a:effectRef>
+          <a:fontRef idx="minor">
+            <a:schemeClr val="lt1"/>
+          </a:fontRef>
+        </p:style>
+        <p:txBody>
+          <a:bodyPr rtlCol="0" anchor="ctr"/>
+          <a:lstStyle/>
+          <a:p>
+            <a:pPr algn="ctr"/>
+            <a:endParaRPr lang="en-US" sz="1050" dirty="0"/>
+          </a:p>
+        </p:txBody>
+      </p:sp>
+      <p:sp>
+        <p:nvSpPr>
+          <p:cNvPr id="68" name="TextBox 67">
+            <a:extLst>
+              <a:ext uri="{FF2B5EF4-FFF2-40B4-BE49-F238E27FC236}">
+                <a16:creationId xmlns:a16="http://schemas.microsoft.com/office/drawing/2014/main" id="{50412E84-7CF7-1645-93DE-51F09B9480E7}"/>
+              </a:ext>
+            </a:extLst>
+          </p:cNvPr>
+          <p:cNvSpPr txBox="1"/>
+          <p:nvPr/>
+        </p:nvSpPr>
+        <p:spPr>
+          <a:xfrm>
+            <a:off x="9615982" y="4933505"/>
+            <a:ext cx="700479" cy="584775"/>
+          </a:xfrm>
+          <a:prstGeom prst="rect">
+            <a:avLst/>
+          </a:prstGeom>
+          <a:noFill/>
+        </p:spPr>
+        <p:txBody>
+          <a:bodyPr wrap="square" rtlCol="0">
+            <a:spAutoFit/>
+          </a:bodyPr>
+          <a:lstStyle/>
+          <a:p>
+            <a:r>
+              <a:rPr lang="en-US" sz="800" dirty="0" err="1"/>
+              <a:t>grpc</a:t>
+            </a:r>
+            <a:r>
+              <a:rPr lang="en-US" sz="800" dirty="0"/>
+              <a:t> long lived streaming connections</a:t>
+            </a:r>
+          </a:p>
+        </p:txBody>
+      </p:sp>
+      <p:sp>
+        <p:nvSpPr>
+          <p:cNvPr id="69" name="TextBox 68">
+            <a:extLst>
+              <a:ext uri="{FF2B5EF4-FFF2-40B4-BE49-F238E27FC236}">
+                <a16:creationId xmlns:a16="http://schemas.microsoft.com/office/drawing/2014/main" id="{42202DE4-8605-5946-A004-D2D5675E7F37}"/>
+              </a:ext>
+            </a:extLst>
+          </p:cNvPr>
+          <p:cNvSpPr txBox="1"/>
+          <p:nvPr/>
+        </p:nvSpPr>
+        <p:spPr>
+          <a:xfrm>
+            <a:off x="9713121" y="5813184"/>
+            <a:ext cx="657118" cy="369332"/>
+          </a:xfrm>
+          <a:prstGeom prst="rect">
+            <a:avLst/>
+          </a:prstGeom>
+          <a:noFill/>
+        </p:spPr>
+        <p:txBody>
+          <a:bodyPr wrap="square" rtlCol="0">
+            <a:spAutoFit/>
+          </a:bodyPr>
+          <a:lstStyle/>
+          <a:p>
+            <a:r>
+              <a:rPr lang="en-US" dirty="0"/>
+              <a:t>…</a:t>
+            </a:r>
+          </a:p>
+        </p:txBody>
+      </p:sp>
+      <p:sp>
+        <p:nvSpPr>
+          <p:cNvPr id="84" name="Title 1">
+            <a:extLst>
+              <a:ext uri="{FF2B5EF4-FFF2-40B4-BE49-F238E27FC236}">
+                <a16:creationId xmlns:a16="http://schemas.microsoft.com/office/drawing/2014/main" id="{69DE01E8-8FC5-574F-9E9A-CB7019F7752F}"/>
+              </a:ext>
+            </a:extLst>
+          </p:cNvPr>
+          <p:cNvSpPr>
+            <a:spLocks noGrp="1"/>
+          </p:cNvSpPr>
+          <p:nvPr>
+            <p:ph type="title"/>
+          </p:nvPr>
+        </p:nvSpPr>
+        <p:spPr>
+          <a:xfrm>
+            <a:off x="189294" y="48850"/>
+            <a:ext cx="6800954" cy="699295"/>
+          </a:xfrm>
+        </p:spPr>
+        <p:txBody>
+          <a:bodyPr>
+            <a:normAutofit/>
+          </a:bodyPr>
+          <a:lstStyle/>
+          <a:p>
+            <a:r>
+              <a:rPr lang="en-US" dirty="0"/>
               <a:t>Create Neighbor – </a:t>
             </a:r>
             <a:r>
@@ -6456,7 +8224,7 @@
 </p:sld>
 </file>
 
-<file path=ppt/slides/slide11.xml><?xml version="1.0" encoding="utf-8"?>
+<file path=ppt/slides/slide12.xml><?xml version="1.0" encoding="utf-8"?>
 <p:sld xmlns:a="http://schemas.openxmlformats.org/drawingml/2006/main" xmlns:r="http://schemas.openxmlformats.org/officeDocument/2006/relationships" xmlns:p="http://schemas.openxmlformats.org/presentationml/2006/main">
   <p:cSld>
     <p:spTree>
@@ -8284,7 +10052,7 @@
 </p:sld>
 </file>
 
-<file path=ppt/slides/slide12.xml><?xml version="1.0" encoding="utf-8"?>
+<file path=ppt/slides/slide13.xml><?xml version="1.0" encoding="utf-8"?>
 <p:sld xmlns:a="http://schemas.openxmlformats.org/drawingml/2006/main" xmlns:r="http://schemas.openxmlformats.org/officeDocument/2006/relationships" xmlns:p="http://schemas.openxmlformats.org/presentationml/2006/main">
   <p:cSld>
     <p:spTree>
@@ -10083,7 +11851,7 @@
 </p:sld>
 </file>
 
-<file path=ppt/slides/slide13.xml><?xml version="1.0" encoding="utf-8"?>
+<file path=ppt/slides/slide14.xml><?xml version="1.0" encoding="utf-8"?>
 <p:sld xmlns:a="http://schemas.openxmlformats.org/drawingml/2006/main" xmlns:r="http://schemas.openxmlformats.org/officeDocument/2006/relationships" xmlns:p="http://schemas.openxmlformats.org/presentationml/2006/main">
   <p:cSld>
     <p:spTree>
@@ -11806,7 +13574,7 @@
 </p:sld>
 </file>
 
-<file path=ppt/slides/slide14.xml><?xml version="1.0" encoding="utf-8"?>
+<file path=ppt/slides/slide15.xml><?xml version="1.0" encoding="utf-8"?>
 <p:sld xmlns:a="http://schemas.openxmlformats.org/drawingml/2006/main" xmlns:r="http://schemas.openxmlformats.org/officeDocument/2006/relationships" xmlns:p="http://schemas.openxmlformats.org/presentationml/2006/main">
   <p:cSld>
     <p:spTree>
@@ -13597,7 +15365,7 @@
 </p:sld>
 </file>
 
-<file path=ppt/slides/slide15.xml><?xml version="1.0" encoding="utf-8"?>
+<file path=ppt/slides/slide16.xml><?xml version="1.0" encoding="utf-8"?>
 <p:sld xmlns:a="http://schemas.openxmlformats.org/drawingml/2006/main" xmlns:r="http://schemas.openxmlformats.org/officeDocument/2006/relationships" xmlns:p="http://schemas.openxmlformats.org/presentationml/2006/main">
   <p:cSld>
     <p:spTree>
@@ -15509,7 +17277,7 @@
 </p:sld>
 </file>
 
-<file path=ppt/slides/slide16.xml><?xml version="1.0" encoding="utf-8"?>
+<file path=ppt/slides/slide17.xml><?xml version="1.0" encoding="utf-8"?>
 <p:sld xmlns:a="http://schemas.openxmlformats.org/drawingml/2006/main" xmlns:r="http://schemas.openxmlformats.org/officeDocument/2006/relationships" xmlns:p="http://schemas.openxmlformats.org/presentationml/2006/main">
   <p:cSld>
     <p:spTree>
@@ -17587,7 +19355,7 @@
 </p:sld>
 </file>
 
-<file path=ppt/slides/slide17.xml><?xml version="1.0" encoding="utf-8"?>
+<file path=ppt/slides/slide18.xml><?xml version="1.0" encoding="utf-8"?>
 <p:sld xmlns:a="http://schemas.openxmlformats.org/drawingml/2006/main" xmlns:r="http://schemas.openxmlformats.org/officeDocument/2006/relationships" xmlns:p="http://schemas.openxmlformats.org/presentationml/2006/main">
   <p:cSld>
     <p:spTree>
@@ -19613,7 +21381,7 @@
 </p:sld>
 </file>
 
-<file path=ppt/slides/slide18.xml><?xml version="1.0" encoding="utf-8"?>
+<file path=ppt/slides/slide19.xml><?xml version="1.0" encoding="utf-8"?>
 <p:sld xmlns:a="http://schemas.openxmlformats.org/drawingml/2006/main" xmlns:r="http://schemas.openxmlformats.org/officeDocument/2006/relationships" xmlns:p="http://schemas.openxmlformats.org/presentationml/2006/main">
   <p:cSld>
     <p:spTree>
@@ -21598,140 +23366,6 @@
 </p:sld>
 </file>
 
-<file path=ppt/slides/slide19.xml><?xml version="1.0" encoding="utf-8"?>
-<p:sld xmlns:a="http://schemas.openxmlformats.org/drawingml/2006/main" xmlns:r="http://schemas.openxmlformats.org/officeDocument/2006/relationships" xmlns:p="http://schemas.openxmlformats.org/presentationml/2006/main">
-  <p:cSld>
-    <p:spTree>
-      <p:nvGrpSpPr>
-        <p:cNvPr id="1" name=""/>
-        <p:cNvGrpSpPr/>
-        <p:nvPr/>
-      </p:nvGrpSpPr>
-      <p:grpSpPr>
-        <a:xfrm>
-          <a:off x="0" y="0"/>
-          <a:ext cx="0" cy="0"/>
-          <a:chOff x="0" y="0"/>
-          <a:chExt cx="0" cy="0"/>
-        </a:xfrm>
-      </p:grpSpPr>
-      <p:sp>
-        <p:nvSpPr>
-          <p:cNvPr id="84" name="Title 1">
-            <a:extLst>
-              <a:ext uri="{FF2B5EF4-FFF2-40B4-BE49-F238E27FC236}">
-                <a16:creationId xmlns:a16="http://schemas.microsoft.com/office/drawing/2014/main" id="{69DE01E8-8FC5-574F-9E9A-CB7019F7752F}"/>
-              </a:ext>
-            </a:extLst>
-          </p:cNvPr>
-          <p:cNvSpPr>
-            <a:spLocks noGrp="1"/>
-          </p:cNvSpPr>
-          <p:nvPr>
-            <p:ph type="title"/>
-          </p:nvPr>
-        </p:nvSpPr>
-        <p:spPr>
-          <a:xfrm>
-            <a:off x="189294" y="48850"/>
-            <a:ext cx="8295032" cy="699295"/>
-          </a:xfrm>
-        </p:spPr>
-        <p:txBody>
-          <a:bodyPr>
-            <a:normAutofit fontScale="90000"/>
-          </a:bodyPr>
-          <a:lstStyle/>
-          <a:p>
-            <a:r>
-              <a:rPr lang="en-US" dirty="0"/>
-              <a:t>Create SG – </a:t>
-            </a:r>
-            <a:r>
-              <a:rPr lang="en-US" dirty="0">
-                <a:solidFill>
-                  <a:srgbClr val="FF0000"/>
-                </a:solidFill>
-              </a:rPr>
-              <a:t>IP option (40 bytes limit)</a:t>
-            </a:r>
-            <a:endParaRPr lang="en-US" dirty="0"/>
-          </a:p>
-        </p:txBody>
-      </p:sp>
-      <p:pic>
-        <p:nvPicPr>
-          <p:cNvPr id="9" name="Picture 8">
-            <a:extLst>
-              <a:ext uri="{FF2B5EF4-FFF2-40B4-BE49-F238E27FC236}">
-                <a16:creationId xmlns:a16="http://schemas.microsoft.com/office/drawing/2014/main" id="{A45DAABF-D6EF-8644-8BB1-B15B503F0A5E}"/>
-              </a:ext>
-            </a:extLst>
-          </p:cNvPr>
-          <p:cNvPicPr>
-            <a:picLocks noChangeAspect="1"/>
-          </p:cNvPicPr>
-          <p:nvPr/>
-        </p:nvPicPr>
-        <p:blipFill>
-          <a:blip r:embed="rId3"/>
-          <a:stretch>
-            <a:fillRect/>
-          </a:stretch>
-        </p:blipFill>
-        <p:spPr>
-          <a:xfrm>
-            <a:off x="58782" y="853632"/>
-            <a:ext cx="9413412" cy="1604853"/>
-          </a:xfrm>
-          <a:prstGeom prst="rect">
-            <a:avLst/>
-          </a:prstGeom>
-        </p:spPr>
-      </p:pic>
-      <p:pic>
-        <p:nvPicPr>
-          <p:cNvPr id="10" name="Picture 9">
-            <a:extLst>
-              <a:ext uri="{FF2B5EF4-FFF2-40B4-BE49-F238E27FC236}">
-                <a16:creationId xmlns:a16="http://schemas.microsoft.com/office/drawing/2014/main" id="{6194B416-2C4C-3249-8463-F99E612B173B}"/>
-              </a:ext>
-            </a:extLst>
-          </p:cNvPr>
-          <p:cNvPicPr>
-            <a:picLocks noChangeAspect="1"/>
-          </p:cNvPicPr>
-          <p:nvPr/>
-        </p:nvPicPr>
-        <p:blipFill>
-          <a:blip r:embed="rId4"/>
-          <a:stretch>
-            <a:fillRect/>
-          </a:stretch>
-        </p:blipFill>
-        <p:spPr>
-          <a:xfrm>
-            <a:off x="58782" y="2458485"/>
-            <a:ext cx="8567057" cy="4399515"/>
-          </a:xfrm>
-          <a:prstGeom prst="rect">
-            <a:avLst/>
-          </a:prstGeom>
-        </p:spPr>
-      </p:pic>
-    </p:spTree>
-    <p:extLst>
-      <p:ext uri="{BB962C8B-B14F-4D97-AF65-F5344CB8AC3E}">
-        <p14:creationId xmlns:p14="http://schemas.microsoft.com/office/powerpoint/2010/main" val="2094731867"/>
-      </p:ext>
-    </p:extLst>
-  </p:cSld>
-  <p:clrMapOvr>
-    <a:masterClrMapping/>
-  </p:clrMapOvr>
-</p:sld>
-</file>
-
 <file path=ppt/slides/slide2.xml><?xml version="1.0" encoding="utf-8"?>
 <p:sld xmlns:a="http://schemas.openxmlformats.org/drawingml/2006/main" xmlns:r="http://schemas.openxmlformats.org/officeDocument/2006/relationships" xmlns:p="http://schemas.openxmlformats.org/presentationml/2006/main">
   <p:cSld>
@@ -23529,7 +25163,7 @@
         <p:spPr>
           <a:xfrm>
             <a:off x="5045918" y="3844259"/>
-            <a:ext cx="773340" cy="1200329"/>
+            <a:ext cx="773340" cy="584775"/>
           </a:xfrm>
           <a:prstGeom prst="rect">
             <a:avLst/>
@@ -23549,15 +25183,6 @@
             <a:r>
               <a:rPr lang="en-US" sz="800" dirty="0"/>
               <a:t> long lived streaming connections</a:t>
-            </a:r>
-          </a:p>
-          <a:p>
-            <a:endParaRPr lang="en-US" sz="800" dirty="0"/>
-          </a:p>
-          <a:p>
-            <a:r>
-              <a:rPr lang="en-US" sz="800" dirty="0"/>
-              <a:t>May have a lot of connections with scale.</a:t>
             </a:r>
           </a:p>
         </p:txBody>
@@ -25567,68 +27192,6 @@
       </p:sp>
       <p:sp>
         <p:nvSpPr>
-          <p:cNvPr id="3" name="TextBox 2">
-            <a:extLst>
-              <a:ext uri="{FF2B5EF4-FFF2-40B4-BE49-F238E27FC236}">
-                <a16:creationId xmlns:a16="http://schemas.microsoft.com/office/drawing/2014/main" id="{92B0ABE5-C224-DB4E-BD2F-B6ABC3AEDFDB}"/>
-              </a:ext>
-            </a:extLst>
-          </p:cNvPr>
-          <p:cNvSpPr txBox="1"/>
-          <p:nvPr/>
-        </p:nvSpPr>
-        <p:spPr>
-          <a:xfrm>
-            <a:off x="8968330" y="1138287"/>
-            <a:ext cx="2904065" cy="1384995"/>
-          </a:xfrm>
-          <a:prstGeom prst="rect">
-            <a:avLst/>
-          </a:prstGeom>
-          <a:noFill/>
-        </p:spPr>
-        <p:txBody>
-          <a:bodyPr wrap="none" rtlCol="0">
-            <a:spAutoFit/>
-          </a:bodyPr>
-          <a:lstStyle/>
-          <a:p>
-            <a:r>
-              <a:rPr lang="en-US" sz="1400" dirty="0"/>
-              <a:t>Static or dynamic group assignment?</a:t>
-            </a:r>
-          </a:p>
-          <a:p>
-            <a:r>
-              <a:rPr lang="en-US" sz="1400" dirty="0"/>
-              <a:t>Node manager when register a node,</a:t>
-            </a:r>
-          </a:p>
-          <a:p>
-            <a:r>
-              <a:rPr lang="en-US" sz="1400" dirty="0"/>
-              <a:t>Pass in AGA ID and IP</a:t>
-            </a:r>
-          </a:p>
-          <a:p>
-            <a:endParaRPr lang="en-US" sz="1400" dirty="0"/>
-          </a:p>
-          <a:p>
-            <a:r>
-              <a:rPr lang="en-US" sz="1400" dirty="0"/>
-              <a:t>When DPM ask node manager, input:</a:t>
-            </a:r>
-          </a:p>
-          <a:p>
-            <a:r>
-              <a:rPr lang="en-US" sz="1400" dirty="0"/>
-              <a:t>Target IP, output AGA ID+IP</a:t>
-            </a:r>
-          </a:p>
-        </p:txBody>
-      </p:sp>
-      <p:sp>
-        <p:nvSpPr>
           <p:cNvPr id="84" name="TextBox 83">
             <a:extLst>
               <a:ext uri="{FF2B5EF4-FFF2-40B4-BE49-F238E27FC236}">
@@ -25664,35 +27227,39 @@
       </p:sp>
       <p:sp>
         <p:nvSpPr>
-          <p:cNvPr id="85" name="TextBox 84">
-            <a:extLst>
-              <a:ext uri="{FF2B5EF4-FFF2-40B4-BE49-F238E27FC236}">
-                <a16:creationId xmlns:a16="http://schemas.microsoft.com/office/drawing/2014/main" id="{07EFE4C5-E35D-7B4B-8921-169D4177B322}"/>
-              </a:ext>
-            </a:extLst>
-          </p:cNvPr>
-          <p:cNvSpPr txBox="1"/>
-          <p:nvPr/>
-        </p:nvSpPr>
-        <p:spPr>
-          <a:xfrm>
-            <a:off x="-23237" y="1131939"/>
-            <a:ext cx="2876346" cy="1323439"/>
-          </a:xfrm>
-          <a:prstGeom prst="rect">
-            <a:avLst/>
-          </a:prstGeom>
-          <a:noFill/>
-        </p:spPr>
-        <p:txBody>
-          <a:bodyPr wrap="square" rtlCol="0">
-            <a:spAutoFit/>
+          <p:cNvPr id="100" name="Title 1">
+            <a:extLst>
+              <a:ext uri="{FF2B5EF4-FFF2-40B4-BE49-F238E27FC236}">
+                <a16:creationId xmlns:a16="http://schemas.microsoft.com/office/drawing/2014/main" id="{52802942-BC68-954A-8855-14336A497A2F}"/>
+              </a:ext>
+            </a:extLst>
+          </p:cNvPr>
+          <p:cNvSpPr>
+            <a:spLocks noGrp="1"/>
+          </p:cNvSpPr>
+          <p:nvPr>
+            <p:ph type="title"/>
+          </p:nvPr>
+        </p:nvSpPr>
+        <p:spPr>
+          <a:xfrm>
+            <a:off x="4073" y="-296"/>
+            <a:ext cx="4313465" cy="699295"/>
+          </a:xfrm>
+        </p:spPr>
+        <p:txBody>
+          <a:bodyPr>
+            <a:normAutofit/>
           </a:bodyPr>
           <a:lstStyle/>
           <a:p>
             <a:r>
-              <a:rPr lang="en-US" sz="1600" dirty="0"/>
-              <a:t>Each group has its own cache/database contains config for its ACAs only. Cross group communication should just work.</a:t>
+              <a:rPr lang="en-US" dirty="0">
+                <a:solidFill>
+                  <a:srgbClr val="FF0000"/>
+                </a:solidFill>
+              </a:rPr>
+              <a:t>Overview:</a:t>
             </a:r>
           </a:p>
         </p:txBody>
@@ -25700,7 +27267,7 @@
     </p:spTree>
     <p:extLst>
       <p:ext uri="{BB962C8B-B14F-4D97-AF65-F5344CB8AC3E}">
-        <p14:creationId xmlns:p14="http://schemas.microsoft.com/office/powerpoint/2010/main" val="2054071177"/>
+        <p14:creationId xmlns:p14="http://schemas.microsoft.com/office/powerpoint/2010/main" val="620802820"/>
       </p:ext>
     </p:extLst>
   </p:cSld>
@@ -25711,6 +27278,140 @@
 </file>
 
 <file path=ppt/slides/slide20.xml><?xml version="1.0" encoding="utf-8"?>
+<p:sld xmlns:a="http://schemas.openxmlformats.org/drawingml/2006/main" xmlns:r="http://schemas.openxmlformats.org/officeDocument/2006/relationships" xmlns:p="http://schemas.openxmlformats.org/presentationml/2006/main">
+  <p:cSld>
+    <p:spTree>
+      <p:nvGrpSpPr>
+        <p:cNvPr id="1" name=""/>
+        <p:cNvGrpSpPr/>
+        <p:nvPr/>
+      </p:nvGrpSpPr>
+      <p:grpSpPr>
+        <a:xfrm>
+          <a:off x="0" y="0"/>
+          <a:ext cx="0" cy="0"/>
+          <a:chOff x="0" y="0"/>
+          <a:chExt cx="0" cy="0"/>
+        </a:xfrm>
+      </p:grpSpPr>
+      <p:sp>
+        <p:nvSpPr>
+          <p:cNvPr id="84" name="Title 1">
+            <a:extLst>
+              <a:ext uri="{FF2B5EF4-FFF2-40B4-BE49-F238E27FC236}">
+                <a16:creationId xmlns:a16="http://schemas.microsoft.com/office/drawing/2014/main" id="{69DE01E8-8FC5-574F-9E9A-CB7019F7752F}"/>
+              </a:ext>
+            </a:extLst>
+          </p:cNvPr>
+          <p:cNvSpPr>
+            <a:spLocks noGrp="1"/>
+          </p:cNvSpPr>
+          <p:nvPr>
+            <p:ph type="title"/>
+          </p:nvPr>
+        </p:nvSpPr>
+        <p:spPr>
+          <a:xfrm>
+            <a:off x="189294" y="48850"/>
+            <a:ext cx="8295032" cy="699295"/>
+          </a:xfrm>
+        </p:spPr>
+        <p:txBody>
+          <a:bodyPr>
+            <a:normAutofit fontScale="90000"/>
+          </a:bodyPr>
+          <a:lstStyle/>
+          <a:p>
+            <a:r>
+              <a:rPr lang="en-US" dirty="0"/>
+              <a:t>Create SG – </a:t>
+            </a:r>
+            <a:r>
+              <a:rPr lang="en-US" dirty="0">
+                <a:solidFill>
+                  <a:srgbClr val="FF0000"/>
+                </a:solidFill>
+              </a:rPr>
+              <a:t>IP option (40 bytes limit)</a:t>
+            </a:r>
+            <a:endParaRPr lang="en-US" dirty="0"/>
+          </a:p>
+        </p:txBody>
+      </p:sp>
+      <p:pic>
+        <p:nvPicPr>
+          <p:cNvPr id="9" name="Picture 8">
+            <a:extLst>
+              <a:ext uri="{FF2B5EF4-FFF2-40B4-BE49-F238E27FC236}">
+                <a16:creationId xmlns:a16="http://schemas.microsoft.com/office/drawing/2014/main" id="{A45DAABF-D6EF-8644-8BB1-B15B503F0A5E}"/>
+              </a:ext>
+            </a:extLst>
+          </p:cNvPr>
+          <p:cNvPicPr>
+            <a:picLocks noChangeAspect="1"/>
+          </p:cNvPicPr>
+          <p:nvPr/>
+        </p:nvPicPr>
+        <p:blipFill>
+          <a:blip r:embed="rId3"/>
+          <a:stretch>
+            <a:fillRect/>
+          </a:stretch>
+        </p:blipFill>
+        <p:spPr>
+          <a:xfrm>
+            <a:off x="58782" y="853632"/>
+            <a:ext cx="9413412" cy="1604853"/>
+          </a:xfrm>
+          <a:prstGeom prst="rect">
+            <a:avLst/>
+          </a:prstGeom>
+        </p:spPr>
+      </p:pic>
+      <p:pic>
+        <p:nvPicPr>
+          <p:cNvPr id="10" name="Picture 9">
+            <a:extLst>
+              <a:ext uri="{FF2B5EF4-FFF2-40B4-BE49-F238E27FC236}">
+                <a16:creationId xmlns:a16="http://schemas.microsoft.com/office/drawing/2014/main" id="{6194B416-2C4C-3249-8463-F99E612B173B}"/>
+              </a:ext>
+            </a:extLst>
+          </p:cNvPr>
+          <p:cNvPicPr>
+            <a:picLocks noChangeAspect="1"/>
+          </p:cNvPicPr>
+          <p:nvPr/>
+        </p:nvPicPr>
+        <p:blipFill>
+          <a:blip r:embed="rId4"/>
+          <a:stretch>
+            <a:fillRect/>
+          </a:stretch>
+        </p:blipFill>
+        <p:spPr>
+          <a:xfrm>
+            <a:off x="58782" y="2458485"/>
+            <a:ext cx="8567057" cy="4399515"/>
+          </a:xfrm>
+          <a:prstGeom prst="rect">
+            <a:avLst/>
+          </a:prstGeom>
+        </p:spPr>
+      </p:pic>
+    </p:spTree>
+    <p:extLst>
+      <p:ext uri="{BB962C8B-B14F-4D97-AF65-F5344CB8AC3E}">
+        <p14:creationId xmlns:p14="http://schemas.microsoft.com/office/powerpoint/2010/main" val="2094731867"/>
+      </p:ext>
+    </p:extLst>
+  </p:cSld>
+  <p:clrMapOvr>
+    <a:masterClrMapping/>
+  </p:clrMapOvr>
+</p:sld>
+</file>
+
+<file path=ppt/slides/slide21.xml><?xml version="1.0" encoding="utf-8"?>
 <p:sld xmlns:a="http://schemas.openxmlformats.org/drawingml/2006/main" xmlns:r="http://schemas.openxmlformats.org/officeDocument/2006/relationships" xmlns:p="http://schemas.openxmlformats.org/presentationml/2006/main">
   <p:cSld>
     <p:spTree>
@@ -27514,7 +29215,7 @@
 </p:sld>
 </file>
 
-<file path=ppt/slides/slide21.xml><?xml version="1.0" encoding="utf-8"?>
+<file path=ppt/slides/slide22.xml><?xml version="1.0" encoding="utf-8"?>
 <p:sld xmlns:a="http://schemas.openxmlformats.org/drawingml/2006/main" xmlns:r="http://schemas.openxmlformats.org/officeDocument/2006/relationships" xmlns:p="http://schemas.openxmlformats.org/presentationml/2006/main">
   <p:cSld>
     <p:spTree>
@@ -29186,7 +30887,7 @@
 </p:sld>
 </file>
 
-<file path=ppt/slides/slide22.xml><?xml version="1.0" encoding="utf-8"?>
+<file path=ppt/slides/slide23.xml><?xml version="1.0" encoding="utf-8"?>
 <p:sld xmlns:a="http://schemas.openxmlformats.org/drawingml/2006/main" xmlns:r="http://schemas.openxmlformats.org/officeDocument/2006/relationships" xmlns:p="http://schemas.openxmlformats.org/presentationml/2006/main">
   <p:cSld>
     <p:spTree>
@@ -30877,7 +32578,7 @@
 </p:sld>
 </file>
 
-<file path=ppt/slides/slide23.xml><?xml version="1.0" encoding="utf-8"?>
+<file path=ppt/slides/slide24.xml><?xml version="1.0" encoding="utf-8"?>
 <p:sld xmlns:a="http://schemas.openxmlformats.org/drawingml/2006/main" xmlns:r="http://schemas.openxmlformats.org/officeDocument/2006/relationships" xmlns:p="http://schemas.openxmlformats.org/presentationml/2006/main">
   <p:cSld>
     <p:spTree>
@@ -32564,7 +34265,7 @@
 </p:sld>
 </file>
 
-<file path=ppt/slides/slide24.xml><?xml version="1.0" encoding="utf-8"?>
+<file path=ppt/slides/slide25.xml><?xml version="1.0" encoding="utf-8"?>
 <p:sld xmlns:a="http://schemas.openxmlformats.org/drawingml/2006/main" xmlns:r="http://schemas.openxmlformats.org/officeDocument/2006/relationships" xmlns:p="http://schemas.openxmlformats.org/presentationml/2006/main">
   <p:cSld>
     <p:spTree>
@@ -34026,6 +35727,31 @@
           <a:p>
             <a:r>
               <a:rPr lang="en-US" dirty="0"/>
+              <a:t>ACA detects that it has been restarted or the </a:t>
+            </a:r>
+            <a:r>
+              <a:rPr lang="en-US" dirty="0" err="1"/>
+              <a:t>dataplane</a:t>
+            </a:r>
+            <a:r>
+              <a:rPr lang="en-US" dirty="0"/>
+              <a:t> has been restarted</a:t>
+            </a:r>
+          </a:p>
+          <a:p>
+            <a:r>
+              <a:rPr lang="en-US" dirty="0"/>
+              <a:t>ACA clears all internal memory </a:t>
+            </a:r>
+            <a:r>
+              <a:rPr lang="en-US"/>
+              <a:t>and database</a:t>
+            </a:r>
+            <a:endParaRPr lang="en-US" dirty="0"/>
+          </a:p>
+          <a:p>
+            <a:r>
+              <a:rPr lang="en-US" dirty="0"/>
               <a:t>ACA -&gt; AGA: </a:t>
             </a:r>
           </a:p>
@@ -34086,7 +35812,15 @@
             </a:r>
             <a:r>
               <a:rPr lang="en-US" dirty="0"/>
-              <a:t> = RESTARTED</a:t>
+              <a:t> = </a:t>
+            </a:r>
+            <a:r>
+              <a:rPr lang="en-US" dirty="0">
+                <a:solidFill>
+                  <a:srgbClr val="FF0000"/>
+                </a:solidFill>
+              </a:rPr>
+              <a:t>RESTARTED</a:t>
             </a:r>
           </a:p>
           <a:p>
@@ -34306,7 +36040,7 @@
 </p:sld>
 </file>
 
-<file path=ppt/slides/slide25.xml><?xml version="1.0" encoding="utf-8"?>
+<file path=ppt/slides/slide26.xml><?xml version="1.0" encoding="utf-8"?>
 <p:sld xmlns:a="http://schemas.openxmlformats.org/drawingml/2006/main" xmlns:r="http://schemas.openxmlformats.org/officeDocument/2006/relationships" xmlns:p="http://schemas.openxmlformats.org/presentationml/2006/main">
   <p:cSld>
     <p:spTree>
@@ -34389,6 +36123,4023 @@
       </p:grpSpPr>
       <p:sp>
         <p:nvSpPr>
+          <p:cNvPr id="88" name="Rectangle 87">
+            <a:extLst>
+              <a:ext uri="{FF2B5EF4-FFF2-40B4-BE49-F238E27FC236}">
+                <a16:creationId xmlns:a16="http://schemas.microsoft.com/office/drawing/2014/main" id="{88365871-4243-0743-AC31-87F6E4D6C26E}"/>
+              </a:ext>
+            </a:extLst>
+          </p:cNvPr>
+          <p:cNvSpPr/>
+          <p:nvPr/>
+        </p:nvSpPr>
+        <p:spPr>
+          <a:xfrm>
+            <a:off x="7585875" y="3121050"/>
+            <a:ext cx="4609085" cy="3736949"/>
+          </a:xfrm>
+          <a:prstGeom prst="rect">
+            <a:avLst/>
+          </a:prstGeom>
+          <a:gradFill flip="none" rotWithShape="1">
+            <a:gsLst>
+              <a:gs pos="0">
+                <a:srgbClr val="FFC000">
+                  <a:tint val="66000"/>
+                  <a:satMod val="160000"/>
+                </a:srgbClr>
+              </a:gs>
+              <a:gs pos="50000">
+                <a:srgbClr val="FFC000">
+                  <a:tint val="44500"/>
+                  <a:satMod val="160000"/>
+                </a:srgbClr>
+              </a:gs>
+              <a:gs pos="100000">
+                <a:srgbClr val="FFC000">
+                  <a:tint val="23500"/>
+                  <a:satMod val="160000"/>
+                </a:srgbClr>
+              </a:gs>
+            </a:gsLst>
+            <a:lin ang="2700000" scaled="1"/>
+            <a:tileRect/>
+          </a:gradFill>
+        </p:spPr>
+        <p:style>
+          <a:lnRef idx="2">
+            <a:schemeClr val="accent1">
+              <a:shade val="50000"/>
+            </a:schemeClr>
+          </a:lnRef>
+          <a:fillRef idx="1">
+            <a:schemeClr val="accent1"/>
+          </a:fillRef>
+          <a:effectRef idx="0">
+            <a:schemeClr val="accent1"/>
+          </a:effectRef>
+          <a:fontRef idx="minor">
+            <a:schemeClr val="lt1"/>
+          </a:fontRef>
+        </p:style>
+        <p:txBody>
+          <a:bodyPr rtlCol="0" anchor="ctr"/>
+          <a:lstStyle/>
+          <a:p>
+            <a:pPr algn="ctr"/>
+            <a:endParaRPr lang="en-US"/>
+          </a:p>
+        </p:txBody>
+      </p:sp>
+      <p:sp>
+        <p:nvSpPr>
+          <p:cNvPr id="12" name="Rectangle 11">
+            <a:extLst>
+              <a:ext uri="{FF2B5EF4-FFF2-40B4-BE49-F238E27FC236}">
+                <a16:creationId xmlns:a16="http://schemas.microsoft.com/office/drawing/2014/main" id="{4366C766-EAA3-B44A-935D-7BAE2EE7B024}"/>
+              </a:ext>
+            </a:extLst>
+          </p:cNvPr>
+          <p:cNvSpPr/>
+          <p:nvPr/>
+        </p:nvSpPr>
+        <p:spPr>
+          <a:xfrm>
+            <a:off x="465084" y="3121051"/>
+            <a:ext cx="4609085" cy="3736949"/>
+          </a:xfrm>
+          <a:prstGeom prst="rect">
+            <a:avLst/>
+          </a:prstGeom>
+          <a:gradFill flip="none" rotWithShape="1">
+            <a:gsLst>
+              <a:gs pos="0">
+                <a:srgbClr val="FFC000">
+                  <a:tint val="66000"/>
+                  <a:satMod val="160000"/>
+                </a:srgbClr>
+              </a:gs>
+              <a:gs pos="50000">
+                <a:srgbClr val="FFC000">
+                  <a:tint val="44500"/>
+                  <a:satMod val="160000"/>
+                </a:srgbClr>
+              </a:gs>
+              <a:gs pos="100000">
+                <a:srgbClr val="FFC000">
+                  <a:tint val="23500"/>
+                  <a:satMod val="160000"/>
+                </a:srgbClr>
+              </a:gs>
+            </a:gsLst>
+            <a:lin ang="2700000" scaled="1"/>
+            <a:tileRect/>
+          </a:gradFill>
+        </p:spPr>
+        <p:style>
+          <a:lnRef idx="2">
+            <a:schemeClr val="accent1">
+              <a:shade val="50000"/>
+            </a:schemeClr>
+          </a:lnRef>
+          <a:fillRef idx="1">
+            <a:schemeClr val="accent1"/>
+          </a:fillRef>
+          <a:effectRef idx="0">
+            <a:schemeClr val="accent1"/>
+          </a:effectRef>
+          <a:fontRef idx="minor">
+            <a:schemeClr val="lt1"/>
+          </a:fontRef>
+        </p:style>
+        <p:txBody>
+          <a:bodyPr rtlCol="0" anchor="ctr"/>
+          <a:lstStyle/>
+          <a:p>
+            <a:pPr algn="ctr"/>
+            <a:endParaRPr lang="en-US" dirty="0"/>
+          </a:p>
+        </p:txBody>
+      </p:sp>
+      <p:sp>
+        <p:nvSpPr>
+          <p:cNvPr id="5" name="Rounded Rectangle 4">
+            <a:extLst>
+              <a:ext uri="{FF2B5EF4-FFF2-40B4-BE49-F238E27FC236}">
+                <a16:creationId xmlns:a16="http://schemas.microsoft.com/office/drawing/2014/main" id="{F533FE53-F5E3-1E46-BD50-A0017A9C3374}"/>
+              </a:ext>
+            </a:extLst>
+          </p:cNvPr>
+          <p:cNvSpPr/>
+          <p:nvPr/>
+        </p:nvSpPr>
+        <p:spPr>
+          <a:xfrm>
+            <a:off x="5654300" y="3560147"/>
+            <a:ext cx="1203927" cy="396281"/>
+          </a:xfrm>
+          <a:prstGeom prst="roundRect">
+            <a:avLst/>
+          </a:prstGeom>
+        </p:spPr>
+        <p:style>
+          <a:lnRef idx="2">
+            <a:schemeClr val="accent1">
+              <a:shade val="50000"/>
+            </a:schemeClr>
+          </a:lnRef>
+          <a:fillRef idx="1">
+            <a:schemeClr val="accent1"/>
+          </a:fillRef>
+          <a:effectRef idx="0">
+            <a:schemeClr val="accent1"/>
+          </a:effectRef>
+          <a:fontRef idx="minor">
+            <a:schemeClr val="lt1"/>
+          </a:fontRef>
+        </p:style>
+        <p:txBody>
+          <a:bodyPr rtlCol="0" anchor="ctr"/>
+          <a:lstStyle/>
+          <a:p>
+            <a:pPr algn="ctr"/>
+            <a:r>
+              <a:rPr lang="en-US" sz="1050" dirty="0"/>
+              <a:t>Alcor Controller - DPM</a:t>
+            </a:r>
+          </a:p>
+        </p:txBody>
+      </p:sp>
+      <p:sp>
+        <p:nvSpPr>
+          <p:cNvPr id="6" name="Rounded Rectangle 5">
+            <a:extLst>
+              <a:ext uri="{FF2B5EF4-FFF2-40B4-BE49-F238E27FC236}">
+                <a16:creationId xmlns:a16="http://schemas.microsoft.com/office/drawing/2014/main" id="{86B29247-8203-1B4A-9AE5-5260FB689DEF}"/>
+              </a:ext>
+            </a:extLst>
+          </p:cNvPr>
+          <p:cNvSpPr/>
+          <p:nvPr/>
+        </p:nvSpPr>
+        <p:spPr>
+          <a:xfrm>
+            <a:off x="7754404" y="5393532"/>
+            <a:ext cx="1957422" cy="1420733"/>
+          </a:xfrm>
+          <a:prstGeom prst="roundRect">
+            <a:avLst/>
+          </a:prstGeom>
+          <a:solidFill>
+            <a:schemeClr val="bg1">
+              <a:lumMod val="85000"/>
+            </a:schemeClr>
+          </a:solidFill>
+        </p:spPr>
+        <p:style>
+          <a:lnRef idx="2">
+            <a:schemeClr val="accent1">
+              <a:shade val="50000"/>
+            </a:schemeClr>
+          </a:lnRef>
+          <a:fillRef idx="1">
+            <a:schemeClr val="accent1"/>
+          </a:fillRef>
+          <a:effectRef idx="0">
+            <a:schemeClr val="accent1"/>
+          </a:effectRef>
+          <a:fontRef idx="minor">
+            <a:schemeClr val="lt1"/>
+          </a:fontRef>
+        </p:style>
+        <p:txBody>
+          <a:bodyPr rtlCol="0" anchor="ctr"/>
+          <a:lstStyle/>
+          <a:p>
+            <a:pPr algn="ctr"/>
+            <a:endParaRPr lang="en-US" sz="1050" dirty="0"/>
+          </a:p>
+        </p:txBody>
+      </p:sp>
+      <p:sp>
+        <p:nvSpPr>
+          <p:cNvPr id="7" name="Rounded Rectangle 6">
+            <a:extLst>
+              <a:ext uri="{FF2B5EF4-FFF2-40B4-BE49-F238E27FC236}">
+                <a16:creationId xmlns:a16="http://schemas.microsoft.com/office/drawing/2014/main" id="{D695EC23-43FD-9A4E-AEB5-E63A84873979}"/>
+              </a:ext>
+            </a:extLst>
+          </p:cNvPr>
+          <p:cNvSpPr/>
+          <p:nvPr/>
+        </p:nvSpPr>
+        <p:spPr>
+          <a:xfrm>
+            <a:off x="7963891" y="5432953"/>
+            <a:ext cx="1601732" cy="1297672"/>
+          </a:xfrm>
+          <a:prstGeom prst="roundRect">
+            <a:avLst/>
+          </a:prstGeom>
+          <a:solidFill>
+            <a:schemeClr val="accent1"/>
+          </a:solidFill>
+        </p:spPr>
+        <p:style>
+          <a:lnRef idx="2">
+            <a:schemeClr val="accent1">
+              <a:shade val="50000"/>
+            </a:schemeClr>
+          </a:lnRef>
+          <a:fillRef idx="1">
+            <a:schemeClr val="accent1"/>
+          </a:fillRef>
+          <a:effectRef idx="0">
+            <a:schemeClr val="accent1"/>
+          </a:effectRef>
+          <a:fontRef idx="minor">
+            <a:schemeClr val="lt1"/>
+          </a:fontRef>
+        </p:style>
+        <p:txBody>
+          <a:bodyPr rtlCol="0" anchor="ctr"/>
+          <a:lstStyle/>
+          <a:p>
+            <a:pPr algn="ctr"/>
+            <a:endParaRPr lang="en-US" sz="1050" dirty="0"/>
+          </a:p>
+        </p:txBody>
+      </p:sp>
+      <p:sp>
+        <p:nvSpPr>
+          <p:cNvPr id="26" name="Rectangle 25">
+            <a:extLst>
+              <a:ext uri="{FF2B5EF4-FFF2-40B4-BE49-F238E27FC236}">
+                <a16:creationId xmlns:a16="http://schemas.microsoft.com/office/drawing/2014/main" id="{77E77911-0FD9-A142-A4A4-34BB4082EA39}"/>
+              </a:ext>
+            </a:extLst>
+          </p:cNvPr>
+          <p:cNvSpPr/>
+          <p:nvPr/>
+        </p:nvSpPr>
+        <p:spPr>
+          <a:xfrm>
+            <a:off x="8398751" y="5478847"/>
+            <a:ext cx="776788" cy="185612"/>
+          </a:xfrm>
+          <a:prstGeom prst="rect">
+            <a:avLst/>
+          </a:prstGeom>
+          <a:solidFill>
+            <a:srgbClr val="7030A0"/>
+          </a:solidFill>
+        </p:spPr>
+        <p:style>
+          <a:lnRef idx="2">
+            <a:schemeClr val="accent1">
+              <a:shade val="50000"/>
+            </a:schemeClr>
+          </a:lnRef>
+          <a:fillRef idx="1">
+            <a:schemeClr val="accent1"/>
+          </a:fillRef>
+          <a:effectRef idx="0">
+            <a:schemeClr val="accent1"/>
+          </a:effectRef>
+          <a:fontRef idx="minor">
+            <a:schemeClr val="lt1"/>
+          </a:fontRef>
+        </p:style>
+        <p:txBody>
+          <a:bodyPr rtlCol="0" anchor="ctr"/>
+          <a:lstStyle/>
+          <a:p>
+            <a:pPr algn="ctr"/>
+            <a:r>
+              <a:rPr lang="en-US" sz="900" dirty="0"/>
+              <a:t>ACA</a:t>
+            </a:r>
+          </a:p>
+        </p:txBody>
+      </p:sp>
+      <p:sp>
+        <p:nvSpPr>
+          <p:cNvPr id="33" name="TextBox 32">
+            <a:extLst>
+              <a:ext uri="{FF2B5EF4-FFF2-40B4-BE49-F238E27FC236}">
+                <a16:creationId xmlns:a16="http://schemas.microsoft.com/office/drawing/2014/main" id="{095DD8B0-5ECF-9C42-9423-B4B51550B69E}"/>
+              </a:ext>
+            </a:extLst>
+          </p:cNvPr>
+          <p:cNvSpPr txBox="1"/>
+          <p:nvPr/>
+        </p:nvSpPr>
+        <p:spPr>
+          <a:xfrm rot="16200000">
+            <a:off x="7192570" y="5869904"/>
+            <a:ext cx="1293106" cy="276999"/>
+          </a:xfrm>
+          <a:prstGeom prst="rect">
+            <a:avLst/>
+          </a:prstGeom>
+          <a:noFill/>
+        </p:spPr>
+        <p:txBody>
+          <a:bodyPr wrap="square" rtlCol="0">
+            <a:spAutoFit/>
+          </a:bodyPr>
+          <a:lstStyle/>
+          <a:p>
+            <a:r>
+              <a:rPr lang="en-US" sz="1200" dirty="0"/>
+              <a:t>Compute Host 1</a:t>
+            </a:r>
+          </a:p>
+        </p:txBody>
+      </p:sp>
+      <p:sp>
+        <p:nvSpPr>
+          <p:cNvPr id="2" name="Rectangle 1">
+            <a:extLst>
+              <a:ext uri="{FF2B5EF4-FFF2-40B4-BE49-F238E27FC236}">
+                <a16:creationId xmlns:a16="http://schemas.microsoft.com/office/drawing/2014/main" id="{83DD1A05-FC85-1C46-ADB3-2D6171C7A240}"/>
+              </a:ext>
+            </a:extLst>
+          </p:cNvPr>
+          <p:cNvSpPr/>
+          <p:nvPr/>
+        </p:nvSpPr>
+        <p:spPr>
+          <a:xfrm>
+            <a:off x="7994029" y="5745959"/>
+            <a:ext cx="719238" cy="299832"/>
+          </a:xfrm>
+          <a:prstGeom prst="rect">
+            <a:avLst/>
+          </a:prstGeom>
+        </p:spPr>
+        <p:style>
+          <a:lnRef idx="2">
+            <a:schemeClr val="accent6"/>
+          </a:lnRef>
+          <a:fillRef idx="1">
+            <a:schemeClr val="lt1"/>
+          </a:fillRef>
+          <a:effectRef idx="0">
+            <a:schemeClr val="accent6"/>
+          </a:effectRef>
+          <a:fontRef idx="minor">
+            <a:schemeClr val="dk1"/>
+          </a:fontRef>
+        </p:style>
+        <p:txBody>
+          <a:bodyPr rtlCol="0" anchor="ctr"/>
+          <a:lstStyle/>
+          <a:p>
+            <a:pPr algn="ctr"/>
+            <a:r>
+              <a:rPr lang="en-US" sz="900" dirty="0">
+                <a:solidFill>
+                  <a:schemeClr val="accent6"/>
+                </a:solidFill>
+              </a:rPr>
+              <a:t>VM1</a:t>
+            </a:r>
+          </a:p>
+          <a:p>
+            <a:pPr algn="ctr"/>
+            <a:r>
+              <a:rPr lang="en-US" sz="900" dirty="0">
+                <a:solidFill>
+                  <a:schemeClr val="accent6"/>
+                </a:solidFill>
+              </a:rPr>
+              <a:t>10.0.0.101</a:t>
+            </a:r>
+          </a:p>
+        </p:txBody>
+      </p:sp>
+      <p:sp>
+        <p:nvSpPr>
+          <p:cNvPr id="47" name="Rectangle 46">
+            <a:extLst>
+              <a:ext uri="{FF2B5EF4-FFF2-40B4-BE49-F238E27FC236}">
+                <a16:creationId xmlns:a16="http://schemas.microsoft.com/office/drawing/2014/main" id="{B78D16F2-1DEF-BF4F-B0F2-072F5CA60812}"/>
+              </a:ext>
+            </a:extLst>
+          </p:cNvPr>
+          <p:cNvSpPr/>
+          <p:nvPr/>
+        </p:nvSpPr>
+        <p:spPr>
+          <a:xfrm>
+            <a:off x="7994030" y="6238292"/>
+            <a:ext cx="719237" cy="299832"/>
+          </a:xfrm>
+          <a:prstGeom prst="rect">
+            <a:avLst/>
+          </a:prstGeom>
+        </p:spPr>
+        <p:style>
+          <a:lnRef idx="2">
+            <a:schemeClr val="accent6"/>
+          </a:lnRef>
+          <a:fillRef idx="1">
+            <a:schemeClr val="lt1"/>
+          </a:fillRef>
+          <a:effectRef idx="0">
+            <a:schemeClr val="accent6"/>
+          </a:effectRef>
+          <a:fontRef idx="minor">
+            <a:schemeClr val="dk1"/>
+          </a:fontRef>
+        </p:style>
+        <p:txBody>
+          <a:bodyPr rtlCol="0" anchor="ctr"/>
+          <a:lstStyle/>
+          <a:p>
+            <a:pPr algn="ctr"/>
+            <a:r>
+              <a:rPr lang="en-US" sz="900" dirty="0">
+                <a:solidFill>
+                  <a:srgbClr val="FF0000"/>
+                </a:solidFill>
+              </a:rPr>
+              <a:t>VM2</a:t>
+            </a:r>
+          </a:p>
+          <a:p>
+            <a:pPr algn="ctr"/>
+            <a:r>
+              <a:rPr lang="en-US" sz="900" dirty="0">
+                <a:solidFill>
+                  <a:srgbClr val="FF0000"/>
+                </a:solidFill>
+              </a:rPr>
+              <a:t>10.0.1.102</a:t>
+            </a:r>
+          </a:p>
+        </p:txBody>
+      </p:sp>
+      <p:sp>
+        <p:nvSpPr>
+          <p:cNvPr id="4" name="Card 3">
+            <a:extLst>
+              <a:ext uri="{FF2B5EF4-FFF2-40B4-BE49-F238E27FC236}">
+                <a16:creationId xmlns:a16="http://schemas.microsoft.com/office/drawing/2014/main" id="{288F9827-C38F-DE41-8293-AD2362021959}"/>
+              </a:ext>
+            </a:extLst>
+          </p:cNvPr>
+          <p:cNvSpPr/>
+          <p:nvPr/>
+        </p:nvSpPr>
+        <p:spPr>
+          <a:xfrm>
+            <a:off x="8813807" y="5758355"/>
+            <a:ext cx="481984" cy="275041"/>
+          </a:xfrm>
+          <a:prstGeom prst="flowChartPunchedCard">
+            <a:avLst/>
+          </a:prstGeom>
+        </p:spPr>
+        <p:style>
+          <a:lnRef idx="3">
+            <a:schemeClr val="lt1"/>
+          </a:lnRef>
+          <a:fillRef idx="1">
+            <a:schemeClr val="accent2"/>
+          </a:fillRef>
+          <a:effectRef idx="1">
+            <a:schemeClr val="accent2"/>
+          </a:effectRef>
+          <a:fontRef idx="minor">
+            <a:schemeClr val="lt1"/>
+          </a:fontRef>
+        </p:style>
+        <p:txBody>
+          <a:bodyPr rtlCol="0" anchor="ctr"/>
+          <a:lstStyle/>
+          <a:p>
+            <a:pPr algn="ctr"/>
+            <a:r>
+              <a:rPr lang="en-US" sz="1050" dirty="0">
+                <a:solidFill>
+                  <a:schemeClr val="tx1"/>
+                </a:solidFill>
+              </a:rPr>
+              <a:t>OVS</a:t>
+            </a:r>
+          </a:p>
+        </p:txBody>
+      </p:sp>
+      <p:sp>
+        <p:nvSpPr>
+          <p:cNvPr id="25" name="Rounded Rectangle 24">
+            <a:extLst>
+              <a:ext uri="{FF2B5EF4-FFF2-40B4-BE49-F238E27FC236}">
+                <a16:creationId xmlns:a16="http://schemas.microsoft.com/office/drawing/2014/main" id="{81B0697B-D999-1C40-BE43-F50DA8F2E613}"/>
+              </a:ext>
+            </a:extLst>
+          </p:cNvPr>
+          <p:cNvSpPr/>
+          <p:nvPr/>
+        </p:nvSpPr>
+        <p:spPr>
+          <a:xfrm>
+            <a:off x="10123381" y="5398564"/>
+            <a:ext cx="1957422" cy="1420733"/>
+          </a:xfrm>
+          <a:prstGeom prst="roundRect">
+            <a:avLst/>
+          </a:prstGeom>
+          <a:solidFill>
+            <a:schemeClr val="bg1">
+              <a:lumMod val="85000"/>
+            </a:schemeClr>
+          </a:solidFill>
+        </p:spPr>
+        <p:style>
+          <a:lnRef idx="2">
+            <a:schemeClr val="accent1">
+              <a:shade val="50000"/>
+            </a:schemeClr>
+          </a:lnRef>
+          <a:fillRef idx="1">
+            <a:schemeClr val="accent1"/>
+          </a:fillRef>
+          <a:effectRef idx="0">
+            <a:schemeClr val="accent1"/>
+          </a:effectRef>
+          <a:fontRef idx="minor">
+            <a:schemeClr val="lt1"/>
+          </a:fontRef>
+        </p:style>
+        <p:txBody>
+          <a:bodyPr rtlCol="0" anchor="ctr"/>
+          <a:lstStyle/>
+          <a:p>
+            <a:pPr algn="ctr"/>
+            <a:endParaRPr lang="en-US" sz="1050" dirty="0"/>
+          </a:p>
+        </p:txBody>
+      </p:sp>
+      <p:sp>
+        <p:nvSpPr>
+          <p:cNvPr id="27" name="Rounded Rectangle 26">
+            <a:extLst>
+              <a:ext uri="{FF2B5EF4-FFF2-40B4-BE49-F238E27FC236}">
+                <a16:creationId xmlns:a16="http://schemas.microsoft.com/office/drawing/2014/main" id="{A4458021-C7AA-7845-A2FA-B9E99CF9FF13}"/>
+              </a:ext>
+            </a:extLst>
+          </p:cNvPr>
+          <p:cNvSpPr/>
+          <p:nvPr/>
+        </p:nvSpPr>
+        <p:spPr>
+          <a:xfrm>
+            <a:off x="10332868" y="5432952"/>
+            <a:ext cx="1601732" cy="1302705"/>
+          </a:xfrm>
+          <a:prstGeom prst="roundRect">
+            <a:avLst/>
+          </a:prstGeom>
+          <a:solidFill>
+            <a:schemeClr val="accent1"/>
+          </a:solidFill>
+        </p:spPr>
+        <p:style>
+          <a:lnRef idx="2">
+            <a:schemeClr val="accent1">
+              <a:shade val="50000"/>
+            </a:schemeClr>
+          </a:lnRef>
+          <a:fillRef idx="1">
+            <a:schemeClr val="accent1"/>
+          </a:fillRef>
+          <a:effectRef idx="0">
+            <a:schemeClr val="accent1"/>
+          </a:effectRef>
+          <a:fontRef idx="minor">
+            <a:schemeClr val="lt1"/>
+          </a:fontRef>
+        </p:style>
+        <p:txBody>
+          <a:bodyPr rtlCol="0" anchor="ctr"/>
+          <a:lstStyle/>
+          <a:p>
+            <a:pPr algn="ctr"/>
+            <a:endParaRPr lang="en-US" sz="1050" dirty="0"/>
+          </a:p>
+        </p:txBody>
+      </p:sp>
+      <p:sp>
+        <p:nvSpPr>
+          <p:cNvPr id="28" name="Rectangle 27">
+            <a:extLst>
+              <a:ext uri="{FF2B5EF4-FFF2-40B4-BE49-F238E27FC236}">
+                <a16:creationId xmlns:a16="http://schemas.microsoft.com/office/drawing/2014/main" id="{03AE3161-BD0A-E340-989D-C567B5319DFF}"/>
+              </a:ext>
+            </a:extLst>
+          </p:cNvPr>
+          <p:cNvSpPr/>
+          <p:nvPr/>
+        </p:nvSpPr>
+        <p:spPr>
+          <a:xfrm>
+            <a:off x="10745340" y="5488735"/>
+            <a:ext cx="776788" cy="185612"/>
+          </a:xfrm>
+          <a:prstGeom prst="rect">
+            <a:avLst/>
+          </a:prstGeom>
+          <a:solidFill>
+            <a:srgbClr val="7030A0"/>
+          </a:solidFill>
+        </p:spPr>
+        <p:style>
+          <a:lnRef idx="2">
+            <a:schemeClr val="accent1">
+              <a:shade val="50000"/>
+            </a:schemeClr>
+          </a:lnRef>
+          <a:fillRef idx="1">
+            <a:schemeClr val="accent1"/>
+          </a:fillRef>
+          <a:effectRef idx="0">
+            <a:schemeClr val="accent1"/>
+          </a:effectRef>
+          <a:fontRef idx="minor">
+            <a:schemeClr val="lt1"/>
+          </a:fontRef>
+        </p:style>
+        <p:txBody>
+          <a:bodyPr rtlCol="0" anchor="ctr"/>
+          <a:lstStyle/>
+          <a:p>
+            <a:pPr algn="ctr"/>
+            <a:r>
+              <a:rPr lang="en-US" sz="900" dirty="0"/>
+              <a:t>ACA</a:t>
+            </a:r>
+          </a:p>
+        </p:txBody>
+      </p:sp>
+      <p:sp>
+        <p:nvSpPr>
+          <p:cNvPr id="29" name="TextBox 28">
+            <a:extLst>
+              <a:ext uri="{FF2B5EF4-FFF2-40B4-BE49-F238E27FC236}">
+                <a16:creationId xmlns:a16="http://schemas.microsoft.com/office/drawing/2014/main" id="{EBF2506E-16F2-914C-A9B4-9B9793F4BD48}"/>
+              </a:ext>
+            </a:extLst>
+          </p:cNvPr>
+          <p:cNvSpPr txBox="1"/>
+          <p:nvPr/>
+        </p:nvSpPr>
+        <p:spPr>
+          <a:xfrm rot="16200000">
+            <a:off x="9582513" y="5901585"/>
+            <a:ext cx="1293107" cy="276999"/>
+          </a:xfrm>
+          <a:prstGeom prst="rect">
+            <a:avLst/>
+          </a:prstGeom>
+          <a:noFill/>
+        </p:spPr>
+        <p:txBody>
+          <a:bodyPr wrap="square" rtlCol="0">
+            <a:spAutoFit/>
+          </a:bodyPr>
+          <a:lstStyle/>
+          <a:p>
+            <a:r>
+              <a:rPr lang="en-US" sz="1200" dirty="0"/>
+              <a:t>Compute Host N</a:t>
+            </a:r>
+          </a:p>
+        </p:txBody>
+      </p:sp>
+      <p:sp>
+        <p:nvSpPr>
+          <p:cNvPr id="30" name="Rectangle 29">
+            <a:extLst>
+              <a:ext uri="{FF2B5EF4-FFF2-40B4-BE49-F238E27FC236}">
+                <a16:creationId xmlns:a16="http://schemas.microsoft.com/office/drawing/2014/main" id="{0C841257-32A4-FD4A-B3DD-9A477B733363}"/>
+              </a:ext>
+            </a:extLst>
+          </p:cNvPr>
+          <p:cNvSpPr/>
+          <p:nvPr/>
+        </p:nvSpPr>
+        <p:spPr>
+          <a:xfrm>
+            <a:off x="10349098" y="5758354"/>
+            <a:ext cx="702636" cy="299832"/>
+          </a:xfrm>
+          <a:prstGeom prst="rect">
+            <a:avLst/>
+          </a:prstGeom>
+        </p:spPr>
+        <p:style>
+          <a:lnRef idx="2">
+            <a:schemeClr val="accent6"/>
+          </a:lnRef>
+          <a:fillRef idx="1">
+            <a:schemeClr val="lt1"/>
+          </a:fillRef>
+          <a:effectRef idx="0">
+            <a:schemeClr val="accent6"/>
+          </a:effectRef>
+          <a:fontRef idx="minor">
+            <a:schemeClr val="dk1"/>
+          </a:fontRef>
+        </p:style>
+        <p:txBody>
+          <a:bodyPr rtlCol="0" anchor="ctr"/>
+          <a:lstStyle/>
+          <a:p>
+            <a:pPr algn="ctr"/>
+            <a:r>
+              <a:rPr lang="en-US" sz="900" dirty="0">
+                <a:solidFill>
+                  <a:schemeClr val="accent6"/>
+                </a:solidFill>
+              </a:rPr>
+              <a:t>VM3</a:t>
+            </a:r>
+          </a:p>
+          <a:p>
+            <a:pPr algn="ctr"/>
+            <a:r>
+              <a:rPr lang="en-US" sz="900" dirty="0">
+                <a:solidFill>
+                  <a:schemeClr val="accent6"/>
+                </a:solidFill>
+              </a:rPr>
+              <a:t>10.0.0.105</a:t>
+            </a:r>
+          </a:p>
+        </p:txBody>
+      </p:sp>
+      <p:sp>
+        <p:nvSpPr>
+          <p:cNvPr id="31" name="Rectangle 30">
+            <a:extLst>
+              <a:ext uri="{FF2B5EF4-FFF2-40B4-BE49-F238E27FC236}">
+                <a16:creationId xmlns:a16="http://schemas.microsoft.com/office/drawing/2014/main" id="{DA0CA20A-D071-7547-93E7-68F8906F5732}"/>
+              </a:ext>
+            </a:extLst>
+          </p:cNvPr>
+          <p:cNvSpPr/>
+          <p:nvPr/>
+        </p:nvSpPr>
+        <p:spPr>
+          <a:xfrm>
+            <a:off x="10349099" y="6306845"/>
+            <a:ext cx="702635" cy="299832"/>
+          </a:xfrm>
+          <a:prstGeom prst="rect">
+            <a:avLst/>
+          </a:prstGeom>
+        </p:spPr>
+        <p:style>
+          <a:lnRef idx="2">
+            <a:schemeClr val="accent6"/>
+          </a:lnRef>
+          <a:fillRef idx="1">
+            <a:schemeClr val="lt1"/>
+          </a:fillRef>
+          <a:effectRef idx="0">
+            <a:schemeClr val="accent6"/>
+          </a:effectRef>
+          <a:fontRef idx="minor">
+            <a:schemeClr val="dk1"/>
+          </a:fontRef>
+        </p:style>
+        <p:txBody>
+          <a:bodyPr rtlCol="0" anchor="ctr"/>
+          <a:lstStyle/>
+          <a:p>
+            <a:pPr algn="ctr"/>
+            <a:r>
+              <a:rPr lang="en-US" sz="900" dirty="0">
+                <a:solidFill>
+                  <a:srgbClr val="FF0000"/>
+                </a:solidFill>
+              </a:rPr>
+              <a:t>VM4</a:t>
+            </a:r>
+          </a:p>
+          <a:p>
+            <a:pPr algn="ctr"/>
+            <a:r>
+              <a:rPr lang="en-US" sz="900" dirty="0">
+                <a:solidFill>
+                  <a:srgbClr val="FF0000"/>
+                </a:solidFill>
+              </a:rPr>
+              <a:t>10.0.1.106</a:t>
+            </a:r>
+          </a:p>
+        </p:txBody>
+      </p:sp>
+      <p:sp>
+        <p:nvSpPr>
+          <p:cNvPr id="32" name="Card 31">
+            <a:extLst>
+              <a:ext uri="{FF2B5EF4-FFF2-40B4-BE49-F238E27FC236}">
+                <a16:creationId xmlns:a16="http://schemas.microsoft.com/office/drawing/2014/main" id="{F13D2423-36A7-D443-B03C-8F0476C2ABC4}"/>
+              </a:ext>
+            </a:extLst>
+          </p:cNvPr>
+          <p:cNvSpPr/>
+          <p:nvPr/>
+        </p:nvSpPr>
+        <p:spPr>
+          <a:xfrm>
+            <a:off x="11133734" y="5758354"/>
+            <a:ext cx="481984" cy="275041"/>
+          </a:xfrm>
+          <a:prstGeom prst="flowChartPunchedCard">
+            <a:avLst/>
+          </a:prstGeom>
+        </p:spPr>
+        <p:style>
+          <a:lnRef idx="3">
+            <a:schemeClr val="lt1"/>
+          </a:lnRef>
+          <a:fillRef idx="1">
+            <a:schemeClr val="accent2"/>
+          </a:fillRef>
+          <a:effectRef idx="1">
+            <a:schemeClr val="accent2"/>
+          </a:effectRef>
+          <a:fontRef idx="minor">
+            <a:schemeClr val="lt1"/>
+          </a:fontRef>
+        </p:style>
+        <p:txBody>
+          <a:bodyPr rtlCol="0" anchor="ctr"/>
+          <a:lstStyle/>
+          <a:p>
+            <a:pPr algn="ctr"/>
+            <a:r>
+              <a:rPr lang="en-US" sz="1050" dirty="0">
+                <a:solidFill>
+                  <a:schemeClr val="tx1"/>
+                </a:solidFill>
+              </a:rPr>
+              <a:t>OVS</a:t>
+            </a:r>
+          </a:p>
+        </p:txBody>
+      </p:sp>
+      <p:sp>
+        <p:nvSpPr>
+          <p:cNvPr id="34" name="Rounded Rectangle 33">
+            <a:extLst>
+              <a:ext uri="{FF2B5EF4-FFF2-40B4-BE49-F238E27FC236}">
+                <a16:creationId xmlns:a16="http://schemas.microsoft.com/office/drawing/2014/main" id="{B5E0BD5F-FCAC-5C41-9218-2A414006B604}"/>
+              </a:ext>
+            </a:extLst>
+          </p:cNvPr>
+          <p:cNvSpPr/>
+          <p:nvPr/>
+        </p:nvSpPr>
+        <p:spPr>
+          <a:xfrm>
+            <a:off x="8747472" y="3443706"/>
+            <a:ext cx="1957422" cy="1179108"/>
+          </a:xfrm>
+          <a:prstGeom prst="roundRect">
+            <a:avLst/>
+          </a:prstGeom>
+          <a:solidFill>
+            <a:schemeClr val="bg1">
+              <a:lumMod val="85000"/>
+            </a:schemeClr>
+          </a:solidFill>
+        </p:spPr>
+        <p:style>
+          <a:lnRef idx="2">
+            <a:schemeClr val="accent1">
+              <a:shade val="50000"/>
+            </a:schemeClr>
+          </a:lnRef>
+          <a:fillRef idx="1">
+            <a:schemeClr val="accent1"/>
+          </a:fillRef>
+          <a:effectRef idx="0">
+            <a:schemeClr val="accent1"/>
+          </a:effectRef>
+          <a:fontRef idx="minor">
+            <a:schemeClr val="lt1"/>
+          </a:fontRef>
+        </p:style>
+        <p:txBody>
+          <a:bodyPr rtlCol="0" anchor="ctr"/>
+          <a:lstStyle/>
+          <a:p>
+            <a:pPr algn="ctr"/>
+            <a:endParaRPr lang="en-US" sz="1050" dirty="0"/>
+          </a:p>
+        </p:txBody>
+      </p:sp>
+      <p:sp>
+        <p:nvSpPr>
+          <p:cNvPr id="35" name="Rounded Rectangle 34">
+            <a:extLst>
+              <a:ext uri="{FF2B5EF4-FFF2-40B4-BE49-F238E27FC236}">
+                <a16:creationId xmlns:a16="http://schemas.microsoft.com/office/drawing/2014/main" id="{C64D45DD-C673-4446-9329-00988BA082EE}"/>
+              </a:ext>
+            </a:extLst>
+          </p:cNvPr>
+          <p:cNvSpPr/>
+          <p:nvPr/>
+        </p:nvSpPr>
+        <p:spPr>
+          <a:xfrm>
+            <a:off x="9151446" y="3484021"/>
+            <a:ext cx="1391370" cy="1022555"/>
+          </a:xfrm>
+          <a:prstGeom prst="roundRect">
+            <a:avLst/>
+          </a:prstGeom>
+          <a:solidFill>
+            <a:schemeClr val="accent1"/>
+          </a:solidFill>
+        </p:spPr>
+        <p:style>
+          <a:lnRef idx="2">
+            <a:schemeClr val="accent1">
+              <a:shade val="50000"/>
+            </a:schemeClr>
+          </a:lnRef>
+          <a:fillRef idx="1">
+            <a:schemeClr val="accent1"/>
+          </a:fillRef>
+          <a:effectRef idx="0">
+            <a:schemeClr val="accent1"/>
+          </a:effectRef>
+          <a:fontRef idx="minor">
+            <a:schemeClr val="lt1"/>
+          </a:fontRef>
+        </p:style>
+        <p:txBody>
+          <a:bodyPr rtlCol="0" anchor="ctr"/>
+          <a:lstStyle/>
+          <a:p>
+            <a:pPr algn="ctr"/>
+            <a:endParaRPr lang="en-US" sz="1050" dirty="0"/>
+          </a:p>
+        </p:txBody>
+      </p:sp>
+      <p:sp>
+        <p:nvSpPr>
+          <p:cNvPr id="36" name="Rectangle 35">
+            <a:extLst>
+              <a:ext uri="{FF2B5EF4-FFF2-40B4-BE49-F238E27FC236}">
+                <a16:creationId xmlns:a16="http://schemas.microsoft.com/office/drawing/2014/main" id="{9D65845D-17D8-044D-93D6-CDB0E27EAD51}"/>
+              </a:ext>
+            </a:extLst>
+          </p:cNvPr>
+          <p:cNvSpPr/>
+          <p:nvPr/>
+        </p:nvSpPr>
+        <p:spPr>
+          <a:xfrm>
+            <a:off x="9285805" y="4232621"/>
+            <a:ext cx="776788" cy="185612"/>
+          </a:xfrm>
+          <a:prstGeom prst="rect">
+            <a:avLst/>
+          </a:prstGeom>
+          <a:solidFill>
+            <a:srgbClr val="7030A0"/>
+          </a:solidFill>
+        </p:spPr>
+        <p:style>
+          <a:lnRef idx="2">
+            <a:schemeClr val="accent1">
+              <a:shade val="50000"/>
+            </a:schemeClr>
+          </a:lnRef>
+          <a:fillRef idx="1">
+            <a:schemeClr val="accent1"/>
+          </a:fillRef>
+          <a:effectRef idx="0">
+            <a:schemeClr val="accent1"/>
+          </a:effectRef>
+          <a:fontRef idx="minor">
+            <a:schemeClr val="lt1"/>
+          </a:fontRef>
+        </p:style>
+        <p:txBody>
+          <a:bodyPr rtlCol="0" anchor="ctr"/>
+          <a:lstStyle/>
+          <a:p>
+            <a:pPr algn="ctr"/>
+            <a:r>
+              <a:rPr lang="en-US" sz="900" dirty="0"/>
+              <a:t>Alcor Group Agent</a:t>
+            </a:r>
+          </a:p>
+        </p:txBody>
+      </p:sp>
+      <p:sp>
+        <p:nvSpPr>
+          <p:cNvPr id="45" name="Rounded Rectangle 44">
+            <a:extLst>
+              <a:ext uri="{FF2B5EF4-FFF2-40B4-BE49-F238E27FC236}">
+                <a16:creationId xmlns:a16="http://schemas.microsoft.com/office/drawing/2014/main" id="{81251552-B63A-7846-A75E-DE03B3BBF0B3}"/>
+              </a:ext>
+            </a:extLst>
+          </p:cNvPr>
+          <p:cNvSpPr/>
+          <p:nvPr/>
+        </p:nvSpPr>
+        <p:spPr>
+          <a:xfrm>
+            <a:off x="5806700" y="3712547"/>
+            <a:ext cx="1203927" cy="396281"/>
+          </a:xfrm>
+          <a:prstGeom prst="roundRect">
+            <a:avLst/>
+          </a:prstGeom>
+        </p:spPr>
+        <p:style>
+          <a:lnRef idx="2">
+            <a:schemeClr val="accent1">
+              <a:shade val="50000"/>
+            </a:schemeClr>
+          </a:lnRef>
+          <a:fillRef idx="1">
+            <a:schemeClr val="accent1"/>
+          </a:fillRef>
+          <a:effectRef idx="0">
+            <a:schemeClr val="accent1"/>
+          </a:effectRef>
+          <a:fontRef idx="minor">
+            <a:schemeClr val="lt1"/>
+          </a:fontRef>
+        </p:style>
+        <p:txBody>
+          <a:bodyPr rtlCol="0" anchor="ctr"/>
+          <a:lstStyle/>
+          <a:p>
+            <a:pPr algn="ctr"/>
+            <a:r>
+              <a:rPr lang="en-US" sz="1050" dirty="0"/>
+              <a:t>Alcor Controller - DPM</a:t>
+            </a:r>
+          </a:p>
+        </p:txBody>
+      </p:sp>
+      <p:sp>
+        <p:nvSpPr>
+          <p:cNvPr id="46" name="Rounded Rectangle 45">
+            <a:extLst>
+              <a:ext uri="{FF2B5EF4-FFF2-40B4-BE49-F238E27FC236}">
+                <a16:creationId xmlns:a16="http://schemas.microsoft.com/office/drawing/2014/main" id="{F1B4AE7C-FE34-104F-83CF-79AF82B542F8}"/>
+              </a:ext>
+            </a:extLst>
+          </p:cNvPr>
+          <p:cNvSpPr/>
+          <p:nvPr/>
+        </p:nvSpPr>
+        <p:spPr>
+          <a:xfrm>
+            <a:off x="5959100" y="3864947"/>
+            <a:ext cx="1203927" cy="396281"/>
+          </a:xfrm>
+          <a:prstGeom prst="roundRect">
+            <a:avLst/>
+          </a:prstGeom>
+        </p:spPr>
+        <p:style>
+          <a:lnRef idx="2">
+            <a:schemeClr val="accent1">
+              <a:shade val="50000"/>
+            </a:schemeClr>
+          </a:lnRef>
+          <a:fillRef idx="1">
+            <a:schemeClr val="accent1"/>
+          </a:fillRef>
+          <a:effectRef idx="0">
+            <a:schemeClr val="accent1"/>
+          </a:effectRef>
+          <a:fontRef idx="minor">
+            <a:schemeClr val="lt1"/>
+          </a:fontRef>
+        </p:style>
+        <p:txBody>
+          <a:bodyPr rtlCol="0" anchor="ctr"/>
+          <a:lstStyle/>
+          <a:p>
+            <a:pPr algn="ctr"/>
+            <a:r>
+              <a:rPr lang="en-US" sz="1050" dirty="0"/>
+              <a:t>Alcor Controller - DPM</a:t>
+            </a:r>
+          </a:p>
+        </p:txBody>
+      </p:sp>
+      <p:sp>
+        <p:nvSpPr>
+          <p:cNvPr id="53" name="Rounded Rectangle 52">
+            <a:extLst>
+              <a:ext uri="{FF2B5EF4-FFF2-40B4-BE49-F238E27FC236}">
+                <a16:creationId xmlns:a16="http://schemas.microsoft.com/office/drawing/2014/main" id="{020E6211-18A3-824B-90EF-FDD27F327315}"/>
+              </a:ext>
+            </a:extLst>
+          </p:cNvPr>
+          <p:cNvSpPr/>
+          <p:nvPr/>
+        </p:nvSpPr>
+        <p:spPr>
+          <a:xfrm>
+            <a:off x="8899872" y="3602759"/>
+            <a:ext cx="1957422" cy="1172455"/>
+          </a:xfrm>
+          <a:prstGeom prst="roundRect">
+            <a:avLst/>
+          </a:prstGeom>
+          <a:solidFill>
+            <a:schemeClr val="bg1">
+              <a:lumMod val="85000"/>
+            </a:schemeClr>
+          </a:solidFill>
+        </p:spPr>
+        <p:style>
+          <a:lnRef idx="2">
+            <a:schemeClr val="accent1">
+              <a:shade val="50000"/>
+            </a:schemeClr>
+          </a:lnRef>
+          <a:fillRef idx="1">
+            <a:schemeClr val="accent1"/>
+          </a:fillRef>
+          <a:effectRef idx="0">
+            <a:schemeClr val="accent1"/>
+          </a:effectRef>
+          <a:fontRef idx="minor">
+            <a:schemeClr val="lt1"/>
+          </a:fontRef>
+        </p:style>
+        <p:txBody>
+          <a:bodyPr rtlCol="0" anchor="ctr"/>
+          <a:lstStyle/>
+          <a:p>
+            <a:pPr algn="ctr"/>
+            <a:endParaRPr lang="en-US" sz="1050" dirty="0"/>
+          </a:p>
+        </p:txBody>
+      </p:sp>
+      <p:sp>
+        <p:nvSpPr>
+          <p:cNvPr id="56" name="Rounded Rectangle 55">
+            <a:extLst>
+              <a:ext uri="{FF2B5EF4-FFF2-40B4-BE49-F238E27FC236}">
+                <a16:creationId xmlns:a16="http://schemas.microsoft.com/office/drawing/2014/main" id="{9AFAA2F9-6929-3D4A-9E5C-8E46C825E718}"/>
+              </a:ext>
+            </a:extLst>
+          </p:cNvPr>
+          <p:cNvSpPr/>
+          <p:nvPr/>
+        </p:nvSpPr>
+        <p:spPr>
+          <a:xfrm>
+            <a:off x="9303846" y="3636421"/>
+            <a:ext cx="1391370" cy="1022555"/>
+          </a:xfrm>
+          <a:prstGeom prst="roundRect">
+            <a:avLst/>
+          </a:prstGeom>
+          <a:solidFill>
+            <a:schemeClr val="accent1"/>
+          </a:solidFill>
+        </p:spPr>
+        <p:style>
+          <a:lnRef idx="2">
+            <a:schemeClr val="accent1">
+              <a:shade val="50000"/>
+            </a:schemeClr>
+          </a:lnRef>
+          <a:fillRef idx="1">
+            <a:schemeClr val="accent1"/>
+          </a:fillRef>
+          <a:effectRef idx="0">
+            <a:schemeClr val="accent1"/>
+          </a:effectRef>
+          <a:fontRef idx="minor">
+            <a:schemeClr val="lt1"/>
+          </a:fontRef>
+        </p:style>
+        <p:txBody>
+          <a:bodyPr rtlCol="0" anchor="ctr"/>
+          <a:lstStyle/>
+          <a:p>
+            <a:pPr algn="ctr"/>
+            <a:endParaRPr lang="en-US" sz="1050" dirty="0"/>
+          </a:p>
+        </p:txBody>
+      </p:sp>
+      <p:sp>
+        <p:nvSpPr>
+          <p:cNvPr id="57" name="Rectangle 56">
+            <a:extLst>
+              <a:ext uri="{FF2B5EF4-FFF2-40B4-BE49-F238E27FC236}">
+                <a16:creationId xmlns:a16="http://schemas.microsoft.com/office/drawing/2014/main" id="{93DFF0BB-3097-8142-88CA-66FED30A7B03}"/>
+              </a:ext>
+            </a:extLst>
+          </p:cNvPr>
+          <p:cNvSpPr/>
+          <p:nvPr/>
+        </p:nvSpPr>
+        <p:spPr>
+          <a:xfrm>
+            <a:off x="9438205" y="4385021"/>
+            <a:ext cx="776788" cy="185612"/>
+          </a:xfrm>
+          <a:prstGeom prst="rect">
+            <a:avLst/>
+          </a:prstGeom>
+          <a:solidFill>
+            <a:srgbClr val="7030A0"/>
+          </a:solidFill>
+        </p:spPr>
+        <p:style>
+          <a:lnRef idx="2">
+            <a:schemeClr val="accent1">
+              <a:shade val="50000"/>
+            </a:schemeClr>
+          </a:lnRef>
+          <a:fillRef idx="1">
+            <a:schemeClr val="accent1"/>
+          </a:fillRef>
+          <a:effectRef idx="0">
+            <a:schemeClr val="accent1"/>
+          </a:effectRef>
+          <a:fontRef idx="minor">
+            <a:schemeClr val="lt1"/>
+          </a:fontRef>
+        </p:style>
+        <p:txBody>
+          <a:bodyPr rtlCol="0" anchor="ctr"/>
+          <a:lstStyle/>
+          <a:p>
+            <a:pPr algn="ctr"/>
+            <a:r>
+              <a:rPr lang="en-US" sz="900" dirty="0"/>
+              <a:t>Alcor Group Agent</a:t>
+            </a:r>
+          </a:p>
+        </p:txBody>
+      </p:sp>
+      <p:sp>
+        <p:nvSpPr>
+          <p:cNvPr id="61" name="Rounded Rectangle 60">
+            <a:extLst>
+              <a:ext uri="{FF2B5EF4-FFF2-40B4-BE49-F238E27FC236}">
+                <a16:creationId xmlns:a16="http://schemas.microsoft.com/office/drawing/2014/main" id="{0E7AC90A-56B4-F240-A90A-33948EF85BBF}"/>
+              </a:ext>
+            </a:extLst>
+          </p:cNvPr>
+          <p:cNvSpPr/>
+          <p:nvPr/>
+        </p:nvSpPr>
+        <p:spPr>
+          <a:xfrm>
+            <a:off x="9052272" y="3750805"/>
+            <a:ext cx="1957422" cy="1176809"/>
+          </a:xfrm>
+          <a:prstGeom prst="roundRect">
+            <a:avLst/>
+          </a:prstGeom>
+          <a:solidFill>
+            <a:schemeClr val="bg1">
+              <a:lumMod val="85000"/>
+            </a:schemeClr>
+          </a:solidFill>
+        </p:spPr>
+        <p:style>
+          <a:lnRef idx="2">
+            <a:schemeClr val="accent1">
+              <a:shade val="50000"/>
+            </a:schemeClr>
+          </a:lnRef>
+          <a:fillRef idx="1">
+            <a:schemeClr val="accent1"/>
+          </a:fillRef>
+          <a:effectRef idx="0">
+            <a:schemeClr val="accent1"/>
+          </a:effectRef>
+          <a:fontRef idx="minor">
+            <a:schemeClr val="lt1"/>
+          </a:fontRef>
+        </p:style>
+        <p:txBody>
+          <a:bodyPr rtlCol="0" anchor="ctr"/>
+          <a:lstStyle/>
+          <a:p>
+            <a:pPr algn="ctr"/>
+            <a:endParaRPr lang="en-US" sz="1050" dirty="0"/>
+          </a:p>
+        </p:txBody>
+      </p:sp>
+      <p:sp>
+        <p:nvSpPr>
+          <p:cNvPr id="62" name="Rounded Rectangle 61">
+            <a:extLst>
+              <a:ext uri="{FF2B5EF4-FFF2-40B4-BE49-F238E27FC236}">
+                <a16:creationId xmlns:a16="http://schemas.microsoft.com/office/drawing/2014/main" id="{2A740A94-F84F-A24D-8214-33542C7BF26E}"/>
+              </a:ext>
+            </a:extLst>
+          </p:cNvPr>
+          <p:cNvSpPr/>
+          <p:nvPr/>
+        </p:nvSpPr>
+        <p:spPr>
+          <a:xfrm>
+            <a:off x="9456246" y="3788821"/>
+            <a:ext cx="1391370" cy="1022555"/>
+          </a:xfrm>
+          <a:prstGeom prst="roundRect">
+            <a:avLst/>
+          </a:prstGeom>
+          <a:solidFill>
+            <a:schemeClr val="accent1"/>
+          </a:solidFill>
+        </p:spPr>
+        <p:style>
+          <a:lnRef idx="2">
+            <a:schemeClr val="accent1">
+              <a:shade val="50000"/>
+            </a:schemeClr>
+          </a:lnRef>
+          <a:fillRef idx="1">
+            <a:schemeClr val="accent1"/>
+          </a:fillRef>
+          <a:effectRef idx="0">
+            <a:schemeClr val="accent1"/>
+          </a:effectRef>
+          <a:fontRef idx="minor">
+            <a:schemeClr val="lt1"/>
+          </a:fontRef>
+        </p:style>
+        <p:txBody>
+          <a:bodyPr rtlCol="0" anchor="ctr"/>
+          <a:lstStyle/>
+          <a:p>
+            <a:pPr algn="ctr"/>
+            <a:endParaRPr lang="en-US" sz="1050" dirty="0"/>
+          </a:p>
+        </p:txBody>
+      </p:sp>
+      <p:sp>
+        <p:nvSpPr>
+          <p:cNvPr id="63" name="Rectangle 62">
+            <a:extLst>
+              <a:ext uri="{FF2B5EF4-FFF2-40B4-BE49-F238E27FC236}">
+                <a16:creationId xmlns:a16="http://schemas.microsoft.com/office/drawing/2014/main" id="{8F3B2E56-3D72-F742-B394-16DA01152CF4}"/>
+              </a:ext>
+            </a:extLst>
+          </p:cNvPr>
+          <p:cNvSpPr/>
+          <p:nvPr/>
+        </p:nvSpPr>
+        <p:spPr>
+          <a:xfrm>
+            <a:off x="9753795" y="4558672"/>
+            <a:ext cx="776788" cy="185612"/>
+          </a:xfrm>
+          <a:prstGeom prst="rect">
+            <a:avLst/>
+          </a:prstGeom>
+          <a:solidFill>
+            <a:srgbClr val="00B050"/>
+          </a:solidFill>
+        </p:spPr>
+        <p:style>
+          <a:lnRef idx="2">
+            <a:schemeClr val="accent1">
+              <a:shade val="50000"/>
+            </a:schemeClr>
+          </a:lnRef>
+          <a:fillRef idx="1">
+            <a:schemeClr val="accent1"/>
+          </a:fillRef>
+          <a:effectRef idx="0">
+            <a:schemeClr val="accent1"/>
+          </a:effectRef>
+          <a:fontRef idx="minor">
+            <a:schemeClr val="lt1"/>
+          </a:fontRef>
+        </p:style>
+        <p:txBody>
+          <a:bodyPr rtlCol="0" anchor="ctr"/>
+          <a:lstStyle/>
+          <a:p>
+            <a:pPr algn="ctr"/>
+            <a:r>
+              <a:rPr lang="en-US" sz="900" dirty="0">
+                <a:solidFill>
+                  <a:srgbClr val="FF0000"/>
+                </a:solidFill>
+              </a:rPr>
+              <a:t>AGA</a:t>
+            </a:r>
+          </a:p>
+        </p:txBody>
+      </p:sp>
+      <p:sp>
+        <p:nvSpPr>
+          <p:cNvPr id="65" name="Can 64">
+            <a:extLst>
+              <a:ext uri="{FF2B5EF4-FFF2-40B4-BE49-F238E27FC236}">
+                <a16:creationId xmlns:a16="http://schemas.microsoft.com/office/drawing/2014/main" id="{528DD932-3315-424E-8AC0-57B31A74D3DF}"/>
+              </a:ext>
+            </a:extLst>
+          </p:cNvPr>
+          <p:cNvSpPr/>
+          <p:nvPr/>
+        </p:nvSpPr>
+        <p:spPr>
+          <a:xfrm>
+            <a:off x="9692570" y="3844259"/>
+            <a:ext cx="954514" cy="610276"/>
+          </a:xfrm>
+          <a:prstGeom prst="can">
+            <a:avLst/>
+          </a:prstGeom>
+        </p:spPr>
+        <p:style>
+          <a:lnRef idx="2">
+            <a:schemeClr val="accent4">
+              <a:shade val="50000"/>
+            </a:schemeClr>
+          </a:lnRef>
+          <a:fillRef idx="1">
+            <a:schemeClr val="accent4"/>
+          </a:fillRef>
+          <a:effectRef idx="0">
+            <a:schemeClr val="accent4"/>
+          </a:effectRef>
+          <a:fontRef idx="minor">
+            <a:schemeClr val="lt1"/>
+          </a:fontRef>
+        </p:style>
+        <p:txBody>
+          <a:bodyPr rtlCol="0" anchor="ctr"/>
+          <a:lstStyle/>
+          <a:p>
+            <a:pPr algn="ctr"/>
+            <a:r>
+              <a:rPr lang="en-US" sz="900" dirty="0"/>
+              <a:t>Shared in memory GS Configuration Cache for each Host</a:t>
+            </a:r>
+          </a:p>
+        </p:txBody>
+      </p:sp>
+      <p:sp>
+        <p:nvSpPr>
+          <p:cNvPr id="16" name="Up-Down Arrow 15">
+            <a:extLst>
+              <a:ext uri="{FF2B5EF4-FFF2-40B4-BE49-F238E27FC236}">
+                <a16:creationId xmlns:a16="http://schemas.microsoft.com/office/drawing/2014/main" id="{762920A0-F3A5-9448-B570-C9EB19C273F1}"/>
+              </a:ext>
+            </a:extLst>
+          </p:cNvPr>
+          <p:cNvSpPr/>
+          <p:nvPr/>
+        </p:nvSpPr>
+        <p:spPr>
+          <a:xfrm rot="3553710" flipH="1">
+            <a:off x="9197752" y="4413843"/>
+            <a:ext cx="126493" cy="1350277"/>
+          </a:xfrm>
+          <a:prstGeom prst="upDownArrow">
+            <a:avLst/>
+          </a:prstGeom>
+          <a:solidFill>
+            <a:srgbClr val="FFFF00"/>
+          </a:solidFill>
+        </p:spPr>
+        <p:style>
+          <a:lnRef idx="2">
+            <a:schemeClr val="accent1">
+              <a:shade val="50000"/>
+            </a:schemeClr>
+          </a:lnRef>
+          <a:fillRef idx="1">
+            <a:schemeClr val="accent1"/>
+          </a:fillRef>
+          <a:effectRef idx="0">
+            <a:schemeClr val="accent1"/>
+          </a:effectRef>
+          <a:fontRef idx="minor">
+            <a:schemeClr val="lt1"/>
+          </a:fontRef>
+        </p:style>
+        <p:txBody>
+          <a:bodyPr rtlCol="0" anchor="ctr"/>
+          <a:lstStyle/>
+          <a:p>
+            <a:pPr algn="ctr"/>
+            <a:endParaRPr lang="en-US" sz="1050" dirty="0"/>
+          </a:p>
+        </p:txBody>
+      </p:sp>
+      <p:sp>
+        <p:nvSpPr>
+          <p:cNvPr id="96" name="Up-Down Arrow 95">
+            <a:extLst>
+              <a:ext uri="{FF2B5EF4-FFF2-40B4-BE49-F238E27FC236}">
+                <a16:creationId xmlns:a16="http://schemas.microsoft.com/office/drawing/2014/main" id="{7C1835D1-AF33-A842-A69E-A167B340C172}"/>
+              </a:ext>
+            </a:extLst>
+          </p:cNvPr>
+          <p:cNvSpPr/>
+          <p:nvPr/>
+        </p:nvSpPr>
+        <p:spPr>
+          <a:xfrm rot="7542028" flipH="1">
+            <a:off x="10695775" y="4489057"/>
+            <a:ext cx="134980" cy="1219831"/>
+          </a:xfrm>
+          <a:prstGeom prst="upDownArrow">
+            <a:avLst/>
+          </a:prstGeom>
+          <a:solidFill>
+            <a:srgbClr val="FFFF00"/>
+          </a:solidFill>
+        </p:spPr>
+        <p:style>
+          <a:lnRef idx="2">
+            <a:schemeClr val="accent1">
+              <a:shade val="50000"/>
+            </a:schemeClr>
+          </a:lnRef>
+          <a:fillRef idx="1">
+            <a:schemeClr val="accent1"/>
+          </a:fillRef>
+          <a:effectRef idx="0">
+            <a:schemeClr val="accent1"/>
+          </a:effectRef>
+          <a:fontRef idx="minor">
+            <a:schemeClr val="lt1"/>
+          </a:fontRef>
+        </p:style>
+        <p:txBody>
+          <a:bodyPr rtlCol="0" anchor="ctr"/>
+          <a:lstStyle/>
+          <a:p>
+            <a:pPr algn="ctr"/>
+            <a:endParaRPr lang="en-US" sz="1050" dirty="0"/>
+          </a:p>
+        </p:txBody>
+      </p:sp>
+      <p:sp>
+        <p:nvSpPr>
+          <p:cNvPr id="9" name="Right Arrow 8">
+            <a:extLst>
+              <a:ext uri="{FF2B5EF4-FFF2-40B4-BE49-F238E27FC236}">
+                <a16:creationId xmlns:a16="http://schemas.microsoft.com/office/drawing/2014/main" id="{DE71BAE6-4670-6B42-BB37-BEF13AAE0499}"/>
+              </a:ext>
+            </a:extLst>
+          </p:cNvPr>
+          <p:cNvSpPr/>
+          <p:nvPr/>
+        </p:nvSpPr>
+        <p:spPr>
+          <a:xfrm>
+            <a:off x="6998069" y="3772614"/>
+            <a:ext cx="1865753" cy="108666"/>
+          </a:xfrm>
+          <a:prstGeom prst="rightArrow">
+            <a:avLst/>
+          </a:prstGeom>
+          <a:solidFill>
+            <a:srgbClr val="00B050"/>
+          </a:solidFill>
+        </p:spPr>
+        <p:style>
+          <a:lnRef idx="2">
+            <a:schemeClr val="accent1">
+              <a:shade val="50000"/>
+            </a:schemeClr>
+          </a:lnRef>
+          <a:fillRef idx="1">
+            <a:schemeClr val="accent1"/>
+          </a:fillRef>
+          <a:effectRef idx="0">
+            <a:schemeClr val="accent1"/>
+          </a:effectRef>
+          <a:fontRef idx="minor">
+            <a:schemeClr val="lt1"/>
+          </a:fontRef>
+        </p:style>
+        <p:txBody>
+          <a:bodyPr rtlCol="0" anchor="ctr"/>
+          <a:lstStyle/>
+          <a:p>
+            <a:pPr algn="ctr"/>
+            <a:endParaRPr lang="en-US" sz="1050"/>
+          </a:p>
+        </p:txBody>
+      </p:sp>
+      <p:sp>
+        <p:nvSpPr>
+          <p:cNvPr id="66" name="Right Arrow 65">
+            <a:extLst>
+              <a:ext uri="{FF2B5EF4-FFF2-40B4-BE49-F238E27FC236}">
+                <a16:creationId xmlns:a16="http://schemas.microsoft.com/office/drawing/2014/main" id="{14384C51-C11F-A842-9DA9-04E4766BE9C6}"/>
+              </a:ext>
+            </a:extLst>
+          </p:cNvPr>
+          <p:cNvSpPr/>
+          <p:nvPr/>
+        </p:nvSpPr>
+        <p:spPr>
+          <a:xfrm>
+            <a:off x="6872040" y="3620220"/>
+            <a:ext cx="1875431" cy="108666"/>
+          </a:xfrm>
+          <a:prstGeom prst="rightArrow">
+            <a:avLst/>
+          </a:prstGeom>
+          <a:solidFill>
+            <a:srgbClr val="00B050"/>
+          </a:solidFill>
+        </p:spPr>
+        <p:style>
+          <a:lnRef idx="2">
+            <a:schemeClr val="accent1">
+              <a:shade val="50000"/>
+            </a:schemeClr>
+          </a:lnRef>
+          <a:fillRef idx="1">
+            <a:schemeClr val="accent1"/>
+          </a:fillRef>
+          <a:effectRef idx="0">
+            <a:schemeClr val="accent1"/>
+          </a:effectRef>
+          <a:fontRef idx="minor">
+            <a:schemeClr val="lt1"/>
+          </a:fontRef>
+        </p:style>
+        <p:txBody>
+          <a:bodyPr rtlCol="0" anchor="ctr"/>
+          <a:lstStyle/>
+          <a:p>
+            <a:pPr algn="ctr"/>
+            <a:endParaRPr lang="en-US" sz="1050"/>
+          </a:p>
+        </p:txBody>
+      </p:sp>
+      <p:sp>
+        <p:nvSpPr>
+          <p:cNvPr id="67" name="Right Arrow 66">
+            <a:extLst>
+              <a:ext uri="{FF2B5EF4-FFF2-40B4-BE49-F238E27FC236}">
+                <a16:creationId xmlns:a16="http://schemas.microsoft.com/office/drawing/2014/main" id="{794F3A82-8BD5-9948-8B34-8542A17E2B7D}"/>
+              </a:ext>
+            </a:extLst>
+          </p:cNvPr>
+          <p:cNvSpPr/>
+          <p:nvPr/>
+        </p:nvSpPr>
+        <p:spPr>
+          <a:xfrm>
+            <a:off x="7181068" y="3954251"/>
+            <a:ext cx="1865753" cy="93895"/>
+          </a:xfrm>
+          <a:prstGeom prst="rightArrow">
+            <a:avLst/>
+          </a:prstGeom>
+          <a:solidFill>
+            <a:srgbClr val="00B050"/>
+          </a:solidFill>
+        </p:spPr>
+        <p:style>
+          <a:lnRef idx="2">
+            <a:schemeClr val="accent1">
+              <a:shade val="50000"/>
+            </a:schemeClr>
+          </a:lnRef>
+          <a:fillRef idx="1">
+            <a:schemeClr val="accent1"/>
+          </a:fillRef>
+          <a:effectRef idx="0">
+            <a:schemeClr val="accent1"/>
+          </a:effectRef>
+          <a:fontRef idx="minor">
+            <a:schemeClr val="lt1"/>
+          </a:fontRef>
+        </p:style>
+        <p:txBody>
+          <a:bodyPr rtlCol="0" anchor="ctr"/>
+          <a:lstStyle/>
+          <a:p>
+            <a:pPr algn="ctr"/>
+            <a:endParaRPr lang="en-US" sz="1050"/>
+          </a:p>
+        </p:txBody>
+      </p:sp>
+      <p:sp>
+        <p:nvSpPr>
+          <p:cNvPr id="10" name="TextBox 9">
+            <a:extLst>
+              <a:ext uri="{FF2B5EF4-FFF2-40B4-BE49-F238E27FC236}">
+                <a16:creationId xmlns:a16="http://schemas.microsoft.com/office/drawing/2014/main" id="{6C10D805-543C-5B49-8FD1-1D175234DEDC}"/>
+              </a:ext>
+            </a:extLst>
+          </p:cNvPr>
+          <p:cNvSpPr txBox="1"/>
+          <p:nvPr/>
+        </p:nvSpPr>
+        <p:spPr>
+          <a:xfrm>
+            <a:off x="5045918" y="3844259"/>
+            <a:ext cx="773340" cy="1200329"/>
+          </a:xfrm>
+          <a:prstGeom prst="rect">
+            <a:avLst/>
+          </a:prstGeom>
+          <a:noFill/>
+        </p:spPr>
+        <p:txBody>
+          <a:bodyPr wrap="square" rtlCol="0">
+            <a:spAutoFit/>
+          </a:bodyPr>
+          <a:lstStyle/>
+          <a:p>
+            <a:r>
+              <a:rPr lang="en-US" sz="800" dirty="0" err="1"/>
+              <a:t>grpc</a:t>
+            </a:r>
+            <a:r>
+              <a:rPr lang="en-US" sz="800" dirty="0"/>
+              <a:t> long lived streaming connections</a:t>
+            </a:r>
+          </a:p>
+          <a:p>
+            <a:endParaRPr lang="en-US" sz="800" dirty="0"/>
+          </a:p>
+          <a:p>
+            <a:r>
+              <a:rPr lang="en-US" sz="800" dirty="0"/>
+              <a:t>May have a lot of connections with scale.</a:t>
+            </a:r>
+          </a:p>
+        </p:txBody>
+      </p:sp>
+      <p:sp>
+        <p:nvSpPr>
+          <p:cNvPr id="68" name="TextBox 67">
+            <a:extLst>
+              <a:ext uri="{FF2B5EF4-FFF2-40B4-BE49-F238E27FC236}">
+                <a16:creationId xmlns:a16="http://schemas.microsoft.com/office/drawing/2014/main" id="{50412E84-7CF7-1645-93DE-51F09B9480E7}"/>
+              </a:ext>
+            </a:extLst>
+          </p:cNvPr>
+          <p:cNvSpPr txBox="1"/>
+          <p:nvPr/>
+        </p:nvSpPr>
+        <p:spPr>
+          <a:xfrm>
+            <a:off x="9615982" y="4933505"/>
+            <a:ext cx="700479" cy="584775"/>
+          </a:xfrm>
+          <a:prstGeom prst="rect">
+            <a:avLst/>
+          </a:prstGeom>
+          <a:noFill/>
+        </p:spPr>
+        <p:txBody>
+          <a:bodyPr wrap="square" rtlCol="0">
+            <a:spAutoFit/>
+          </a:bodyPr>
+          <a:lstStyle/>
+          <a:p>
+            <a:r>
+              <a:rPr lang="en-US" sz="800" dirty="0" err="1"/>
+              <a:t>grpc</a:t>
+            </a:r>
+            <a:r>
+              <a:rPr lang="en-US" sz="800" dirty="0"/>
+              <a:t> long lived streaming connections</a:t>
+            </a:r>
+          </a:p>
+        </p:txBody>
+      </p:sp>
+      <p:sp>
+        <p:nvSpPr>
+          <p:cNvPr id="69" name="TextBox 68">
+            <a:extLst>
+              <a:ext uri="{FF2B5EF4-FFF2-40B4-BE49-F238E27FC236}">
+                <a16:creationId xmlns:a16="http://schemas.microsoft.com/office/drawing/2014/main" id="{42202DE4-8605-5946-A004-D2D5675E7F37}"/>
+              </a:ext>
+            </a:extLst>
+          </p:cNvPr>
+          <p:cNvSpPr txBox="1"/>
+          <p:nvPr/>
+        </p:nvSpPr>
+        <p:spPr>
+          <a:xfrm>
+            <a:off x="9713121" y="5813184"/>
+            <a:ext cx="657118" cy="369332"/>
+          </a:xfrm>
+          <a:prstGeom prst="rect">
+            <a:avLst/>
+          </a:prstGeom>
+          <a:noFill/>
+        </p:spPr>
+        <p:txBody>
+          <a:bodyPr wrap="square" rtlCol="0">
+            <a:spAutoFit/>
+          </a:bodyPr>
+          <a:lstStyle/>
+          <a:p>
+            <a:r>
+              <a:rPr lang="en-US" dirty="0"/>
+              <a:t>…</a:t>
+            </a:r>
+          </a:p>
+        </p:txBody>
+      </p:sp>
+      <p:sp>
+        <p:nvSpPr>
+          <p:cNvPr id="42" name="Rounded Rectangle 41">
+            <a:extLst>
+              <a:ext uri="{FF2B5EF4-FFF2-40B4-BE49-F238E27FC236}">
+                <a16:creationId xmlns:a16="http://schemas.microsoft.com/office/drawing/2014/main" id="{71ACB682-98ED-5749-BD5E-532E23F5E5D6}"/>
+              </a:ext>
+            </a:extLst>
+          </p:cNvPr>
+          <p:cNvSpPr/>
+          <p:nvPr/>
+        </p:nvSpPr>
+        <p:spPr>
+          <a:xfrm>
+            <a:off x="607982" y="5394090"/>
+            <a:ext cx="1957422" cy="1420733"/>
+          </a:xfrm>
+          <a:prstGeom prst="roundRect">
+            <a:avLst/>
+          </a:prstGeom>
+          <a:solidFill>
+            <a:schemeClr val="bg1">
+              <a:lumMod val="85000"/>
+            </a:schemeClr>
+          </a:solidFill>
+        </p:spPr>
+        <p:style>
+          <a:lnRef idx="2">
+            <a:schemeClr val="accent1">
+              <a:shade val="50000"/>
+            </a:schemeClr>
+          </a:lnRef>
+          <a:fillRef idx="1">
+            <a:schemeClr val="accent1"/>
+          </a:fillRef>
+          <a:effectRef idx="0">
+            <a:schemeClr val="accent1"/>
+          </a:effectRef>
+          <a:fontRef idx="minor">
+            <a:schemeClr val="lt1"/>
+          </a:fontRef>
+        </p:style>
+        <p:txBody>
+          <a:bodyPr rtlCol="0" anchor="ctr"/>
+          <a:lstStyle/>
+          <a:p>
+            <a:pPr algn="ctr"/>
+            <a:endParaRPr lang="en-US" sz="1050" dirty="0"/>
+          </a:p>
+        </p:txBody>
+      </p:sp>
+      <p:sp>
+        <p:nvSpPr>
+          <p:cNvPr id="43" name="Rounded Rectangle 42">
+            <a:extLst>
+              <a:ext uri="{FF2B5EF4-FFF2-40B4-BE49-F238E27FC236}">
+                <a16:creationId xmlns:a16="http://schemas.microsoft.com/office/drawing/2014/main" id="{9B8F2E79-FB0D-2243-9B49-8E06AEF24170}"/>
+              </a:ext>
+            </a:extLst>
+          </p:cNvPr>
+          <p:cNvSpPr/>
+          <p:nvPr/>
+        </p:nvSpPr>
+        <p:spPr>
+          <a:xfrm>
+            <a:off x="817469" y="5433511"/>
+            <a:ext cx="1601732" cy="1297672"/>
+          </a:xfrm>
+          <a:prstGeom prst="roundRect">
+            <a:avLst/>
+          </a:prstGeom>
+          <a:solidFill>
+            <a:schemeClr val="accent1"/>
+          </a:solidFill>
+        </p:spPr>
+        <p:style>
+          <a:lnRef idx="2">
+            <a:schemeClr val="accent1">
+              <a:shade val="50000"/>
+            </a:schemeClr>
+          </a:lnRef>
+          <a:fillRef idx="1">
+            <a:schemeClr val="accent1"/>
+          </a:fillRef>
+          <a:effectRef idx="0">
+            <a:schemeClr val="accent1"/>
+          </a:effectRef>
+          <a:fontRef idx="minor">
+            <a:schemeClr val="lt1"/>
+          </a:fontRef>
+        </p:style>
+        <p:txBody>
+          <a:bodyPr rtlCol="0" anchor="ctr"/>
+          <a:lstStyle/>
+          <a:p>
+            <a:pPr algn="ctr"/>
+            <a:endParaRPr lang="en-US" sz="1050" dirty="0"/>
+          </a:p>
+        </p:txBody>
+      </p:sp>
+      <p:sp>
+        <p:nvSpPr>
+          <p:cNvPr id="44" name="Rectangle 43">
+            <a:extLst>
+              <a:ext uri="{FF2B5EF4-FFF2-40B4-BE49-F238E27FC236}">
+                <a16:creationId xmlns:a16="http://schemas.microsoft.com/office/drawing/2014/main" id="{FC775FB8-EF9F-F845-9CCE-51D861C6FADA}"/>
+              </a:ext>
+            </a:extLst>
+          </p:cNvPr>
+          <p:cNvSpPr/>
+          <p:nvPr/>
+        </p:nvSpPr>
+        <p:spPr>
+          <a:xfrm>
+            <a:off x="1252329" y="5479405"/>
+            <a:ext cx="776788" cy="185612"/>
+          </a:xfrm>
+          <a:prstGeom prst="rect">
+            <a:avLst/>
+          </a:prstGeom>
+          <a:solidFill>
+            <a:srgbClr val="7030A0"/>
+          </a:solidFill>
+        </p:spPr>
+        <p:style>
+          <a:lnRef idx="2">
+            <a:schemeClr val="accent1">
+              <a:shade val="50000"/>
+            </a:schemeClr>
+          </a:lnRef>
+          <a:fillRef idx="1">
+            <a:schemeClr val="accent1"/>
+          </a:fillRef>
+          <a:effectRef idx="0">
+            <a:schemeClr val="accent1"/>
+          </a:effectRef>
+          <a:fontRef idx="minor">
+            <a:schemeClr val="lt1"/>
+          </a:fontRef>
+        </p:style>
+        <p:txBody>
+          <a:bodyPr rtlCol="0" anchor="ctr"/>
+          <a:lstStyle/>
+          <a:p>
+            <a:pPr algn="ctr"/>
+            <a:r>
+              <a:rPr lang="en-US" sz="900" dirty="0"/>
+              <a:t>ACA</a:t>
+            </a:r>
+          </a:p>
+        </p:txBody>
+      </p:sp>
+      <p:sp>
+        <p:nvSpPr>
+          <p:cNvPr id="48" name="Rectangle 47">
+            <a:extLst>
+              <a:ext uri="{FF2B5EF4-FFF2-40B4-BE49-F238E27FC236}">
+                <a16:creationId xmlns:a16="http://schemas.microsoft.com/office/drawing/2014/main" id="{C8D3E5DE-ED86-CC4C-B817-AAA13368E756}"/>
+              </a:ext>
+            </a:extLst>
+          </p:cNvPr>
+          <p:cNvSpPr/>
+          <p:nvPr/>
+        </p:nvSpPr>
+        <p:spPr>
+          <a:xfrm>
+            <a:off x="847607" y="5746517"/>
+            <a:ext cx="719238" cy="299832"/>
+          </a:xfrm>
+          <a:prstGeom prst="rect">
+            <a:avLst/>
+          </a:prstGeom>
+        </p:spPr>
+        <p:style>
+          <a:lnRef idx="2">
+            <a:schemeClr val="accent6"/>
+          </a:lnRef>
+          <a:fillRef idx="1">
+            <a:schemeClr val="lt1"/>
+          </a:fillRef>
+          <a:effectRef idx="0">
+            <a:schemeClr val="accent6"/>
+          </a:effectRef>
+          <a:fontRef idx="minor">
+            <a:schemeClr val="dk1"/>
+          </a:fontRef>
+        </p:style>
+        <p:txBody>
+          <a:bodyPr rtlCol="0" anchor="ctr"/>
+          <a:lstStyle/>
+          <a:p>
+            <a:pPr algn="ctr"/>
+            <a:r>
+              <a:rPr lang="en-US" sz="900" dirty="0">
+                <a:solidFill>
+                  <a:schemeClr val="accent6"/>
+                </a:solidFill>
+              </a:rPr>
+              <a:t>VM1</a:t>
+            </a:r>
+          </a:p>
+          <a:p>
+            <a:pPr algn="ctr"/>
+            <a:r>
+              <a:rPr lang="en-US" sz="900" dirty="0">
+                <a:solidFill>
+                  <a:schemeClr val="accent6"/>
+                </a:solidFill>
+              </a:rPr>
+              <a:t>10.0.0.101</a:t>
+            </a:r>
+          </a:p>
+        </p:txBody>
+      </p:sp>
+      <p:sp>
+        <p:nvSpPr>
+          <p:cNvPr id="49" name="Rectangle 48">
+            <a:extLst>
+              <a:ext uri="{FF2B5EF4-FFF2-40B4-BE49-F238E27FC236}">
+                <a16:creationId xmlns:a16="http://schemas.microsoft.com/office/drawing/2014/main" id="{9D7465DA-431F-FE48-84C2-85B60EA5829B}"/>
+              </a:ext>
+            </a:extLst>
+          </p:cNvPr>
+          <p:cNvSpPr/>
+          <p:nvPr/>
+        </p:nvSpPr>
+        <p:spPr>
+          <a:xfrm>
+            <a:off x="847608" y="6238850"/>
+            <a:ext cx="719237" cy="299832"/>
+          </a:xfrm>
+          <a:prstGeom prst="rect">
+            <a:avLst/>
+          </a:prstGeom>
+        </p:spPr>
+        <p:style>
+          <a:lnRef idx="2">
+            <a:schemeClr val="accent6"/>
+          </a:lnRef>
+          <a:fillRef idx="1">
+            <a:schemeClr val="lt1"/>
+          </a:fillRef>
+          <a:effectRef idx="0">
+            <a:schemeClr val="accent6"/>
+          </a:effectRef>
+          <a:fontRef idx="minor">
+            <a:schemeClr val="dk1"/>
+          </a:fontRef>
+        </p:style>
+        <p:txBody>
+          <a:bodyPr rtlCol="0" anchor="ctr"/>
+          <a:lstStyle/>
+          <a:p>
+            <a:pPr algn="ctr"/>
+            <a:r>
+              <a:rPr lang="en-US" sz="900" dirty="0">
+                <a:solidFill>
+                  <a:srgbClr val="FF0000"/>
+                </a:solidFill>
+              </a:rPr>
+              <a:t>VM2</a:t>
+            </a:r>
+          </a:p>
+          <a:p>
+            <a:pPr algn="ctr"/>
+            <a:r>
+              <a:rPr lang="en-US" sz="900" dirty="0">
+                <a:solidFill>
+                  <a:srgbClr val="FF0000"/>
+                </a:solidFill>
+              </a:rPr>
+              <a:t>10.0.1.102</a:t>
+            </a:r>
+          </a:p>
+        </p:txBody>
+      </p:sp>
+      <p:sp>
+        <p:nvSpPr>
+          <p:cNvPr id="50" name="Card 49">
+            <a:extLst>
+              <a:ext uri="{FF2B5EF4-FFF2-40B4-BE49-F238E27FC236}">
+                <a16:creationId xmlns:a16="http://schemas.microsoft.com/office/drawing/2014/main" id="{14D1BD76-EF5B-5248-A4CE-B2AF3F6D2E73}"/>
+              </a:ext>
+            </a:extLst>
+          </p:cNvPr>
+          <p:cNvSpPr/>
+          <p:nvPr/>
+        </p:nvSpPr>
+        <p:spPr>
+          <a:xfrm>
+            <a:off x="1667385" y="5758913"/>
+            <a:ext cx="481984" cy="275041"/>
+          </a:xfrm>
+          <a:prstGeom prst="flowChartPunchedCard">
+            <a:avLst/>
+          </a:prstGeom>
+        </p:spPr>
+        <p:style>
+          <a:lnRef idx="3">
+            <a:schemeClr val="lt1"/>
+          </a:lnRef>
+          <a:fillRef idx="1">
+            <a:schemeClr val="accent2"/>
+          </a:fillRef>
+          <a:effectRef idx="1">
+            <a:schemeClr val="accent2"/>
+          </a:effectRef>
+          <a:fontRef idx="minor">
+            <a:schemeClr val="lt1"/>
+          </a:fontRef>
+        </p:style>
+        <p:txBody>
+          <a:bodyPr rtlCol="0" anchor="ctr"/>
+          <a:lstStyle/>
+          <a:p>
+            <a:pPr algn="ctr"/>
+            <a:r>
+              <a:rPr lang="en-US" sz="1050" dirty="0">
+                <a:solidFill>
+                  <a:schemeClr val="tx1"/>
+                </a:solidFill>
+              </a:rPr>
+              <a:t>OVS</a:t>
+            </a:r>
+          </a:p>
+        </p:txBody>
+      </p:sp>
+      <p:sp>
+        <p:nvSpPr>
+          <p:cNvPr id="51" name="Rounded Rectangle 50">
+            <a:extLst>
+              <a:ext uri="{FF2B5EF4-FFF2-40B4-BE49-F238E27FC236}">
+                <a16:creationId xmlns:a16="http://schemas.microsoft.com/office/drawing/2014/main" id="{24C84D24-A9BC-4940-A944-2002C5F1B713}"/>
+              </a:ext>
+            </a:extLst>
+          </p:cNvPr>
+          <p:cNvSpPr/>
+          <p:nvPr/>
+        </p:nvSpPr>
+        <p:spPr>
+          <a:xfrm>
+            <a:off x="2976959" y="5399122"/>
+            <a:ext cx="1957422" cy="1420733"/>
+          </a:xfrm>
+          <a:prstGeom prst="roundRect">
+            <a:avLst/>
+          </a:prstGeom>
+          <a:solidFill>
+            <a:schemeClr val="bg1">
+              <a:lumMod val="85000"/>
+            </a:schemeClr>
+          </a:solidFill>
+        </p:spPr>
+        <p:style>
+          <a:lnRef idx="2">
+            <a:schemeClr val="accent1">
+              <a:shade val="50000"/>
+            </a:schemeClr>
+          </a:lnRef>
+          <a:fillRef idx="1">
+            <a:schemeClr val="accent1"/>
+          </a:fillRef>
+          <a:effectRef idx="0">
+            <a:schemeClr val="accent1"/>
+          </a:effectRef>
+          <a:fontRef idx="minor">
+            <a:schemeClr val="lt1"/>
+          </a:fontRef>
+        </p:style>
+        <p:txBody>
+          <a:bodyPr rtlCol="0" anchor="ctr"/>
+          <a:lstStyle/>
+          <a:p>
+            <a:pPr algn="ctr"/>
+            <a:endParaRPr lang="en-US" sz="1050" dirty="0"/>
+          </a:p>
+        </p:txBody>
+      </p:sp>
+      <p:sp>
+        <p:nvSpPr>
+          <p:cNvPr id="52" name="Rounded Rectangle 51">
+            <a:extLst>
+              <a:ext uri="{FF2B5EF4-FFF2-40B4-BE49-F238E27FC236}">
+                <a16:creationId xmlns:a16="http://schemas.microsoft.com/office/drawing/2014/main" id="{86DE3B72-B41E-C543-88BF-05DE409F1032}"/>
+              </a:ext>
+            </a:extLst>
+          </p:cNvPr>
+          <p:cNvSpPr/>
+          <p:nvPr/>
+        </p:nvSpPr>
+        <p:spPr>
+          <a:xfrm>
+            <a:off x="3186446" y="5433510"/>
+            <a:ext cx="1601732" cy="1302705"/>
+          </a:xfrm>
+          <a:prstGeom prst="roundRect">
+            <a:avLst/>
+          </a:prstGeom>
+          <a:solidFill>
+            <a:schemeClr val="accent1"/>
+          </a:solidFill>
+        </p:spPr>
+        <p:style>
+          <a:lnRef idx="2">
+            <a:schemeClr val="accent1">
+              <a:shade val="50000"/>
+            </a:schemeClr>
+          </a:lnRef>
+          <a:fillRef idx="1">
+            <a:schemeClr val="accent1"/>
+          </a:fillRef>
+          <a:effectRef idx="0">
+            <a:schemeClr val="accent1"/>
+          </a:effectRef>
+          <a:fontRef idx="minor">
+            <a:schemeClr val="lt1"/>
+          </a:fontRef>
+        </p:style>
+        <p:txBody>
+          <a:bodyPr rtlCol="0" anchor="ctr"/>
+          <a:lstStyle/>
+          <a:p>
+            <a:pPr algn="ctr"/>
+            <a:endParaRPr lang="en-US" sz="1050" dirty="0"/>
+          </a:p>
+        </p:txBody>
+      </p:sp>
+      <p:sp>
+        <p:nvSpPr>
+          <p:cNvPr id="54" name="Rectangle 53">
+            <a:extLst>
+              <a:ext uri="{FF2B5EF4-FFF2-40B4-BE49-F238E27FC236}">
+                <a16:creationId xmlns:a16="http://schemas.microsoft.com/office/drawing/2014/main" id="{49FFF003-DA2B-D648-ACF4-F42B788041EE}"/>
+              </a:ext>
+            </a:extLst>
+          </p:cNvPr>
+          <p:cNvSpPr/>
+          <p:nvPr/>
+        </p:nvSpPr>
+        <p:spPr>
+          <a:xfrm>
+            <a:off x="3598918" y="5489293"/>
+            <a:ext cx="776788" cy="185612"/>
+          </a:xfrm>
+          <a:prstGeom prst="rect">
+            <a:avLst/>
+          </a:prstGeom>
+          <a:solidFill>
+            <a:srgbClr val="7030A0"/>
+          </a:solidFill>
+        </p:spPr>
+        <p:style>
+          <a:lnRef idx="2">
+            <a:schemeClr val="accent1">
+              <a:shade val="50000"/>
+            </a:schemeClr>
+          </a:lnRef>
+          <a:fillRef idx="1">
+            <a:schemeClr val="accent1"/>
+          </a:fillRef>
+          <a:effectRef idx="0">
+            <a:schemeClr val="accent1"/>
+          </a:effectRef>
+          <a:fontRef idx="minor">
+            <a:schemeClr val="lt1"/>
+          </a:fontRef>
+        </p:style>
+        <p:txBody>
+          <a:bodyPr rtlCol="0" anchor="ctr"/>
+          <a:lstStyle/>
+          <a:p>
+            <a:pPr algn="ctr"/>
+            <a:r>
+              <a:rPr lang="en-US" sz="900" dirty="0"/>
+              <a:t>ACA</a:t>
+            </a:r>
+          </a:p>
+        </p:txBody>
+      </p:sp>
+      <p:sp>
+        <p:nvSpPr>
+          <p:cNvPr id="55" name="TextBox 54">
+            <a:extLst>
+              <a:ext uri="{FF2B5EF4-FFF2-40B4-BE49-F238E27FC236}">
+                <a16:creationId xmlns:a16="http://schemas.microsoft.com/office/drawing/2014/main" id="{F6FBF8A6-37EE-CB46-A44C-BD2EB1C524B0}"/>
+              </a:ext>
+            </a:extLst>
+          </p:cNvPr>
+          <p:cNvSpPr txBox="1"/>
+          <p:nvPr/>
+        </p:nvSpPr>
+        <p:spPr>
+          <a:xfrm rot="16200000">
+            <a:off x="2436091" y="5902143"/>
+            <a:ext cx="1293107" cy="276999"/>
+          </a:xfrm>
+          <a:prstGeom prst="rect">
+            <a:avLst/>
+          </a:prstGeom>
+          <a:noFill/>
+        </p:spPr>
+        <p:txBody>
+          <a:bodyPr wrap="square" rtlCol="0">
+            <a:spAutoFit/>
+          </a:bodyPr>
+          <a:lstStyle/>
+          <a:p>
+            <a:r>
+              <a:rPr lang="en-US" sz="1200" dirty="0"/>
+              <a:t>Compute Host N</a:t>
+            </a:r>
+          </a:p>
+        </p:txBody>
+      </p:sp>
+      <p:sp>
+        <p:nvSpPr>
+          <p:cNvPr id="58" name="Rectangle 57">
+            <a:extLst>
+              <a:ext uri="{FF2B5EF4-FFF2-40B4-BE49-F238E27FC236}">
+                <a16:creationId xmlns:a16="http://schemas.microsoft.com/office/drawing/2014/main" id="{8ACC95C0-1242-1D46-96B2-A9E2776193FF}"/>
+              </a:ext>
+            </a:extLst>
+          </p:cNvPr>
+          <p:cNvSpPr/>
+          <p:nvPr/>
+        </p:nvSpPr>
+        <p:spPr>
+          <a:xfrm>
+            <a:off x="3202676" y="5758912"/>
+            <a:ext cx="702636" cy="299832"/>
+          </a:xfrm>
+          <a:prstGeom prst="rect">
+            <a:avLst/>
+          </a:prstGeom>
+        </p:spPr>
+        <p:style>
+          <a:lnRef idx="2">
+            <a:schemeClr val="accent6"/>
+          </a:lnRef>
+          <a:fillRef idx="1">
+            <a:schemeClr val="lt1"/>
+          </a:fillRef>
+          <a:effectRef idx="0">
+            <a:schemeClr val="accent6"/>
+          </a:effectRef>
+          <a:fontRef idx="minor">
+            <a:schemeClr val="dk1"/>
+          </a:fontRef>
+        </p:style>
+        <p:txBody>
+          <a:bodyPr rtlCol="0" anchor="ctr"/>
+          <a:lstStyle/>
+          <a:p>
+            <a:pPr algn="ctr"/>
+            <a:r>
+              <a:rPr lang="en-US" sz="900" dirty="0">
+                <a:solidFill>
+                  <a:schemeClr val="accent6"/>
+                </a:solidFill>
+              </a:rPr>
+              <a:t>VM3</a:t>
+            </a:r>
+          </a:p>
+          <a:p>
+            <a:pPr algn="ctr"/>
+            <a:r>
+              <a:rPr lang="en-US" sz="900" dirty="0">
+                <a:solidFill>
+                  <a:schemeClr val="accent6"/>
+                </a:solidFill>
+              </a:rPr>
+              <a:t>10.0.0.105</a:t>
+            </a:r>
+          </a:p>
+        </p:txBody>
+      </p:sp>
+      <p:sp>
+        <p:nvSpPr>
+          <p:cNvPr id="70" name="Rectangle 69">
+            <a:extLst>
+              <a:ext uri="{FF2B5EF4-FFF2-40B4-BE49-F238E27FC236}">
+                <a16:creationId xmlns:a16="http://schemas.microsoft.com/office/drawing/2014/main" id="{1643186B-26F8-9942-9AA2-874782CC9471}"/>
+              </a:ext>
+            </a:extLst>
+          </p:cNvPr>
+          <p:cNvSpPr/>
+          <p:nvPr/>
+        </p:nvSpPr>
+        <p:spPr>
+          <a:xfrm>
+            <a:off x="3202677" y="6307403"/>
+            <a:ext cx="702635" cy="299832"/>
+          </a:xfrm>
+          <a:prstGeom prst="rect">
+            <a:avLst/>
+          </a:prstGeom>
+        </p:spPr>
+        <p:style>
+          <a:lnRef idx="2">
+            <a:schemeClr val="accent6"/>
+          </a:lnRef>
+          <a:fillRef idx="1">
+            <a:schemeClr val="lt1"/>
+          </a:fillRef>
+          <a:effectRef idx="0">
+            <a:schemeClr val="accent6"/>
+          </a:effectRef>
+          <a:fontRef idx="minor">
+            <a:schemeClr val="dk1"/>
+          </a:fontRef>
+        </p:style>
+        <p:txBody>
+          <a:bodyPr rtlCol="0" anchor="ctr"/>
+          <a:lstStyle/>
+          <a:p>
+            <a:pPr algn="ctr"/>
+            <a:r>
+              <a:rPr lang="en-US" sz="900" dirty="0">
+                <a:solidFill>
+                  <a:srgbClr val="FF0000"/>
+                </a:solidFill>
+              </a:rPr>
+              <a:t>VM4</a:t>
+            </a:r>
+          </a:p>
+          <a:p>
+            <a:pPr algn="ctr"/>
+            <a:r>
+              <a:rPr lang="en-US" sz="900" dirty="0">
+                <a:solidFill>
+                  <a:srgbClr val="FF0000"/>
+                </a:solidFill>
+              </a:rPr>
+              <a:t>10.0.1.106</a:t>
+            </a:r>
+          </a:p>
+        </p:txBody>
+      </p:sp>
+      <p:sp>
+        <p:nvSpPr>
+          <p:cNvPr id="71" name="Card 70">
+            <a:extLst>
+              <a:ext uri="{FF2B5EF4-FFF2-40B4-BE49-F238E27FC236}">
+                <a16:creationId xmlns:a16="http://schemas.microsoft.com/office/drawing/2014/main" id="{58B63E6D-39D3-D744-8243-55B605DBAFE2}"/>
+              </a:ext>
+            </a:extLst>
+          </p:cNvPr>
+          <p:cNvSpPr/>
+          <p:nvPr/>
+        </p:nvSpPr>
+        <p:spPr>
+          <a:xfrm>
+            <a:off x="3987312" y="5758912"/>
+            <a:ext cx="481984" cy="275041"/>
+          </a:xfrm>
+          <a:prstGeom prst="flowChartPunchedCard">
+            <a:avLst/>
+          </a:prstGeom>
+        </p:spPr>
+        <p:style>
+          <a:lnRef idx="3">
+            <a:schemeClr val="lt1"/>
+          </a:lnRef>
+          <a:fillRef idx="1">
+            <a:schemeClr val="accent2"/>
+          </a:fillRef>
+          <a:effectRef idx="1">
+            <a:schemeClr val="accent2"/>
+          </a:effectRef>
+          <a:fontRef idx="minor">
+            <a:schemeClr val="lt1"/>
+          </a:fontRef>
+        </p:style>
+        <p:txBody>
+          <a:bodyPr rtlCol="0" anchor="ctr"/>
+          <a:lstStyle/>
+          <a:p>
+            <a:pPr algn="ctr"/>
+            <a:r>
+              <a:rPr lang="en-US" sz="1050" dirty="0">
+                <a:solidFill>
+                  <a:schemeClr val="tx1"/>
+                </a:solidFill>
+              </a:rPr>
+              <a:t>OVS</a:t>
+            </a:r>
+          </a:p>
+        </p:txBody>
+      </p:sp>
+      <p:sp>
+        <p:nvSpPr>
+          <p:cNvPr id="72" name="Rounded Rectangle 71">
+            <a:extLst>
+              <a:ext uri="{FF2B5EF4-FFF2-40B4-BE49-F238E27FC236}">
+                <a16:creationId xmlns:a16="http://schemas.microsoft.com/office/drawing/2014/main" id="{D1131696-53D0-784B-A431-11BDDF9CC51D}"/>
+              </a:ext>
+            </a:extLst>
+          </p:cNvPr>
+          <p:cNvSpPr/>
+          <p:nvPr/>
+        </p:nvSpPr>
+        <p:spPr>
+          <a:xfrm>
+            <a:off x="1601050" y="3444264"/>
+            <a:ext cx="1957422" cy="1179108"/>
+          </a:xfrm>
+          <a:prstGeom prst="roundRect">
+            <a:avLst/>
+          </a:prstGeom>
+          <a:solidFill>
+            <a:schemeClr val="bg1">
+              <a:lumMod val="85000"/>
+            </a:schemeClr>
+          </a:solidFill>
+        </p:spPr>
+        <p:style>
+          <a:lnRef idx="2">
+            <a:schemeClr val="accent1">
+              <a:shade val="50000"/>
+            </a:schemeClr>
+          </a:lnRef>
+          <a:fillRef idx="1">
+            <a:schemeClr val="accent1"/>
+          </a:fillRef>
+          <a:effectRef idx="0">
+            <a:schemeClr val="accent1"/>
+          </a:effectRef>
+          <a:fontRef idx="minor">
+            <a:schemeClr val="lt1"/>
+          </a:fontRef>
+        </p:style>
+        <p:txBody>
+          <a:bodyPr rtlCol="0" anchor="ctr"/>
+          <a:lstStyle/>
+          <a:p>
+            <a:pPr algn="ctr"/>
+            <a:endParaRPr lang="en-US" sz="1050" dirty="0"/>
+          </a:p>
+        </p:txBody>
+      </p:sp>
+      <p:sp>
+        <p:nvSpPr>
+          <p:cNvPr id="73" name="Rounded Rectangle 72">
+            <a:extLst>
+              <a:ext uri="{FF2B5EF4-FFF2-40B4-BE49-F238E27FC236}">
+                <a16:creationId xmlns:a16="http://schemas.microsoft.com/office/drawing/2014/main" id="{B9C91079-1B84-114E-A1FB-20A7DD966B7B}"/>
+              </a:ext>
+            </a:extLst>
+          </p:cNvPr>
+          <p:cNvSpPr/>
+          <p:nvPr/>
+        </p:nvSpPr>
+        <p:spPr>
+          <a:xfrm>
+            <a:off x="2005024" y="3484579"/>
+            <a:ext cx="1391370" cy="1022555"/>
+          </a:xfrm>
+          <a:prstGeom prst="roundRect">
+            <a:avLst/>
+          </a:prstGeom>
+          <a:solidFill>
+            <a:schemeClr val="accent1"/>
+          </a:solidFill>
+        </p:spPr>
+        <p:style>
+          <a:lnRef idx="2">
+            <a:schemeClr val="accent1">
+              <a:shade val="50000"/>
+            </a:schemeClr>
+          </a:lnRef>
+          <a:fillRef idx="1">
+            <a:schemeClr val="accent1"/>
+          </a:fillRef>
+          <a:effectRef idx="0">
+            <a:schemeClr val="accent1"/>
+          </a:effectRef>
+          <a:fontRef idx="minor">
+            <a:schemeClr val="lt1"/>
+          </a:fontRef>
+        </p:style>
+        <p:txBody>
+          <a:bodyPr rtlCol="0" anchor="ctr"/>
+          <a:lstStyle/>
+          <a:p>
+            <a:pPr algn="ctr"/>
+            <a:endParaRPr lang="en-US" sz="1050" dirty="0"/>
+          </a:p>
+        </p:txBody>
+      </p:sp>
+      <p:sp>
+        <p:nvSpPr>
+          <p:cNvPr id="74" name="Rectangle 73">
+            <a:extLst>
+              <a:ext uri="{FF2B5EF4-FFF2-40B4-BE49-F238E27FC236}">
+                <a16:creationId xmlns:a16="http://schemas.microsoft.com/office/drawing/2014/main" id="{1263F0C5-8751-1E4D-BCE2-0A7F9E1F3637}"/>
+              </a:ext>
+            </a:extLst>
+          </p:cNvPr>
+          <p:cNvSpPr/>
+          <p:nvPr/>
+        </p:nvSpPr>
+        <p:spPr>
+          <a:xfrm>
+            <a:off x="2139383" y="4233179"/>
+            <a:ext cx="776788" cy="185612"/>
+          </a:xfrm>
+          <a:prstGeom prst="rect">
+            <a:avLst/>
+          </a:prstGeom>
+          <a:solidFill>
+            <a:srgbClr val="7030A0"/>
+          </a:solidFill>
+        </p:spPr>
+        <p:style>
+          <a:lnRef idx="2">
+            <a:schemeClr val="accent1">
+              <a:shade val="50000"/>
+            </a:schemeClr>
+          </a:lnRef>
+          <a:fillRef idx="1">
+            <a:schemeClr val="accent1"/>
+          </a:fillRef>
+          <a:effectRef idx="0">
+            <a:schemeClr val="accent1"/>
+          </a:effectRef>
+          <a:fontRef idx="minor">
+            <a:schemeClr val="lt1"/>
+          </a:fontRef>
+        </p:style>
+        <p:txBody>
+          <a:bodyPr rtlCol="0" anchor="ctr"/>
+          <a:lstStyle/>
+          <a:p>
+            <a:pPr algn="ctr"/>
+            <a:r>
+              <a:rPr lang="en-US" sz="900" dirty="0"/>
+              <a:t>Alcor Group Agent</a:t>
+            </a:r>
+          </a:p>
+        </p:txBody>
+      </p:sp>
+      <p:sp>
+        <p:nvSpPr>
+          <p:cNvPr id="75" name="Rounded Rectangle 74">
+            <a:extLst>
+              <a:ext uri="{FF2B5EF4-FFF2-40B4-BE49-F238E27FC236}">
+                <a16:creationId xmlns:a16="http://schemas.microsoft.com/office/drawing/2014/main" id="{22B4E380-88EA-CF42-951A-D16ACC91E7D6}"/>
+              </a:ext>
+            </a:extLst>
+          </p:cNvPr>
+          <p:cNvSpPr/>
+          <p:nvPr/>
+        </p:nvSpPr>
+        <p:spPr>
+          <a:xfrm>
+            <a:off x="1753450" y="3603317"/>
+            <a:ext cx="1957422" cy="1172455"/>
+          </a:xfrm>
+          <a:prstGeom prst="roundRect">
+            <a:avLst/>
+          </a:prstGeom>
+          <a:solidFill>
+            <a:schemeClr val="bg1">
+              <a:lumMod val="85000"/>
+            </a:schemeClr>
+          </a:solidFill>
+        </p:spPr>
+        <p:style>
+          <a:lnRef idx="2">
+            <a:schemeClr val="accent1">
+              <a:shade val="50000"/>
+            </a:schemeClr>
+          </a:lnRef>
+          <a:fillRef idx="1">
+            <a:schemeClr val="accent1"/>
+          </a:fillRef>
+          <a:effectRef idx="0">
+            <a:schemeClr val="accent1"/>
+          </a:effectRef>
+          <a:fontRef idx="minor">
+            <a:schemeClr val="lt1"/>
+          </a:fontRef>
+        </p:style>
+        <p:txBody>
+          <a:bodyPr rtlCol="0" anchor="ctr"/>
+          <a:lstStyle/>
+          <a:p>
+            <a:pPr algn="ctr"/>
+            <a:endParaRPr lang="en-US" sz="1050" dirty="0"/>
+          </a:p>
+        </p:txBody>
+      </p:sp>
+      <p:sp>
+        <p:nvSpPr>
+          <p:cNvPr id="76" name="Rounded Rectangle 75">
+            <a:extLst>
+              <a:ext uri="{FF2B5EF4-FFF2-40B4-BE49-F238E27FC236}">
+                <a16:creationId xmlns:a16="http://schemas.microsoft.com/office/drawing/2014/main" id="{EB34F159-9216-6C41-8F6E-563E4E12AB24}"/>
+              </a:ext>
+            </a:extLst>
+          </p:cNvPr>
+          <p:cNvSpPr/>
+          <p:nvPr/>
+        </p:nvSpPr>
+        <p:spPr>
+          <a:xfrm>
+            <a:off x="2157424" y="3636979"/>
+            <a:ext cx="1391370" cy="1022555"/>
+          </a:xfrm>
+          <a:prstGeom prst="roundRect">
+            <a:avLst/>
+          </a:prstGeom>
+          <a:solidFill>
+            <a:schemeClr val="accent1"/>
+          </a:solidFill>
+        </p:spPr>
+        <p:style>
+          <a:lnRef idx="2">
+            <a:schemeClr val="accent1">
+              <a:shade val="50000"/>
+            </a:schemeClr>
+          </a:lnRef>
+          <a:fillRef idx="1">
+            <a:schemeClr val="accent1"/>
+          </a:fillRef>
+          <a:effectRef idx="0">
+            <a:schemeClr val="accent1"/>
+          </a:effectRef>
+          <a:fontRef idx="minor">
+            <a:schemeClr val="lt1"/>
+          </a:fontRef>
+        </p:style>
+        <p:txBody>
+          <a:bodyPr rtlCol="0" anchor="ctr"/>
+          <a:lstStyle/>
+          <a:p>
+            <a:pPr algn="ctr"/>
+            <a:endParaRPr lang="en-US" sz="1050" dirty="0"/>
+          </a:p>
+        </p:txBody>
+      </p:sp>
+      <p:sp>
+        <p:nvSpPr>
+          <p:cNvPr id="77" name="Rectangle 76">
+            <a:extLst>
+              <a:ext uri="{FF2B5EF4-FFF2-40B4-BE49-F238E27FC236}">
+                <a16:creationId xmlns:a16="http://schemas.microsoft.com/office/drawing/2014/main" id="{B8FB692B-C4EB-744F-9A89-B886EB2DE66E}"/>
+              </a:ext>
+            </a:extLst>
+          </p:cNvPr>
+          <p:cNvSpPr/>
+          <p:nvPr/>
+        </p:nvSpPr>
+        <p:spPr>
+          <a:xfrm>
+            <a:off x="2291783" y="4385579"/>
+            <a:ext cx="776788" cy="185612"/>
+          </a:xfrm>
+          <a:prstGeom prst="rect">
+            <a:avLst/>
+          </a:prstGeom>
+          <a:solidFill>
+            <a:srgbClr val="7030A0"/>
+          </a:solidFill>
+        </p:spPr>
+        <p:style>
+          <a:lnRef idx="2">
+            <a:schemeClr val="accent1">
+              <a:shade val="50000"/>
+            </a:schemeClr>
+          </a:lnRef>
+          <a:fillRef idx="1">
+            <a:schemeClr val="accent1"/>
+          </a:fillRef>
+          <a:effectRef idx="0">
+            <a:schemeClr val="accent1"/>
+          </a:effectRef>
+          <a:fontRef idx="minor">
+            <a:schemeClr val="lt1"/>
+          </a:fontRef>
+        </p:style>
+        <p:txBody>
+          <a:bodyPr rtlCol="0" anchor="ctr"/>
+          <a:lstStyle/>
+          <a:p>
+            <a:pPr algn="ctr"/>
+            <a:r>
+              <a:rPr lang="en-US" sz="900" dirty="0"/>
+              <a:t>Alcor Group Agent</a:t>
+            </a:r>
+          </a:p>
+        </p:txBody>
+      </p:sp>
+      <p:sp>
+        <p:nvSpPr>
+          <p:cNvPr id="78" name="Rounded Rectangle 77">
+            <a:extLst>
+              <a:ext uri="{FF2B5EF4-FFF2-40B4-BE49-F238E27FC236}">
+                <a16:creationId xmlns:a16="http://schemas.microsoft.com/office/drawing/2014/main" id="{1608D3B2-8E98-FA48-9984-4812A448F1C7}"/>
+              </a:ext>
+            </a:extLst>
+          </p:cNvPr>
+          <p:cNvSpPr/>
+          <p:nvPr/>
+        </p:nvSpPr>
+        <p:spPr>
+          <a:xfrm>
+            <a:off x="1905850" y="3751363"/>
+            <a:ext cx="1957422" cy="1176809"/>
+          </a:xfrm>
+          <a:prstGeom prst="roundRect">
+            <a:avLst/>
+          </a:prstGeom>
+          <a:solidFill>
+            <a:schemeClr val="bg1">
+              <a:lumMod val="85000"/>
+            </a:schemeClr>
+          </a:solidFill>
+        </p:spPr>
+        <p:style>
+          <a:lnRef idx="2">
+            <a:schemeClr val="accent1">
+              <a:shade val="50000"/>
+            </a:schemeClr>
+          </a:lnRef>
+          <a:fillRef idx="1">
+            <a:schemeClr val="accent1"/>
+          </a:fillRef>
+          <a:effectRef idx="0">
+            <a:schemeClr val="accent1"/>
+          </a:effectRef>
+          <a:fontRef idx="minor">
+            <a:schemeClr val="lt1"/>
+          </a:fontRef>
+        </p:style>
+        <p:txBody>
+          <a:bodyPr rtlCol="0" anchor="ctr"/>
+          <a:lstStyle/>
+          <a:p>
+            <a:pPr algn="ctr"/>
+            <a:endParaRPr lang="en-US" sz="1050" dirty="0"/>
+          </a:p>
+        </p:txBody>
+      </p:sp>
+      <p:sp>
+        <p:nvSpPr>
+          <p:cNvPr id="79" name="Rounded Rectangle 78">
+            <a:extLst>
+              <a:ext uri="{FF2B5EF4-FFF2-40B4-BE49-F238E27FC236}">
+                <a16:creationId xmlns:a16="http://schemas.microsoft.com/office/drawing/2014/main" id="{3B75A3FF-88AF-A74A-852B-D1513A42920A}"/>
+              </a:ext>
+            </a:extLst>
+          </p:cNvPr>
+          <p:cNvSpPr/>
+          <p:nvPr/>
+        </p:nvSpPr>
+        <p:spPr>
+          <a:xfrm>
+            <a:off x="2309824" y="3789379"/>
+            <a:ext cx="1391370" cy="1022555"/>
+          </a:xfrm>
+          <a:prstGeom prst="roundRect">
+            <a:avLst/>
+          </a:prstGeom>
+          <a:solidFill>
+            <a:schemeClr val="accent1"/>
+          </a:solidFill>
+        </p:spPr>
+        <p:style>
+          <a:lnRef idx="2">
+            <a:schemeClr val="accent1">
+              <a:shade val="50000"/>
+            </a:schemeClr>
+          </a:lnRef>
+          <a:fillRef idx="1">
+            <a:schemeClr val="accent1"/>
+          </a:fillRef>
+          <a:effectRef idx="0">
+            <a:schemeClr val="accent1"/>
+          </a:effectRef>
+          <a:fontRef idx="minor">
+            <a:schemeClr val="lt1"/>
+          </a:fontRef>
+        </p:style>
+        <p:txBody>
+          <a:bodyPr rtlCol="0" anchor="ctr"/>
+          <a:lstStyle/>
+          <a:p>
+            <a:pPr algn="ctr"/>
+            <a:endParaRPr lang="en-US" sz="1050" dirty="0"/>
+          </a:p>
+        </p:txBody>
+      </p:sp>
+      <p:sp>
+        <p:nvSpPr>
+          <p:cNvPr id="80" name="Rectangle 79">
+            <a:extLst>
+              <a:ext uri="{FF2B5EF4-FFF2-40B4-BE49-F238E27FC236}">
+                <a16:creationId xmlns:a16="http://schemas.microsoft.com/office/drawing/2014/main" id="{90532D85-6EDA-6844-A67D-5213A33F69FA}"/>
+              </a:ext>
+            </a:extLst>
+          </p:cNvPr>
+          <p:cNvSpPr/>
+          <p:nvPr/>
+        </p:nvSpPr>
+        <p:spPr>
+          <a:xfrm>
+            <a:off x="2607373" y="4559230"/>
+            <a:ext cx="776788" cy="185612"/>
+          </a:xfrm>
+          <a:prstGeom prst="rect">
+            <a:avLst/>
+          </a:prstGeom>
+          <a:solidFill>
+            <a:srgbClr val="00B050"/>
+          </a:solidFill>
+        </p:spPr>
+        <p:style>
+          <a:lnRef idx="2">
+            <a:schemeClr val="accent1">
+              <a:shade val="50000"/>
+            </a:schemeClr>
+          </a:lnRef>
+          <a:fillRef idx="1">
+            <a:schemeClr val="accent1"/>
+          </a:fillRef>
+          <a:effectRef idx="0">
+            <a:schemeClr val="accent1"/>
+          </a:effectRef>
+          <a:fontRef idx="minor">
+            <a:schemeClr val="lt1"/>
+          </a:fontRef>
+        </p:style>
+        <p:txBody>
+          <a:bodyPr rtlCol="0" anchor="ctr"/>
+          <a:lstStyle/>
+          <a:p>
+            <a:pPr algn="ctr"/>
+            <a:r>
+              <a:rPr lang="en-US" sz="900" dirty="0">
+                <a:solidFill>
+                  <a:srgbClr val="FF0000"/>
+                </a:solidFill>
+              </a:rPr>
+              <a:t>AGA</a:t>
+            </a:r>
+          </a:p>
+        </p:txBody>
+      </p:sp>
+      <p:sp>
+        <p:nvSpPr>
+          <p:cNvPr id="81" name="Can 80">
+            <a:extLst>
+              <a:ext uri="{FF2B5EF4-FFF2-40B4-BE49-F238E27FC236}">
+                <a16:creationId xmlns:a16="http://schemas.microsoft.com/office/drawing/2014/main" id="{D7B35763-F8E2-8E49-A32B-D8B604B6A191}"/>
+              </a:ext>
+            </a:extLst>
+          </p:cNvPr>
+          <p:cNvSpPr/>
+          <p:nvPr/>
+        </p:nvSpPr>
+        <p:spPr>
+          <a:xfrm>
+            <a:off x="2546148" y="3844817"/>
+            <a:ext cx="954514" cy="610276"/>
+          </a:xfrm>
+          <a:prstGeom prst="can">
+            <a:avLst/>
+          </a:prstGeom>
+        </p:spPr>
+        <p:style>
+          <a:lnRef idx="2">
+            <a:schemeClr val="accent4">
+              <a:shade val="50000"/>
+            </a:schemeClr>
+          </a:lnRef>
+          <a:fillRef idx="1">
+            <a:schemeClr val="accent4"/>
+          </a:fillRef>
+          <a:effectRef idx="0">
+            <a:schemeClr val="accent4"/>
+          </a:effectRef>
+          <a:fontRef idx="minor">
+            <a:schemeClr val="lt1"/>
+          </a:fontRef>
+        </p:style>
+        <p:txBody>
+          <a:bodyPr rtlCol="0" anchor="ctr"/>
+          <a:lstStyle/>
+          <a:p>
+            <a:pPr algn="ctr"/>
+            <a:r>
+              <a:rPr lang="en-US" sz="900" dirty="0"/>
+              <a:t>Shared in memory GS Configuration Cache for each Host</a:t>
+            </a:r>
+          </a:p>
+        </p:txBody>
+      </p:sp>
+      <p:sp>
+        <p:nvSpPr>
+          <p:cNvPr id="82" name="Up-Down Arrow 81">
+            <a:extLst>
+              <a:ext uri="{FF2B5EF4-FFF2-40B4-BE49-F238E27FC236}">
+                <a16:creationId xmlns:a16="http://schemas.microsoft.com/office/drawing/2014/main" id="{0EBE7ED0-2614-6F4B-98F5-ACC91C368524}"/>
+              </a:ext>
+            </a:extLst>
+          </p:cNvPr>
+          <p:cNvSpPr/>
+          <p:nvPr/>
+        </p:nvSpPr>
+        <p:spPr>
+          <a:xfrm rot="3553710" flipH="1">
+            <a:off x="2051330" y="4414401"/>
+            <a:ext cx="126493" cy="1350277"/>
+          </a:xfrm>
+          <a:prstGeom prst="upDownArrow">
+            <a:avLst/>
+          </a:prstGeom>
+          <a:solidFill>
+            <a:srgbClr val="FFFF00"/>
+          </a:solidFill>
+        </p:spPr>
+        <p:style>
+          <a:lnRef idx="2">
+            <a:schemeClr val="accent1">
+              <a:shade val="50000"/>
+            </a:schemeClr>
+          </a:lnRef>
+          <a:fillRef idx="1">
+            <a:schemeClr val="accent1"/>
+          </a:fillRef>
+          <a:effectRef idx="0">
+            <a:schemeClr val="accent1"/>
+          </a:effectRef>
+          <a:fontRef idx="minor">
+            <a:schemeClr val="lt1"/>
+          </a:fontRef>
+        </p:style>
+        <p:txBody>
+          <a:bodyPr rtlCol="0" anchor="ctr"/>
+          <a:lstStyle/>
+          <a:p>
+            <a:pPr algn="ctr"/>
+            <a:endParaRPr lang="en-US" sz="1050" dirty="0"/>
+          </a:p>
+        </p:txBody>
+      </p:sp>
+      <p:sp>
+        <p:nvSpPr>
+          <p:cNvPr id="83" name="Up-Down Arrow 82">
+            <a:extLst>
+              <a:ext uri="{FF2B5EF4-FFF2-40B4-BE49-F238E27FC236}">
+                <a16:creationId xmlns:a16="http://schemas.microsoft.com/office/drawing/2014/main" id="{1B8BDFBC-9B23-7546-B6AE-FD376EBF0526}"/>
+              </a:ext>
+            </a:extLst>
+          </p:cNvPr>
+          <p:cNvSpPr/>
+          <p:nvPr/>
+        </p:nvSpPr>
+        <p:spPr>
+          <a:xfrm rot="7542028" flipH="1">
+            <a:off x="3549353" y="4489615"/>
+            <a:ext cx="134980" cy="1219831"/>
+          </a:xfrm>
+          <a:prstGeom prst="upDownArrow">
+            <a:avLst/>
+          </a:prstGeom>
+          <a:solidFill>
+            <a:srgbClr val="FFFF00"/>
+          </a:solidFill>
+        </p:spPr>
+        <p:style>
+          <a:lnRef idx="2">
+            <a:schemeClr val="accent1">
+              <a:shade val="50000"/>
+            </a:schemeClr>
+          </a:lnRef>
+          <a:fillRef idx="1">
+            <a:schemeClr val="accent1"/>
+          </a:fillRef>
+          <a:effectRef idx="0">
+            <a:schemeClr val="accent1"/>
+          </a:effectRef>
+          <a:fontRef idx="minor">
+            <a:schemeClr val="lt1"/>
+          </a:fontRef>
+        </p:style>
+        <p:txBody>
+          <a:bodyPr rtlCol="0" anchor="ctr"/>
+          <a:lstStyle/>
+          <a:p>
+            <a:pPr algn="ctr"/>
+            <a:endParaRPr lang="en-US" sz="1050" dirty="0"/>
+          </a:p>
+        </p:txBody>
+      </p:sp>
+      <p:sp>
+        <p:nvSpPr>
+          <p:cNvPr id="86" name="TextBox 85">
+            <a:extLst>
+              <a:ext uri="{FF2B5EF4-FFF2-40B4-BE49-F238E27FC236}">
+                <a16:creationId xmlns:a16="http://schemas.microsoft.com/office/drawing/2014/main" id="{561D0496-89D3-964F-96F7-FC43C2833EBC}"/>
+              </a:ext>
+            </a:extLst>
+          </p:cNvPr>
+          <p:cNvSpPr txBox="1"/>
+          <p:nvPr/>
+        </p:nvSpPr>
+        <p:spPr>
+          <a:xfrm>
+            <a:off x="2469560" y="4934063"/>
+            <a:ext cx="700479" cy="584775"/>
+          </a:xfrm>
+          <a:prstGeom prst="rect">
+            <a:avLst/>
+          </a:prstGeom>
+          <a:noFill/>
+        </p:spPr>
+        <p:txBody>
+          <a:bodyPr wrap="square" rtlCol="0">
+            <a:spAutoFit/>
+          </a:bodyPr>
+          <a:lstStyle/>
+          <a:p>
+            <a:r>
+              <a:rPr lang="en-US" sz="800" dirty="0" err="1"/>
+              <a:t>grpc</a:t>
+            </a:r>
+            <a:r>
+              <a:rPr lang="en-US" sz="800" dirty="0"/>
+              <a:t> long lived streaming connections</a:t>
+            </a:r>
+          </a:p>
+        </p:txBody>
+      </p:sp>
+      <p:sp>
+        <p:nvSpPr>
+          <p:cNvPr id="87" name="TextBox 86">
+            <a:extLst>
+              <a:ext uri="{FF2B5EF4-FFF2-40B4-BE49-F238E27FC236}">
+                <a16:creationId xmlns:a16="http://schemas.microsoft.com/office/drawing/2014/main" id="{76D7E2C5-883E-1948-B6F3-EEDA68939194}"/>
+              </a:ext>
+            </a:extLst>
+          </p:cNvPr>
+          <p:cNvSpPr txBox="1"/>
+          <p:nvPr/>
+        </p:nvSpPr>
+        <p:spPr>
+          <a:xfrm>
+            <a:off x="2566699" y="5813742"/>
+            <a:ext cx="657118" cy="369332"/>
+          </a:xfrm>
+          <a:prstGeom prst="rect">
+            <a:avLst/>
+          </a:prstGeom>
+          <a:noFill/>
+        </p:spPr>
+        <p:txBody>
+          <a:bodyPr wrap="square" rtlCol="0">
+            <a:spAutoFit/>
+          </a:bodyPr>
+          <a:lstStyle/>
+          <a:p>
+            <a:r>
+              <a:rPr lang="en-US" dirty="0"/>
+              <a:t>…</a:t>
+            </a:r>
+          </a:p>
+        </p:txBody>
+      </p:sp>
+      <p:sp>
+        <p:nvSpPr>
+          <p:cNvPr id="89" name="Right Arrow 88">
+            <a:extLst>
+              <a:ext uri="{FF2B5EF4-FFF2-40B4-BE49-F238E27FC236}">
+                <a16:creationId xmlns:a16="http://schemas.microsoft.com/office/drawing/2014/main" id="{6C50D89F-D1A6-004C-B786-9236E472A645}"/>
+              </a:ext>
+            </a:extLst>
+          </p:cNvPr>
+          <p:cNvSpPr/>
+          <p:nvPr/>
+        </p:nvSpPr>
+        <p:spPr>
+          <a:xfrm rot="10800000">
+            <a:off x="3554241" y="3513136"/>
+            <a:ext cx="2108907" cy="120649"/>
+          </a:xfrm>
+          <a:prstGeom prst="rightArrow">
+            <a:avLst/>
+          </a:prstGeom>
+          <a:solidFill>
+            <a:srgbClr val="00B050"/>
+          </a:solidFill>
+        </p:spPr>
+        <p:style>
+          <a:lnRef idx="2">
+            <a:schemeClr val="accent1">
+              <a:shade val="50000"/>
+            </a:schemeClr>
+          </a:lnRef>
+          <a:fillRef idx="1">
+            <a:schemeClr val="accent1"/>
+          </a:fillRef>
+          <a:effectRef idx="0">
+            <a:schemeClr val="accent1"/>
+          </a:effectRef>
+          <a:fontRef idx="minor">
+            <a:schemeClr val="lt1"/>
+          </a:fontRef>
+        </p:style>
+        <p:txBody>
+          <a:bodyPr rtlCol="0" anchor="ctr"/>
+          <a:lstStyle/>
+          <a:p>
+            <a:pPr algn="ctr"/>
+            <a:endParaRPr lang="en-US" sz="1050"/>
+          </a:p>
+        </p:txBody>
+      </p:sp>
+      <p:sp>
+        <p:nvSpPr>
+          <p:cNvPr id="90" name="Right Arrow 89">
+            <a:extLst>
+              <a:ext uri="{FF2B5EF4-FFF2-40B4-BE49-F238E27FC236}">
+                <a16:creationId xmlns:a16="http://schemas.microsoft.com/office/drawing/2014/main" id="{783AE621-AD9E-E544-B81B-B6FC88C22487}"/>
+              </a:ext>
+            </a:extLst>
+          </p:cNvPr>
+          <p:cNvSpPr/>
+          <p:nvPr/>
+        </p:nvSpPr>
+        <p:spPr>
+          <a:xfrm rot="10800000">
+            <a:off x="3706641" y="3665536"/>
+            <a:ext cx="2108907" cy="120649"/>
+          </a:xfrm>
+          <a:prstGeom prst="rightArrow">
+            <a:avLst/>
+          </a:prstGeom>
+          <a:solidFill>
+            <a:srgbClr val="00B050"/>
+          </a:solidFill>
+        </p:spPr>
+        <p:style>
+          <a:lnRef idx="2">
+            <a:schemeClr val="accent1">
+              <a:shade val="50000"/>
+            </a:schemeClr>
+          </a:lnRef>
+          <a:fillRef idx="1">
+            <a:schemeClr val="accent1"/>
+          </a:fillRef>
+          <a:effectRef idx="0">
+            <a:schemeClr val="accent1"/>
+          </a:effectRef>
+          <a:fontRef idx="minor">
+            <a:schemeClr val="lt1"/>
+          </a:fontRef>
+        </p:style>
+        <p:txBody>
+          <a:bodyPr rtlCol="0" anchor="ctr"/>
+          <a:lstStyle/>
+          <a:p>
+            <a:pPr algn="ctr"/>
+            <a:endParaRPr lang="en-US" sz="1050"/>
+          </a:p>
+        </p:txBody>
+      </p:sp>
+      <p:sp>
+        <p:nvSpPr>
+          <p:cNvPr id="91" name="Right Arrow 90">
+            <a:extLst>
+              <a:ext uri="{FF2B5EF4-FFF2-40B4-BE49-F238E27FC236}">
+                <a16:creationId xmlns:a16="http://schemas.microsoft.com/office/drawing/2014/main" id="{A8F27436-57D9-374A-BD95-5C6B31A5FDEB}"/>
+              </a:ext>
+            </a:extLst>
+          </p:cNvPr>
+          <p:cNvSpPr/>
+          <p:nvPr/>
+        </p:nvSpPr>
+        <p:spPr>
+          <a:xfrm rot="10800000">
+            <a:off x="3859041" y="3817936"/>
+            <a:ext cx="2108907" cy="120649"/>
+          </a:xfrm>
+          <a:prstGeom prst="rightArrow">
+            <a:avLst/>
+          </a:prstGeom>
+          <a:solidFill>
+            <a:srgbClr val="00B050"/>
+          </a:solidFill>
+        </p:spPr>
+        <p:style>
+          <a:lnRef idx="2">
+            <a:schemeClr val="accent1">
+              <a:shade val="50000"/>
+            </a:schemeClr>
+          </a:lnRef>
+          <a:fillRef idx="1">
+            <a:schemeClr val="accent1"/>
+          </a:fillRef>
+          <a:effectRef idx="0">
+            <a:schemeClr val="accent1"/>
+          </a:effectRef>
+          <a:fontRef idx="minor">
+            <a:schemeClr val="lt1"/>
+          </a:fontRef>
+        </p:style>
+        <p:txBody>
+          <a:bodyPr rtlCol="0" anchor="ctr"/>
+          <a:lstStyle/>
+          <a:p>
+            <a:pPr algn="ctr"/>
+            <a:endParaRPr lang="en-US" sz="1050"/>
+          </a:p>
+        </p:txBody>
+      </p:sp>
+      <p:sp>
+        <p:nvSpPr>
+          <p:cNvPr id="92" name="Rectangle 91">
+            <a:extLst>
+              <a:ext uri="{FF2B5EF4-FFF2-40B4-BE49-F238E27FC236}">
+                <a16:creationId xmlns:a16="http://schemas.microsoft.com/office/drawing/2014/main" id="{1DA34662-C837-7041-BAFC-453417BF7DF9}"/>
+              </a:ext>
+            </a:extLst>
+          </p:cNvPr>
+          <p:cNvSpPr/>
+          <p:nvPr/>
+        </p:nvSpPr>
+        <p:spPr>
+          <a:xfrm>
+            <a:off x="2853109" y="630748"/>
+            <a:ext cx="2437338" cy="2132583"/>
+          </a:xfrm>
+          <a:prstGeom prst="rect">
+            <a:avLst/>
+          </a:prstGeom>
+          <a:gradFill flip="none" rotWithShape="1">
+            <a:gsLst>
+              <a:gs pos="0">
+                <a:srgbClr val="FFC000">
+                  <a:tint val="66000"/>
+                  <a:satMod val="160000"/>
+                </a:srgbClr>
+              </a:gs>
+              <a:gs pos="50000">
+                <a:srgbClr val="FFC000">
+                  <a:tint val="44500"/>
+                  <a:satMod val="160000"/>
+                </a:srgbClr>
+              </a:gs>
+              <a:gs pos="100000">
+                <a:srgbClr val="FFC000">
+                  <a:tint val="23500"/>
+                  <a:satMod val="160000"/>
+                </a:srgbClr>
+              </a:gs>
+            </a:gsLst>
+            <a:lin ang="2700000" scaled="1"/>
+            <a:tileRect/>
+          </a:gradFill>
+        </p:spPr>
+        <p:style>
+          <a:lnRef idx="2">
+            <a:schemeClr val="accent1">
+              <a:shade val="50000"/>
+            </a:schemeClr>
+          </a:lnRef>
+          <a:fillRef idx="1">
+            <a:schemeClr val="accent1"/>
+          </a:fillRef>
+          <a:effectRef idx="0">
+            <a:schemeClr val="accent1"/>
+          </a:effectRef>
+          <a:fontRef idx="minor">
+            <a:schemeClr val="lt1"/>
+          </a:fontRef>
+        </p:style>
+        <p:txBody>
+          <a:bodyPr rtlCol="0" anchor="ctr"/>
+          <a:lstStyle/>
+          <a:p>
+            <a:pPr algn="ctr"/>
+            <a:r>
+              <a:rPr lang="en-US" dirty="0">
+                <a:solidFill>
+                  <a:schemeClr val="tx1">
+                    <a:lumMod val="95000"/>
+                    <a:lumOff val="5000"/>
+                  </a:schemeClr>
+                </a:solidFill>
+              </a:rPr>
+              <a:t>Group/Cluster X</a:t>
+            </a:r>
+          </a:p>
+        </p:txBody>
+      </p:sp>
+      <p:sp>
+        <p:nvSpPr>
+          <p:cNvPr id="93" name="Rectangle 92">
+            <a:extLst>
+              <a:ext uri="{FF2B5EF4-FFF2-40B4-BE49-F238E27FC236}">
+                <a16:creationId xmlns:a16="http://schemas.microsoft.com/office/drawing/2014/main" id="{0184F041-EBC4-0C43-9E93-C288D2E1051B}"/>
+              </a:ext>
+            </a:extLst>
+          </p:cNvPr>
+          <p:cNvSpPr/>
+          <p:nvPr/>
+        </p:nvSpPr>
+        <p:spPr>
+          <a:xfrm>
+            <a:off x="6535735" y="631516"/>
+            <a:ext cx="2437338" cy="2132583"/>
+          </a:xfrm>
+          <a:prstGeom prst="rect">
+            <a:avLst/>
+          </a:prstGeom>
+          <a:gradFill flip="none" rotWithShape="1">
+            <a:gsLst>
+              <a:gs pos="0">
+                <a:srgbClr val="FFC000">
+                  <a:tint val="66000"/>
+                  <a:satMod val="160000"/>
+                </a:srgbClr>
+              </a:gs>
+              <a:gs pos="50000">
+                <a:srgbClr val="FFC000">
+                  <a:tint val="44500"/>
+                  <a:satMod val="160000"/>
+                </a:srgbClr>
+              </a:gs>
+              <a:gs pos="100000">
+                <a:srgbClr val="FFC000">
+                  <a:tint val="23500"/>
+                  <a:satMod val="160000"/>
+                </a:srgbClr>
+              </a:gs>
+            </a:gsLst>
+            <a:lin ang="2700000" scaled="1"/>
+            <a:tileRect/>
+          </a:gradFill>
+        </p:spPr>
+        <p:style>
+          <a:lnRef idx="2">
+            <a:schemeClr val="accent1">
+              <a:shade val="50000"/>
+            </a:schemeClr>
+          </a:lnRef>
+          <a:fillRef idx="1">
+            <a:schemeClr val="accent1"/>
+          </a:fillRef>
+          <a:effectRef idx="0">
+            <a:schemeClr val="accent1"/>
+          </a:effectRef>
+          <a:fontRef idx="minor">
+            <a:schemeClr val="lt1"/>
+          </a:fontRef>
+        </p:style>
+        <p:txBody>
+          <a:bodyPr rtlCol="0" anchor="ctr"/>
+          <a:lstStyle/>
+          <a:p>
+            <a:pPr algn="ctr"/>
+            <a:r>
+              <a:rPr lang="en-US" dirty="0">
+                <a:solidFill>
+                  <a:schemeClr val="tx1">
+                    <a:lumMod val="95000"/>
+                    <a:lumOff val="5000"/>
+                  </a:schemeClr>
+                </a:solidFill>
+              </a:rPr>
+              <a:t>Group/Cluster Y</a:t>
+            </a:r>
+          </a:p>
+        </p:txBody>
+      </p:sp>
+      <p:sp>
+        <p:nvSpPr>
+          <p:cNvPr id="94" name="TextBox 93">
+            <a:extLst>
+              <a:ext uri="{FF2B5EF4-FFF2-40B4-BE49-F238E27FC236}">
+                <a16:creationId xmlns:a16="http://schemas.microsoft.com/office/drawing/2014/main" id="{DA1AD679-F56E-0947-8B13-93FACD494EB1}"/>
+              </a:ext>
+            </a:extLst>
+          </p:cNvPr>
+          <p:cNvSpPr txBox="1"/>
+          <p:nvPr/>
+        </p:nvSpPr>
+        <p:spPr>
+          <a:xfrm>
+            <a:off x="5648787" y="1512373"/>
+            <a:ext cx="657118" cy="369332"/>
+          </a:xfrm>
+          <a:prstGeom prst="rect">
+            <a:avLst/>
+          </a:prstGeom>
+          <a:noFill/>
+        </p:spPr>
+        <p:txBody>
+          <a:bodyPr wrap="square" rtlCol="0">
+            <a:spAutoFit/>
+          </a:bodyPr>
+          <a:lstStyle/>
+          <a:p>
+            <a:r>
+              <a:rPr lang="en-US" dirty="0"/>
+              <a:t>…</a:t>
+            </a:r>
+          </a:p>
+        </p:txBody>
+      </p:sp>
+      <p:sp>
+        <p:nvSpPr>
+          <p:cNvPr id="95" name="TextBox 94">
+            <a:extLst>
+              <a:ext uri="{FF2B5EF4-FFF2-40B4-BE49-F238E27FC236}">
+                <a16:creationId xmlns:a16="http://schemas.microsoft.com/office/drawing/2014/main" id="{26E4D11F-E840-C14E-B8F9-E115ADCE1A7C}"/>
+              </a:ext>
+            </a:extLst>
+          </p:cNvPr>
+          <p:cNvSpPr txBox="1"/>
+          <p:nvPr/>
+        </p:nvSpPr>
+        <p:spPr>
+          <a:xfrm>
+            <a:off x="8161718" y="6459756"/>
+            <a:ext cx="1312498" cy="369332"/>
+          </a:xfrm>
+          <a:prstGeom prst="rect">
+            <a:avLst/>
+          </a:prstGeom>
+          <a:noFill/>
+        </p:spPr>
+        <p:txBody>
+          <a:bodyPr wrap="square" rtlCol="0">
+            <a:spAutoFit/>
+          </a:bodyPr>
+          <a:lstStyle/>
+          <a:p>
+            <a:r>
+              <a:rPr lang="en-US" dirty="0"/>
+              <a:t>10.24.1.111</a:t>
+            </a:r>
+          </a:p>
+        </p:txBody>
+      </p:sp>
+      <p:sp>
+        <p:nvSpPr>
+          <p:cNvPr id="13" name="Rectangle 12">
+            <a:extLst>
+              <a:ext uri="{FF2B5EF4-FFF2-40B4-BE49-F238E27FC236}">
+                <a16:creationId xmlns:a16="http://schemas.microsoft.com/office/drawing/2014/main" id="{FC274DFC-1E9A-4E42-8F0B-9E8EDFE8C044}"/>
+              </a:ext>
+            </a:extLst>
+          </p:cNvPr>
+          <p:cNvSpPr/>
+          <p:nvPr/>
+        </p:nvSpPr>
+        <p:spPr>
+          <a:xfrm>
+            <a:off x="442730" y="3093797"/>
+            <a:ext cx="1690719" cy="369332"/>
+          </a:xfrm>
+          <a:prstGeom prst="rect">
+            <a:avLst/>
+          </a:prstGeom>
+        </p:spPr>
+        <p:txBody>
+          <a:bodyPr wrap="none">
+            <a:spAutoFit/>
+          </a:bodyPr>
+          <a:lstStyle/>
+          <a:p>
+            <a:pPr algn="ctr"/>
+            <a:r>
+              <a:rPr lang="en-US" dirty="0">
+                <a:solidFill>
+                  <a:schemeClr val="tx1">
+                    <a:lumMod val="95000"/>
+                    <a:lumOff val="5000"/>
+                  </a:schemeClr>
+                </a:solidFill>
+              </a:rPr>
+              <a:t>Group/Cluster 1</a:t>
+            </a:r>
+          </a:p>
+        </p:txBody>
+      </p:sp>
+      <p:sp>
+        <p:nvSpPr>
+          <p:cNvPr id="97" name="Rectangle 96">
+            <a:extLst>
+              <a:ext uri="{FF2B5EF4-FFF2-40B4-BE49-F238E27FC236}">
+                <a16:creationId xmlns:a16="http://schemas.microsoft.com/office/drawing/2014/main" id="{E672758E-7450-E548-ADCC-1F9CF9C5098E}"/>
+              </a:ext>
+            </a:extLst>
+          </p:cNvPr>
+          <p:cNvSpPr/>
+          <p:nvPr/>
+        </p:nvSpPr>
+        <p:spPr>
+          <a:xfrm>
+            <a:off x="7560177" y="3115014"/>
+            <a:ext cx="4532844" cy="369332"/>
+          </a:xfrm>
+          <a:prstGeom prst="rect">
+            <a:avLst/>
+          </a:prstGeom>
+        </p:spPr>
+        <p:txBody>
+          <a:bodyPr wrap="none">
+            <a:spAutoFit/>
+          </a:bodyPr>
+          <a:lstStyle/>
+          <a:p>
+            <a:pPr algn="ctr"/>
+            <a:r>
+              <a:rPr lang="en-US" dirty="0">
+                <a:solidFill>
+                  <a:schemeClr val="tx1">
+                    <a:lumMod val="95000"/>
+                    <a:lumOff val="5000"/>
+                  </a:schemeClr>
+                </a:solidFill>
+              </a:rPr>
+              <a:t>Group/Cluster N: 10.24.1.111-10.24.1.111.222</a:t>
+            </a:r>
+          </a:p>
+        </p:txBody>
+      </p:sp>
+      <p:sp>
+        <p:nvSpPr>
+          <p:cNvPr id="98" name="Right Arrow 97">
+            <a:extLst>
+              <a:ext uri="{FF2B5EF4-FFF2-40B4-BE49-F238E27FC236}">
+                <a16:creationId xmlns:a16="http://schemas.microsoft.com/office/drawing/2014/main" id="{4878BFB1-63ED-7C4B-9226-C364F0826ECD}"/>
+              </a:ext>
+            </a:extLst>
+          </p:cNvPr>
+          <p:cNvSpPr/>
+          <p:nvPr/>
+        </p:nvSpPr>
+        <p:spPr>
+          <a:xfrm rot="13048389">
+            <a:off x="4961421" y="3097682"/>
+            <a:ext cx="1311306" cy="105086"/>
+          </a:xfrm>
+          <a:prstGeom prst="rightArrow">
+            <a:avLst/>
+          </a:prstGeom>
+          <a:solidFill>
+            <a:srgbClr val="00B050"/>
+          </a:solidFill>
+        </p:spPr>
+        <p:style>
+          <a:lnRef idx="2">
+            <a:schemeClr val="accent1">
+              <a:shade val="50000"/>
+            </a:schemeClr>
+          </a:lnRef>
+          <a:fillRef idx="1">
+            <a:schemeClr val="accent1"/>
+          </a:fillRef>
+          <a:effectRef idx="0">
+            <a:schemeClr val="accent1"/>
+          </a:effectRef>
+          <a:fontRef idx="minor">
+            <a:schemeClr val="lt1"/>
+          </a:fontRef>
+        </p:style>
+        <p:txBody>
+          <a:bodyPr rtlCol="0" anchor="ctr"/>
+          <a:lstStyle/>
+          <a:p>
+            <a:pPr algn="ctr"/>
+            <a:endParaRPr lang="en-US" sz="1050"/>
+          </a:p>
+        </p:txBody>
+      </p:sp>
+      <p:sp>
+        <p:nvSpPr>
+          <p:cNvPr id="99" name="Right Arrow 98">
+            <a:extLst>
+              <a:ext uri="{FF2B5EF4-FFF2-40B4-BE49-F238E27FC236}">
+                <a16:creationId xmlns:a16="http://schemas.microsoft.com/office/drawing/2014/main" id="{476ED6EB-E0EF-1F45-918B-979067A87862}"/>
+              </a:ext>
+            </a:extLst>
+          </p:cNvPr>
+          <p:cNvSpPr/>
+          <p:nvPr/>
+        </p:nvSpPr>
+        <p:spPr>
+          <a:xfrm rot="19309981">
+            <a:off x="6298489" y="3092909"/>
+            <a:ext cx="1311306" cy="105086"/>
+          </a:xfrm>
+          <a:prstGeom prst="rightArrow">
+            <a:avLst/>
+          </a:prstGeom>
+          <a:solidFill>
+            <a:srgbClr val="00B050"/>
+          </a:solidFill>
+        </p:spPr>
+        <p:style>
+          <a:lnRef idx="2">
+            <a:schemeClr val="accent1">
+              <a:shade val="50000"/>
+            </a:schemeClr>
+          </a:lnRef>
+          <a:fillRef idx="1">
+            <a:schemeClr val="accent1"/>
+          </a:fillRef>
+          <a:effectRef idx="0">
+            <a:schemeClr val="accent1"/>
+          </a:effectRef>
+          <a:fontRef idx="minor">
+            <a:schemeClr val="lt1"/>
+          </a:fontRef>
+        </p:style>
+        <p:txBody>
+          <a:bodyPr rtlCol="0" anchor="ctr"/>
+          <a:lstStyle/>
+          <a:p>
+            <a:pPr algn="ctr"/>
+            <a:endParaRPr lang="en-US" sz="1050"/>
+          </a:p>
+        </p:txBody>
+      </p:sp>
+      <p:sp>
+        <p:nvSpPr>
+          <p:cNvPr id="3" name="TextBox 2">
+            <a:extLst>
+              <a:ext uri="{FF2B5EF4-FFF2-40B4-BE49-F238E27FC236}">
+                <a16:creationId xmlns:a16="http://schemas.microsoft.com/office/drawing/2014/main" id="{92B0ABE5-C224-DB4E-BD2F-B6ABC3AEDFDB}"/>
+              </a:ext>
+            </a:extLst>
+          </p:cNvPr>
+          <p:cNvSpPr txBox="1"/>
+          <p:nvPr/>
+        </p:nvSpPr>
+        <p:spPr>
+          <a:xfrm>
+            <a:off x="8968330" y="1138287"/>
+            <a:ext cx="2904065" cy="1384995"/>
+          </a:xfrm>
+          <a:prstGeom prst="rect">
+            <a:avLst/>
+          </a:prstGeom>
+          <a:noFill/>
+        </p:spPr>
+        <p:txBody>
+          <a:bodyPr wrap="none" rtlCol="0">
+            <a:spAutoFit/>
+          </a:bodyPr>
+          <a:lstStyle/>
+          <a:p>
+            <a:r>
+              <a:rPr lang="en-US" sz="1400" dirty="0"/>
+              <a:t>Static or dynamic group assignment?</a:t>
+            </a:r>
+          </a:p>
+          <a:p>
+            <a:r>
+              <a:rPr lang="en-US" sz="1400" dirty="0"/>
+              <a:t>Node manager when register a node,</a:t>
+            </a:r>
+          </a:p>
+          <a:p>
+            <a:r>
+              <a:rPr lang="en-US" sz="1400" dirty="0"/>
+              <a:t>Pass in AGA ID and IP</a:t>
+            </a:r>
+          </a:p>
+          <a:p>
+            <a:endParaRPr lang="en-US" sz="1400" dirty="0"/>
+          </a:p>
+          <a:p>
+            <a:r>
+              <a:rPr lang="en-US" sz="1400" dirty="0"/>
+              <a:t>When DPM ask node manager, input:</a:t>
+            </a:r>
+          </a:p>
+          <a:p>
+            <a:r>
+              <a:rPr lang="en-US" sz="1400" dirty="0"/>
+              <a:t>Target IP, output AGA ID+IP</a:t>
+            </a:r>
+          </a:p>
+        </p:txBody>
+      </p:sp>
+      <p:sp>
+        <p:nvSpPr>
+          <p:cNvPr id="84" name="TextBox 83">
+            <a:extLst>
+              <a:ext uri="{FF2B5EF4-FFF2-40B4-BE49-F238E27FC236}">
+                <a16:creationId xmlns:a16="http://schemas.microsoft.com/office/drawing/2014/main" id="{160570BC-2BF4-C840-89A0-D043688250F9}"/>
+              </a:ext>
+            </a:extLst>
+          </p:cNvPr>
+          <p:cNvSpPr txBox="1"/>
+          <p:nvPr/>
+        </p:nvSpPr>
+        <p:spPr>
+          <a:xfrm>
+            <a:off x="10493067" y="6501338"/>
+            <a:ext cx="1312498" cy="369332"/>
+          </a:xfrm>
+          <a:prstGeom prst="rect">
+            <a:avLst/>
+          </a:prstGeom>
+          <a:noFill/>
+        </p:spPr>
+        <p:txBody>
+          <a:bodyPr wrap="square" rtlCol="0">
+            <a:spAutoFit/>
+          </a:bodyPr>
+          <a:lstStyle/>
+          <a:p>
+            <a:r>
+              <a:rPr lang="en-US" dirty="0"/>
+              <a:t>10.24.1.222</a:t>
+            </a:r>
+          </a:p>
+        </p:txBody>
+      </p:sp>
+      <p:sp>
+        <p:nvSpPr>
+          <p:cNvPr id="85" name="TextBox 84">
+            <a:extLst>
+              <a:ext uri="{FF2B5EF4-FFF2-40B4-BE49-F238E27FC236}">
+                <a16:creationId xmlns:a16="http://schemas.microsoft.com/office/drawing/2014/main" id="{07EFE4C5-E35D-7B4B-8921-169D4177B322}"/>
+              </a:ext>
+            </a:extLst>
+          </p:cNvPr>
+          <p:cNvSpPr txBox="1"/>
+          <p:nvPr/>
+        </p:nvSpPr>
+        <p:spPr>
+          <a:xfrm>
+            <a:off x="-23237" y="1131939"/>
+            <a:ext cx="2876346" cy="1323439"/>
+          </a:xfrm>
+          <a:prstGeom prst="rect">
+            <a:avLst/>
+          </a:prstGeom>
+          <a:noFill/>
+        </p:spPr>
+        <p:txBody>
+          <a:bodyPr wrap="square" rtlCol="0">
+            <a:spAutoFit/>
+          </a:bodyPr>
+          <a:lstStyle/>
+          <a:p>
+            <a:r>
+              <a:rPr lang="en-US" sz="1600" dirty="0"/>
+              <a:t>Each group has its own cache/database contains config for its ACAs only. Cross group communication should just work.</a:t>
+            </a:r>
+          </a:p>
+        </p:txBody>
+      </p:sp>
+      <p:sp>
+        <p:nvSpPr>
+          <p:cNvPr id="100" name="Title 1">
+            <a:extLst>
+              <a:ext uri="{FF2B5EF4-FFF2-40B4-BE49-F238E27FC236}">
+                <a16:creationId xmlns:a16="http://schemas.microsoft.com/office/drawing/2014/main" id="{52802942-BC68-954A-8855-14336A497A2F}"/>
+              </a:ext>
+            </a:extLst>
+          </p:cNvPr>
+          <p:cNvSpPr>
+            <a:spLocks noGrp="1"/>
+          </p:cNvSpPr>
+          <p:nvPr>
+            <p:ph type="title"/>
+          </p:nvPr>
+        </p:nvSpPr>
+        <p:spPr>
+          <a:xfrm>
+            <a:off x="4073" y="-296"/>
+            <a:ext cx="4313465" cy="699295"/>
+          </a:xfrm>
+        </p:spPr>
+        <p:txBody>
+          <a:bodyPr>
+            <a:normAutofit/>
+          </a:bodyPr>
+          <a:lstStyle/>
+          <a:p>
+            <a:r>
+              <a:rPr lang="en-US" dirty="0">
+                <a:solidFill>
+                  <a:srgbClr val="FF0000"/>
+                </a:solidFill>
+              </a:rPr>
+              <a:t>Overview:</a:t>
+            </a:r>
+          </a:p>
+        </p:txBody>
+      </p:sp>
+    </p:spTree>
+    <p:extLst>
+      <p:ext uri="{BB962C8B-B14F-4D97-AF65-F5344CB8AC3E}">
+        <p14:creationId xmlns:p14="http://schemas.microsoft.com/office/powerpoint/2010/main" val="2054071177"/>
+      </p:ext>
+    </p:extLst>
+  </p:cSld>
+  <p:clrMapOvr>
+    <a:masterClrMapping/>
+  </p:clrMapOvr>
+</p:sld>
+</file>
+
+<file path=ppt/slides/slide4.xml><?xml version="1.0" encoding="utf-8"?>
+<p:sld xmlns:a="http://schemas.openxmlformats.org/drawingml/2006/main" xmlns:r="http://schemas.openxmlformats.org/officeDocument/2006/relationships" xmlns:p="http://schemas.openxmlformats.org/presentationml/2006/main">
+  <p:cSld>
+    <p:spTree>
+      <p:nvGrpSpPr>
+        <p:cNvPr id="1" name=""/>
+        <p:cNvGrpSpPr/>
+        <p:nvPr/>
+      </p:nvGrpSpPr>
+      <p:grpSpPr>
+        <a:xfrm>
+          <a:off x="0" y="0"/>
+          <a:ext cx="0" cy="0"/>
+          <a:chOff x="0" y="0"/>
+          <a:chExt cx="0" cy="0"/>
+        </a:xfrm>
+      </p:grpSpPr>
+      <p:sp>
+        <p:nvSpPr>
           <p:cNvPr id="5" name="Rounded Rectangle 4">
             <a:extLst>
               <a:ext uri="{FF2B5EF4-FFF2-40B4-BE49-F238E27FC236}">
@@ -36380,7 +42131,7 @@
 </p:sld>
 </file>
 
-<file path=ppt/slides/slide4.xml><?xml version="1.0" encoding="utf-8"?>
+<file path=ppt/slides/slide5.xml><?xml version="1.0" encoding="utf-8"?>
 <p:sld xmlns:a="http://schemas.openxmlformats.org/drawingml/2006/main" xmlns:r="http://schemas.openxmlformats.org/officeDocument/2006/relationships" xmlns:p="http://schemas.openxmlformats.org/presentationml/2006/main">
   <p:cSld>
     <p:spTree>
@@ -38119,7 +43870,7 @@
 </p:sld>
 </file>
 
-<file path=ppt/slides/slide5.xml><?xml version="1.0" encoding="utf-8"?>
+<file path=ppt/slides/slide6.xml><?xml version="1.0" encoding="utf-8"?>
 <p:sld xmlns:a="http://schemas.openxmlformats.org/drawingml/2006/main" xmlns:r="http://schemas.openxmlformats.org/officeDocument/2006/relationships" xmlns:p="http://schemas.openxmlformats.org/presentationml/2006/main">
   <p:cSld>
     <p:spTree>
@@ -39895,7 +45646,7 @@
 </p:sld>
 </file>
 
-<file path=ppt/slides/slide6.xml><?xml version="1.0" encoding="utf-8"?>
+<file path=ppt/slides/slide7.xml><?xml version="1.0" encoding="utf-8"?>
 <p:sld xmlns:a="http://schemas.openxmlformats.org/drawingml/2006/main" xmlns:r="http://schemas.openxmlformats.org/officeDocument/2006/relationships" xmlns:p="http://schemas.openxmlformats.org/presentationml/2006/main">
   <p:cSld>
     <p:spTree>
@@ -41628,7 +47379,7 @@
 </p:sld>
 </file>
 
-<file path=ppt/slides/slide7.xml><?xml version="1.0" encoding="utf-8"?>
+<file path=ppt/slides/slide8.xml><?xml version="1.0" encoding="utf-8"?>
 <p:sld xmlns:a="http://schemas.openxmlformats.org/drawingml/2006/main" xmlns:r="http://schemas.openxmlformats.org/officeDocument/2006/relationships" xmlns:p="http://schemas.openxmlformats.org/presentationml/2006/main">
   <p:cSld>
     <p:spTree>
@@ -43423,7 +49174,7 @@
 </p:sld>
 </file>
 
-<file path=ppt/slides/slide8.xml><?xml version="1.0" encoding="utf-8"?>
+<file path=ppt/slides/slide9.xml><?xml version="1.0" encoding="utf-8"?>
 <p:sld xmlns:a="http://schemas.openxmlformats.org/drawingml/2006/main" xmlns:r="http://schemas.openxmlformats.org/officeDocument/2006/relationships" xmlns:p="http://schemas.openxmlformats.org/presentationml/2006/main">
   <p:cSld>
     <p:spTree>
@@ -45211,1773 +50962,6 @@
     <p:extLst>
       <p:ext uri="{BB962C8B-B14F-4D97-AF65-F5344CB8AC3E}">
         <p14:creationId xmlns:p14="http://schemas.microsoft.com/office/powerpoint/2010/main" val="521518479"/>
-      </p:ext>
-    </p:extLst>
-  </p:cSld>
-  <p:clrMapOvr>
-    <a:masterClrMapping/>
-  </p:clrMapOvr>
-</p:sld>
-</file>
-
-<file path=ppt/slides/slide9.xml><?xml version="1.0" encoding="utf-8"?>
-<p:sld xmlns:a="http://schemas.openxmlformats.org/drawingml/2006/main" xmlns:r="http://schemas.openxmlformats.org/officeDocument/2006/relationships" xmlns:p="http://schemas.openxmlformats.org/presentationml/2006/main">
-  <p:cSld>
-    <p:spTree>
-      <p:nvGrpSpPr>
-        <p:cNvPr id="1" name=""/>
-        <p:cNvGrpSpPr/>
-        <p:nvPr/>
-      </p:nvGrpSpPr>
-      <p:grpSpPr>
-        <a:xfrm>
-          <a:off x="0" y="0"/>
-          <a:ext cx="0" cy="0"/>
-          <a:chOff x="0" y="0"/>
-          <a:chExt cx="0" cy="0"/>
-        </a:xfrm>
-      </p:grpSpPr>
-      <p:sp>
-        <p:nvSpPr>
-          <p:cNvPr id="6" name="Rounded Rectangle 5">
-            <a:extLst>
-              <a:ext uri="{FF2B5EF4-FFF2-40B4-BE49-F238E27FC236}">
-                <a16:creationId xmlns:a16="http://schemas.microsoft.com/office/drawing/2014/main" id="{86B29247-8203-1B4A-9AE5-5260FB689DEF}"/>
-              </a:ext>
-            </a:extLst>
-          </p:cNvPr>
-          <p:cNvSpPr/>
-          <p:nvPr/>
-        </p:nvSpPr>
-        <p:spPr>
-          <a:xfrm>
-            <a:off x="7754404" y="5393532"/>
-            <a:ext cx="1957422" cy="1420733"/>
-          </a:xfrm>
-          <a:prstGeom prst="roundRect">
-            <a:avLst/>
-          </a:prstGeom>
-          <a:solidFill>
-            <a:schemeClr val="bg1">
-              <a:lumMod val="85000"/>
-            </a:schemeClr>
-          </a:solidFill>
-        </p:spPr>
-        <p:style>
-          <a:lnRef idx="2">
-            <a:schemeClr val="accent1">
-              <a:shade val="50000"/>
-            </a:schemeClr>
-          </a:lnRef>
-          <a:fillRef idx="1">
-            <a:schemeClr val="accent1"/>
-          </a:fillRef>
-          <a:effectRef idx="0">
-            <a:schemeClr val="accent1"/>
-          </a:effectRef>
-          <a:fontRef idx="minor">
-            <a:schemeClr val="lt1"/>
-          </a:fontRef>
-        </p:style>
-        <p:txBody>
-          <a:bodyPr rtlCol="0" anchor="ctr"/>
-          <a:lstStyle/>
-          <a:p>
-            <a:pPr algn="ctr"/>
-            <a:endParaRPr lang="en-US" sz="1050" dirty="0"/>
-          </a:p>
-        </p:txBody>
-      </p:sp>
-      <p:sp>
-        <p:nvSpPr>
-          <p:cNvPr id="7" name="Rounded Rectangle 6">
-            <a:extLst>
-              <a:ext uri="{FF2B5EF4-FFF2-40B4-BE49-F238E27FC236}">
-                <a16:creationId xmlns:a16="http://schemas.microsoft.com/office/drawing/2014/main" id="{D695EC23-43FD-9A4E-AEB5-E63A84873979}"/>
-              </a:ext>
-            </a:extLst>
-          </p:cNvPr>
-          <p:cNvSpPr/>
-          <p:nvPr/>
-        </p:nvSpPr>
-        <p:spPr>
-          <a:xfrm>
-            <a:off x="7963891" y="5432953"/>
-            <a:ext cx="1601732" cy="1297672"/>
-          </a:xfrm>
-          <a:prstGeom prst="roundRect">
-            <a:avLst/>
-          </a:prstGeom>
-          <a:solidFill>
-            <a:schemeClr val="accent1"/>
-          </a:solidFill>
-        </p:spPr>
-        <p:style>
-          <a:lnRef idx="2">
-            <a:schemeClr val="accent1">
-              <a:shade val="50000"/>
-            </a:schemeClr>
-          </a:lnRef>
-          <a:fillRef idx="1">
-            <a:schemeClr val="accent1"/>
-          </a:fillRef>
-          <a:effectRef idx="0">
-            <a:schemeClr val="accent1"/>
-          </a:effectRef>
-          <a:fontRef idx="minor">
-            <a:schemeClr val="lt1"/>
-          </a:fontRef>
-        </p:style>
-        <p:txBody>
-          <a:bodyPr rtlCol="0" anchor="ctr"/>
-          <a:lstStyle/>
-          <a:p>
-            <a:pPr algn="ctr"/>
-            <a:endParaRPr lang="en-US" sz="1050" dirty="0"/>
-          </a:p>
-        </p:txBody>
-      </p:sp>
-      <p:sp>
-        <p:nvSpPr>
-          <p:cNvPr id="26" name="Rectangle 25">
-            <a:extLst>
-              <a:ext uri="{FF2B5EF4-FFF2-40B4-BE49-F238E27FC236}">
-                <a16:creationId xmlns:a16="http://schemas.microsoft.com/office/drawing/2014/main" id="{77E77911-0FD9-A142-A4A4-34BB4082EA39}"/>
-              </a:ext>
-            </a:extLst>
-          </p:cNvPr>
-          <p:cNvSpPr/>
-          <p:nvPr/>
-        </p:nvSpPr>
-        <p:spPr>
-          <a:xfrm>
-            <a:off x="8398751" y="5478847"/>
-            <a:ext cx="776788" cy="185612"/>
-          </a:xfrm>
-          <a:prstGeom prst="rect">
-            <a:avLst/>
-          </a:prstGeom>
-          <a:solidFill>
-            <a:srgbClr val="7030A0"/>
-          </a:solidFill>
-        </p:spPr>
-        <p:style>
-          <a:lnRef idx="2">
-            <a:schemeClr val="accent1">
-              <a:shade val="50000"/>
-            </a:schemeClr>
-          </a:lnRef>
-          <a:fillRef idx="1">
-            <a:schemeClr val="accent1"/>
-          </a:fillRef>
-          <a:effectRef idx="0">
-            <a:schemeClr val="accent1"/>
-          </a:effectRef>
-          <a:fontRef idx="minor">
-            <a:schemeClr val="lt1"/>
-          </a:fontRef>
-        </p:style>
-        <p:txBody>
-          <a:bodyPr rtlCol="0" anchor="ctr"/>
-          <a:lstStyle/>
-          <a:p>
-            <a:pPr algn="ctr"/>
-            <a:r>
-              <a:rPr lang="en-US" sz="900" dirty="0"/>
-              <a:t>ACA</a:t>
-            </a:r>
-          </a:p>
-        </p:txBody>
-      </p:sp>
-      <p:sp>
-        <p:nvSpPr>
-          <p:cNvPr id="2" name="Rectangle 1">
-            <a:extLst>
-              <a:ext uri="{FF2B5EF4-FFF2-40B4-BE49-F238E27FC236}">
-                <a16:creationId xmlns:a16="http://schemas.microsoft.com/office/drawing/2014/main" id="{83DD1A05-FC85-1C46-ADB3-2D6171C7A240}"/>
-              </a:ext>
-            </a:extLst>
-          </p:cNvPr>
-          <p:cNvSpPr/>
-          <p:nvPr/>
-        </p:nvSpPr>
-        <p:spPr>
-          <a:xfrm>
-            <a:off x="7994029" y="5745959"/>
-            <a:ext cx="719238" cy="299832"/>
-          </a:xfrm>
-          <a:prstGeom prst="rect">
-            <a:avLst/>
-          </a:prstGeom>
-        </p:spPr>
-        <p:style>
-          <a:lnRef idx="2">
-            <a:schemeClr val="accent6"/>
-          </a:lnRef>
-          <a:fillRef idx="1">
-            <a:schemeClr val="lt1"/>
-          </a:fillRef>
-          <a:effectRef idx="0">
-            <a:schemeClr val="accent6"/>
-          </a:effectRef>
-          <a:fontRef idx="minor">
-            <a:schemeClr val="dk1"/>
-          </a:fontRef>
-        </p:style>
-        <p:txBody>
-          <a:bodyPr rtlCol="0" anchor="ctr"/>
-          <a:lstStyle/>
-          <a:p>
-            <a:pPr algn="ctr"/>
-            <a:r>
-              <a:rPr lang="en-US" sz="900" dirty="0">
-                <a:solidFill>
-                  <a:schemeClr val="accent6"/>
-                </a:solidFill>
-              </a:rPr>
-              <a:t>VM1</a:t>
-            </a:r>
-          </a:p>
-          <a:p>
-            <a:pPr algn="ctr"/>
-            <a:r>
-              <a:rPr lang="en-US" sz="900" dirty="0">
-                <a:solidFill>
-                  <a:schemeClr val="accent6"/>
-                </a:solidFill>
-              </a:rPr>
-              <a:t>10.0.0.101</a:t>
-            </a:r>
-          </a:p>
-        </p:txBody>
-      </p:sp>
-      <p:sp>
-        <p:nvSpPr>
-          <p:cNvPr id="47" name="Rectangle 46">
-            <a:extLst>
-              <a:ext uri="{FF2B5EF4-FFF2-40B4-BE49-F238E27FC236}">
-                <a16:creationId xmlns:a16="http://schemas.microsoft.com/office/drawing/2014/main" id="{B78D16F2-1DEF-BF4F-B0F2-072F5CA60812}"/>
-              </a:ext>
-            </a:extLst>
-          </p:cNvPr>
-          <p:cNvSpPr/>
-          <p:nvPr/>
-        </p:nvSpPr>
-        <p:spPr>
-          <a:xfrm>
-            <a:off x="7994030" y="6238292"/>
-            <a:ext cx="719237" cy="299832"/>
-          </a:xfrm>
-          <a:prstGeom prst="rect">
-            <a:avLst/>
-          </a:prstGeom>
-        </p:spPr>
-        <p:style>
-          <a:lnRef idx="2">
-            <a:schemeClr val="accent6"/>
-          </a:lnRef>
-          <a:fillRef idx="1">
-            <a:schemeClr val="lt1"/>
-          </a:fillRef>
-          <a:effectRef idx="0">
-            <a:schemeClr val="accent6"/>
-          </a:effectRef>
-          <a:fontRef idx="minor">
-            <a:schemeClr val="dk1"/>
-          </a:fontRef>
-        </p:style>
-        <p:txBody>
-          <a:bodyPr rtlCol="0" anchor="ctr"/>
-          <a:lstStyle/>
-          <a:p>
-            <a:pPr algn="ctr"/>
-            <a:r>
-              <a:rPr lang="en-US" sz="900" dirty="0">
-                <a:solidFill>
-                  <a:srgbClr val="FF0000"/>
-                </a:solidFill>
-              </a:rPr>
-              <a:t>VM2</a:t>
-            </a:r>
-          </a:p>
-          <a:p>
-            <a:pPr algn="ctr"/>
-            <a:r>
-              <a:rPr lang="en-US" sz="900" dirty="0">
-                <a:solidFill>
-                  <a:srgbClr val="FF0000"/>
-                </a:solidFill>
-              </a:rPr>
-              <a:t>10.0.1.102</a:t>
-            </a:r>
-          </a:p>
-        </p:txBody>
-      </p:sp>
-      <p:sp>
-        <p:nvSpPr>
-          <p:cNvPr id="4" name="Card 3">
-            <a:extLst>
-              <a:ext uri="{FF2B5EF4-FFF2-40B4-BE49-F238E27FC236}">
-                <a16:creationId xmlns:a16="http://schemas.microsoft.com/office/drawing/2014/main" id="{288F9827-C38F-DE41-8293-AD2362021959}"/>
-              </a:ext>
-            </a:extLst>
-          </p:cNvPr>
-          <p:cNvSpPr/>
-          <p:nvPr/>
-        </p:nvSpPr>
-        <p:spPr>
-          <a:xfrm>
-            <a:off x="8813807" y="5758355"/>
-            <a:ext cx="481984" cy="275041"/>
-          </a:xfrm>
-          <a:prstGeom prst="flowChartPunchedCard">
-            <a:avLst/>
-          </a:prstGeom>
-        </p:spPr>
-        <p:style>
-          <a:lnRef idx="3">
-            <a:schemeClr val="lt1"/>
-          </a:lnRef>
-          <a:fillRef idx="1">
-            <a:schemeClr val="accent2"/>
-          </a:fillRef>
-          <a:effectRef idx="1">
-            <a:schemeClr val="accent2"/>
-          </a:effectRef>
-          <a:fontRef idx="minor">
-            <a:schemeClr val="lt1"/>
-          </a:fontRef>
-        </p:style>
-        <p:txBody>
-          <a:bodyPr rtlCol="0" anchor="ctr"/>
-          <a:lstStyle/>
-          <a:p>
-            <a:pPr algn="ctr"/>
-            <a:r>
-              <a:rPr lang="en-US" sz="1050" dirty="0">
-                <a:solidFill>
-                  <a:schemeClr val="tx1"/>
-                </a:solidFill>
-              </a:rPr>
-              <a:t>OVS</a:t>
-            </a:r>
-          </a:p>
-        </p:txBody>
-      </p:sp>
-      <p:sp>
-        <p:nvSpPr>
-          <p:cNvPr id="25" name="Rounded Rectangle 24">
-            <a:extLst>
-              <a:ext uri="{FF2B5EF4-FFF2-40B4-BE49-F238E27FC236}">
-                <a16:creationId xmlns:a16="http://schemas.microsoft.com/office/drawing/2014/main" id="{81B0697B-D999-1C40-BE43-F50DA8F2E613}"/>
-              </a:ext>
-            </a:extLst>
-          </p:cNvPr>
-          <p:cNvSpPr/>
-          <p:nvPr/>
-        </p:nvSpPr>
-        <p:spPr>
-          <a:xfrm>
-            <a:off x="10123381" y="5398564"/>
-            <a:ext cx="1957422" cy="1420733"/>
-          </a:xfrm>
-          <a:prstGeom prst="roundRect">
-            <a:avLst/>
-          </a:prstGeom>
-          <a:solidFill>
-            <a:schemeClr val="bg1">
-              <a:lumMod val="85000"/>
-            </a:schemeClr>
-          </a:solidFill>
-        </p:spPr>
-        <p:style>
-          <a:lnRef idx="2">
-            <a:schemeClr val="accent1">
-              <a:shade val="50000"/>
-            </a:schemeClr>
-          </a:lnRef>
-          <a:fillRef idx="1">
-            <a:schemeClr val="accent1"/>
-          </a:fillRef>
-          <a:effectRef idx="0">
-            <a:schemeClr val="accent1"/>
-          </a:effectRef>
-          <a:fontRef idx="minor">
-            <a:schemeClr val="lt1"/>
-          </a:fontRef>
-        </p:style>
-        <p:txBody>
-          <a:bodyPr rtlCol="0" anchor="ctr"/>
-          <a:lstStyle/>
-          <a:p>
-            <a:pPr algn="ctr"/>
-            <a:endParaRPr lang="en-US" sz="1050" dirty="0"/>
-          </a:p>
-        </p:txBody>
-      </p:sp>
-      <p:sp>
-        <p:nvSpPr>
-          <p:cNvPr id="27" name="Rounded Rectangle 26">
-            <a:extLst>
-              <a:ext uri="{FF2B5EF4-FFF2-40B4-BE49-F238E27FC236}">
-                <a16:creationId xmlns:a16="http://schemas.microsoft.com/office/drawing/2014/main" id="{A4458021-C7AA-7845-A2FA-B9E99CF9FF13}"/>
-              </a:ext>
-            </a:extLst>
-          </p:cNvPr>
-          <p:cNvSpPr/>
-          <p:nvPr/>
-        </p:nvSpPr>
-        <p:spPr>
-          <a:xfrm>
-            <a:off x="10332868" y="5432952"/>
-            <a:ext cx="1601732" cy="1302705"/>
-          </a:xfrm>
-          <a:prstGeom prst="roundRect">
-            <a:avLst/>
-          </a:prstGeom>
-          <a:solidFill>
-            <a:schemeClr val="accent1"/>
-          </a:solidFill>
-        </p:spPr>
-        <p:style>
-          <a:lnRef idx="2">
-            <a:schemeClr val="accent1">
-              <a:shade val="50000"/>
-            </a:schemeClr>
-          </a:lnRef>
-          <a:fillRef idx="1">
-            <a:schemeClr val="accent1"/>
-          </a:fillRef>
-          <a:effectRef idx="0">
-            <a:schemeClr val="accent1"/>
-          </a:effectRef>
-          <a:fontRef idx="minor">
-            <a:schemeClr val="lt1"/>
-          </a:fontRef>
-        </p:style>
-        <p:txBody>
-          <a:bodyPr rtlCol="0" anchor="ctr"/>
-          <a:lstStyle/>
-          <a:p>
-            <a:pPr algn="ctr"/>
-            <a:endParaRPr lang="en-US" sz="1050" dirty="0"/>
-          </a:p>
-        </p:txBody>
-      </p:sp>
-      <p:sp>
-        <p:nvSpPr>
-          <p:cNvPr id="28" name="Rectangle 27">
-            <a:extLst>
-              <a:ext uri="{FF2B5EF4-FFF2-40B4-BE49-F238E27FC236}">
-                <a16:creationId xmlns:a16="http://schemas.microsoft.com/office/drawing/2014/main" id="{03AE3161-BD0A-E340-989D-C567B5319DFF}"/>
-              </a:ext>
-            </a:extLst>
-          </p:cNvPr>
-          <p:cNvSpPr/>
-          <p:nvPr/>
-        </p:nvSpPr>
-        <p:spPr>
-          <a:xfrm>
-            <a:off x="10745340" y="5488735"/>
-            <a:ext cx="776788" cy="185612"/>
-          </a:xfrm>
-          <a:prstGeom prst="rect">
-            <a:avLst/>
-          </a:prstGeom>
-          <a:solidFill>
-            <a:srgbClr val="7030A0"/>
-          </a:solidFill>
-        </p:spPr>
-        <p:style>
-          <a:lnRef idx="2">
-            <a:schemeClr val="accent1">
-              <a:shade val="50000"/>
-            </a:schemeClr>
-          </a:lnRef>
-          <a:fillRef idx="1">
-            <a:schemeClr val="accent1"/>
-          </a:fillRef>
-          <a:effectRef idx="0">
-            <a:schemeClr val="accent1"/>
-          </a:effectRef>
-          <a:fontRef idx="minor">
-            <a:schemeClr val="lt1"/>
-          </a:fontRef>
-        </p:style>
-        <p:txBody>
-          <a:bodyPr rtlCol="0" anchor="ctr"/>
-          <a:lstStyle/>
-          <a:p>
-            <a:pPr algn="ctr"/>
-            <a:r>
-              <a:rPr lang="en-US" sz="900" dirty="0"/>
-              <a:t>ACA</a:t>
-            </a:r>
-          </a:p>
-        </p:txBody>
-      </p:sp>
-      <p:sp>
-        <p:nvSpPr>
-          <p:cNvPr id="29" name="TextBox 28">
-            <a:extLst>
-              <a:ext uri="{FF2B5EF4-FFF2-40B4-BE49-F238E27FC236}">
-                <a16:creationId xmlns:a16="http://schemas.microsoft.com/office/drawing/2014/main" id="{EBF2506E-16F2-914C-A9B4-9B9793F4BD48}"/>
-              </a:ext>
-            </a:extLst>
-          </p:cNvPr>
-          <p:cNvSpPr txBox="1"/>
-          <p:nvPr/>
-        </p:nvSpPr>
-        <p:spPr>
-          <a:xfrm rot="16200000">
-            <a:off x="9582513" y="5901585"/>
-            <a:ext cx="1293107" cy="276999"/>
-          </a:xfrm>
-          <a:prstGeom prst="rect">
-            <a:avLst/>
-          </a:prstGeom>
-          <a:noFill/>
-        </p:spPr>
-        <p:txBody>
-          <a:bodyPr wrap="square" rtlCol="0">
-            <a:spAutoFit/>
-          </a:bodyPr>
-          <a:lstStyle/>
-          <a:p>
-            <a:r>
-              <a:rPr lang="en-US" sz="1200" dirty="0"/>
-              <a:t>Compute Host N</a:t>
-            </a:r>
-          </a:p>
-        </p:txBody>
-      </p:sp>
-      <p:sp>
-        <p:nvSpPr>
-          <p:cNvPr id="30" name="Rectangle 29">
-            <a:extLst>
-              <a:ext uri="{FF2B5EF4-FFF2-40B4-BE49-F238E27FC236}">
-                <a16:creationId xmlns:a16="http://schemas.microsoft.com/office/drawing/2014/main" id="{0C841257-32A4-FD4A-B3DD-9A477B733363}"/>
-              </a:ext>
-            </a:extLst>
-          </p:cNvPr>
-          <p:cNvSpPr/>
-          <p:nvPr/>
-        </p:nvSpPr>
-        <p:spPr>
-          <a:xfrm>
-            <a:off x="10349098" y="5758354"/>
-            <a:ext cx="702636" cy="299832"/>
-          </a:xfrm>
-          <a:prstGeom prst="rect">
-            <a:avLst/>
-          </a:prstGeom>
-        </p:spPr>
-        <p:style>
-          <a:lnRef idx="2">
-            <a:schemeClr val="accent6"/>
-          </a:lnRef>
-          <a:fillRef idx="1">
-            <a:schemeClr val="lt1"/>
-          </a:fillRef>
-          <a:effectRef idx="0">
-            <a:schemeClr val="accent6"/>
-          </a:effectRef>
-          <a:fontRef idx="minor">
-            <a:schemeClr val="dk1"/>
-          </a:fontRef>
-        </p:style>
-        <p:txBody>
-          <a:bodyPr rtlCol="0" anchor="ctr"/>
-          <a:lstStyle/>
-          <a:p>
-            <a:pPr algn="ctr"/>
-            <a:r>
-              <a:rPr lang="en-US" sz="900" dirty="0">
-                <a:solidFill>
-                  <a:schemeClr val="accent6"/>
-                </a:solidFill>
-              </a:rPr>
-              <a:t>VM3</a:t>
-            </a:r>
-          </a:p>
-          <a:p>
-            <a:pPr algn="ctr"/>
-            <a:r>
-              <a:rPr lang="en-US" sz="900" dirty="0">
-                <a:solidFill>
-                  <a:schemeClr val="accent6"/>
-                </a:solidFill>
-              </a:rPr>
-              <a:t>10.0.0.105</a:t>
-            </a:r>
-          </a:p>
-        </p:txBody>
-      </p:sp>
-      <p:sp>
-        <p:nvSpPr>
-          <p:cNvPr id="31" name="Rectangle 30">
-            <a:extLst>
-              <a:ext uri="{FF2B5EF4-FFF2-40B4-BE49-F238E27FC236}">
-                <a16:creationId xmlns:a16="http://schemas.microsoft.com/office/drawing/2014/main" id="{DA0CA20A-D071-7547-93E7-68F8906F5732}"/>
-              </a:ext>
-            </a:extLst>
-          </p:cNvPr>
-          <p:cNvSpPr/>
-          <p:nvPr/>
-        </p:nvSpPr>
-        <p:spPr>
-          <a:xfrm>
-            <a:off x="10349099" y="6306845"/>
-            <a:ext cx="702635" cy="299832"/>
-          </a:xfrm>
-          <a:prstGeom prst="rect">
-            <a:avLst/>
-          </a:prstGeom>
-        </p:spPr>
-        <p:style>
-          <a:lnRef idx="2">
-            <a:schemeClr val="accent6"/>
-          </a:lnRef>
-          <a:fillRef idx="1">
-            <a:schemeClr val="lt1"/>
-          </a:fillRef>
-          <a:effectRef idx="0">
-            <a:schemeClr val="accent6"/>
-          </a:effectRef>
-          <a:fontRef idx="minor">
-            <a:schemeClr val="dk1"/>
-          </a:fontRef>
-        </p:style>
-        <p:txBody>
-          <a:bodyPr rtlCol="0" anchor="ctr"/>
-          <a:lstStyle/>
-          <a:p>
-            <a:pPr algn="ctr"/>
-            <a:r>
-              <a:rPr lang="en-US" sz="900" dirty="0">
-                <a:solidFill>
-                  <a:srgbClr val="FF0000"/>
-                </a:solidFill>
-              </a:rPr>
-              <a:t>VM4</a:t>
-            </a:r>
-          </a:p>
-          <a:p>
-            <a:pPr algn="ctr"/>
-            <a:r>
-              <a:rPr lang="en-US" sz="900" dirty="0">
-                <a:solidFill>
-                  <a:srgbClr val="FF0000"/>
-                </a:solidFill>
-              </a:rPr>
-              <a:t>10.0.1.106</a:t>
-            </a:r>
-          </a:p>
-        </p:txBody>
-      </p:sp>
-      <p:sp>
-        <p:nvSpPr>
-          <p:cNvPr id="32" name="Card 31">
-            <a:extLst>
-              <a:ext uri="{FF2B5EF4-FFF2-40B4-BE49-F238E27FC236}">
-                <a16:creationId xmlns:a16="http://schemas.microsoft.com/office/drawing/2014/main" id="{F13D2423-36A7-D443-B03C-8F0476C2ABC4}"/>
-              </a:ext>
-            </a:extLst>
-          </p:cNvPr>
-          <p:cNvSpPr/>
-          <p:nvPr/>
-        </p:nvSpPr>
-        <p:spPr>
-          <a:xfrm>
-            <a:off x="11133734" y="5758354"/>
-            <a:ext cx="481984" cy="275041"/>
-          </a:xfrm>
-          <a:prstGeom prst="flowChartPunchedCard">
-            <a:avLst/>
-          </a:prstGeom>
-        </p:spPr>
-        <p:style>
-          <a:lnRef idx="3">
-            <a:schemeClr val="lt1"/>
-          </a:lnRef>
-          <a:fillRef idx="1">
-            <a:schemeClr val="accent2"/>
-          </a:fillRef>
-          <a:effectRef idx="1">
-            <a:schemeClr val="accent2"/>
-          </a:effectRef>
-          <a:fontRef idx="minor">
-            <a:schemeClr val="lt1"/>
-          </a:fontRef>
-        </p:style>
-        <p:txBody>
-          <a:bodyPr rtlCol="0" anchor="ctr"/>
-          <a:lstStyle/>
-          <a:p>
-            <a:pPr algn="ctr"/>
-            <a:r>
-              <a:rPr lang="en-US" sz="1050" dirty="0">
-                <a:solidFill>
-                  <a:schemeClr val="tx1"/>
-                </a:solidFill>
-              </a:rPr>
-              <a:t>OVS</a:t>
-            </a:r>
-          </a:p>
-        </p:txBody>
-      </p:sp>
-      <p:sp>
-        <p:nvSpPr>
-          <p:cNvPr id="34" name="Rounded Rectangle 33">
-            <a:extLst>
-              <a:ext uri="{FF2B5EF4-FFF2-40B4-BE49-F238E27FC236}">
-                <a16:creationId xmlns:a16="http://schemas.microsoft.com/office/drawing/2014/main" id="{B5E0BD5F-FCAC-5C41-9218-2A414006B604}"/>
-              </a:ext>
-            </a:extLst>
-          </p:cNvPr>
-          <p:cNvSpPr/>
-          <p:nvPr/>
-        </p:nvSpPr>
-        <p:spPr>
-          <a:xfrm>
-            <a:off x="8747472" y="3443706"/>
-            <a:ext cx="1957422" cy="1179108"/>
-          </a:xfrm>
-          <a:prstGeom prst="roundRect">
-            <a:avLst/>
-          </a:prstGeom>
-          <a:solidFill>
-            <a:schemeClr val="bg1">
-              <a:lumMod val="85000"/>
-            </a:schemeClr>
-          </a:solidFill>
-        </p:spPr>
-        <p:style>
-          <a:lnRef idx="2">
-            <a:schemeClr val="accent1">
-              <a:shade val="50000"/>
-            </a:schemeClr>
-          </a:lnRef>
-          <a:fillRef idx="1">
-            <a:schemeClr val="accent1"/>
-          </a:fillRef>
-          <a:effectRef idx="0">
-            <a:schemeClr val="accent1"/>
-          </a:effectRef>
-          <a:fontRef idx="minor">
-            <a:schemeClr val="lt1"/>
-          </a:fontRef>
-        </p:style>
-        <p:txBody>
-          <a:bodyPr rtlCol="0" anchor="ctr"/>
-          <a:lstStyle/>
-          <a:p>
-            <a:pPr algn="ctr"/>
-            <a:endParaRPr lang="en-US" sz="1050" dirty="0"/>
-          </a:p>
-        </p:txBody>
-      </p:sp>
-      <p:sp>
-        <p:nvSpPr>
-          <p:cNvPr id="35" name="Rounded Rectangle 34">
-            <a:extLst>
-              <a:ext uri="{FF2B5EF4-FFF2-40B4-BE49-F238E27FC236}">
-                <a16:creationId xmlns:a16="http://schemas.microsoft.com/office/drawing/2014/main" id="{C64D45DD-C673-4446-9329-00988BA082EE}"/>
-              </a:ext>
-            </a:extLst>
-          </p:cNvPr>
-          <p:cNvSpPr/>
-          <p:nvPr/>
-        </p:nvSpPr>
-        <p:spPr>
-          <a:xfrm>
-            <a:off x="9151446" y="3484021"/>
-            <a:ext cx="1391370" cy="1022555"/>
-          </a:xfrm>
-          <a:prstGeom prst="roundRect">
-            <a:avLst/>
-          </a:prstGeom>
-          <a:solidFill>
-            <a:schemeClr val="accent1"/>
-          </a:solidFill>
-        </p:spPr>
-        <p:style>
-          <a:lnRef idx="2">
-            <a:schemeClr val="accent1">
-              <a:shade val="50000"/>
-            </a:schemeClr>
-          </a:lnRef>
-          <a:fillRef idx="1">
-            <a:schemeClr val="accent1"/>
-          </a:fillRef>
-          <a:effectRef idx="0">
-            <a:schemeClr val="accent1"/>
-          </a:effectRef>
-          <a:fontRef idx="minor">
-            <a:schemeClr val="lt1"/>
-          </a:fontRef>
-        </p:style>
-        <p:txBody>
-          <a:bodyPr rtlCol="0" anchor="ctr"/>
-          <a:lstStyle/>
-          <a:p>
-            <a:pPr algn="ctr"/>
-            <a:endParaRPr lang="en-US" sz="1050" dirty="0"/>
-          </a:p>
-        </p:txBody>
-      </p:sp>
-      <p:sp>
-        <p:nvSpPr>
-          <p:cNvPr id="36" name="Rectangle 35">
-            <a:extLst>
-              <a:ext uri="{FF2B5EF4-FFF2-40B4-BE49-F238E27FC236}">
-                <a16:creationId xmlns:a16="http://schemas.microsoft.com/office/drawing/2014/main" id="{9D65845D-17D8-044D-93D6-CDB0E27EAD51}"/>
-              </a:ext>
-            </a:extLst>
-          </p:cNvPr>
-          <p:cNvSpPr/>
-          <p:nvPr/>
-        </p:nvSpPr>
-        <p:spPr>
-          <a:xfrm>
-            <a:off x="9285805" y="4232621"/>
-            <a:ext cx="776788" cy="185612"/>
-          </a:xfrm>
-          <a:prstGeom prst="rect">
-            <a:avLst/>
-          </a:prstGeom>
-          <a:solidFill>
-            <a:srgbClr val="7030A0"/>
-          </a:solidFill>
-        </p:spPr>
-        <p:style>
-          <a:lnRef idx="2">
-            <a:schemeClr val="accent1">
-              <a:shade val="50000"/>
-            </a:schemeClr>
-          </a:lnRef>
-          <a:fillRef idx="1">
-            <a:schemeClr val="accent1"/>
-          </a:fillRef>
-          <a:effectRef idx="0">
-            <a:schemeClr val="accent1"/>
-          </a:effectRef>
-          <a:fontRef idx="minor">
-            <a:schemeClr val="lt1"/>
-          </a:fontRef>
-        </p:style>
-        <p:txBody>
-          <a:bodyPr rtlCol="0" anchor="ctr"/>
-          <a:lstStyle/>
-          <a:p>
-            <a:pPr algn="ctr"/>
-            <a:r>
-              <a:rPr lang="en-US" sz="900" dirty="0"/>
-              <a:t>Alcor Group Agent</a:t>
-            </a:r>
-          </a:p>
-        </p:txBody>
-      </p:sp>
-      <p:sp>
-        <p:nvSpPr>
-          <p:cNvPr id="53" name="Rounded Rectangle 52">
-            <a:extLst>
-              <a:ext uri="{FF2B5EF4-FFF2-40B4-BE49-F238E27FC236}">
-                <a16:creationId xmlns:a16="http://schemas.microsoft.com/office/drawing/2014/main" id="{020E6211-18A3-824B-90EF-FDD27F327315}"/>
-              </a:ext>
-            </a:extLst>
-          </p:cNvPr>
-          <p:cNvSpPr/>
-          <p:nvPr/>
-        </p:nvSpPr>
-        <p:spPr>
-          <a:xfrm>
-            <a:off x="8899872" y="3602759"/>
-            <a:ext cx="1957422" cy="1172455"/>
-          </a:xfrm>
-          <a:prstGeom prst="roundRect">
-            <a:avLst/>
-          </a:prstGeom>
-          <a:solidFill>
-            <a:schemeClr val="bg1">
-              <a:lumMod val="85000"/>
-            </a:schemeClr>
-          </a:solidFill>
-        </p:spPr>
-        <p:style>
-          <a:lnRef idx="2">
-            <a:schemeClr val="accent1">
-              <a:shade val="50000"/>
-            </a:schemeClr>
-          </a:lnRef>
-          <a:fillRef idx="1">
-            <a:schemeClr val="accent1"/>
-          </a:fillRef>
-          <a:effectRef idx="0">
-            <a:schemeClr val="accent1"/>
-          </a:effectRef>
-          <a:fontRef idx="minor">
-            <a:schemeClr val="lt1"/>
-          </a:fontRef>
-        </p:style>
-        <p:txBody>
-          <a:bodyPr rtlCol="0" anchor="ctr"/>
-          <a:lstStyle/>
-          <a:p>
-            <a:pPr algn="ctr"/>
-            <a:endParaRPr lang="en-US" sz="1050" dirty="0"/>
-          </a:p>
-        </p:txBody>
-      </p:sp>
-      <p:sp>
-        <p:nvSpPr>
-          <p:cNvPr id="56" name="Rounded Rectangle 55">
-            <a:extLst>
-              <a:ext uri="{FF2B5EF4-FFF2-40B4-BE49-F238E27FC236}">
-                <a16:creationId xmlns:a16="http://schemas.microsoft.com/office/drawing/2014/main" id="{9AFAA2F9-6929-3D4A-9E5C-8E46C825E718}"/>
-              </a:ext>
-            </a:extLst>
-          </p:cNvPr>
-          <p:cNvSpPr/>
-          <p:nvPr/>
-        </p:nvSpPr>
-        <p:spPr>
-          <a:xfrm>
-            <a:off x="9303846" y="3636421"/>
-            <a:ext cx="1391370" cy="1022555"/>
-          </a:xfrm>
-          <a:prstGeom prst="roundRect">
-            <a:avLst/>
-          </a:prstGeom>
-          <a:solidFill>
-            <a:schemeClr val="accent1"/>
-          </a:solidFill>
-        </p:spPr>
-        <p:style>
-          <a:lnRef idx="2">
-            <a:schemeClr val="accent1">
-              <a:shade val="50000"/>
-            </a:schemeClr>
-          </a:lnRef>
-          <a:fillRef idx="1">
-            <a:schemeClr val="accent1"/>
-          </a:fillRef>
-          <a:effectRef idx="0">
-            <a:schemeClr val="accent1"/>
-          </a:effectRef>
-          <a:fontRef idx="minor">
-            <a:schemeClr val="lt1"/>
-          </a:fontRef>
-        </p:style>
-        <p:txBody>
-          <a:bodyPr rtlCol="0" anchor="ctr"/>
-          <a:lstStyle/>
-          <a:p>
-            <a:pPr algn="ctr"/>
-            <a:endParaRPr lang="en-US" sz="1050" dirty="0"/>
-          </a:p>
-        </p:txBody>
-      </p:sp>
-      <p:sp>
-        <p:nvSpPr>
-          <p:cNvPr id="57" name="Rectangle 56">
-            <a:extLst>
-              <a:ext uri="{FF2B5EF4-FFF2-40B4-BE49-F238E27FC236}">
-                <a16:creationId xmlns:a16="http://schemas.microsoft.com/office/drawing/2014/main" id="{93DFF0BB-3097-8142-88CA-66FED30A7B03}"/>
-              </a:ext>
-            </a:extLst>
-          </p:cNvPr>
-          <p:cNvSpPr/>
-          <p:nvPr/>
-        </p:nvSpPr>
-        <p:spPr>
-          <a:xfrm>
-            <a:off x="9438205" y="4385021"/>
-            <a:ext cx="776788" cy="185612"/>
-          </a:xfrm>
-          <a:prstGeom prst="rect">
-            <a:avLst/>
-          </a:prstGeom>
-          <a:solidFill>
-            <a:srgbClr val="7030A0"/>
-          </a:solidFill>
-        </p:spPr>
-        <p:style>
-          <a:lnRef idx="2">
-            <a:schemeClr val="accent1">
-              <a:shade val="50000"/>
-            </a:schemeClr>
-          </a:lnRef>
-          <a:fillRef idx="1">
-            <a:schemeClr val="accent1"/>
-          </a:fillRef>
-          <a:effectRef idx="0">
-            <a:schemeClr val="accent1"/>
-          </a:effectRef>
-          <a:fontRef idx="minor">
-            <a:schemeClr val="lt1"/>
-          </a:fontRef>
-        </p:style>
-        <p:txBody>
-          <a:bodyPr rtlCol="0" anchor="ctr"/>
-          <a:lstStyle/>
-          <a:p>
-            <a:pPr algn="ctr"/>
-            <a:r>
-              <a:rPr lang="en-US" sz="900" dirty="0"/>
-              <a:t>Alcor Group Agent</a:t>
-            </a:r>
-          </a:p>
-        </p:txBody>
-      </p:sp>
-      <p:sp>
-        <p:nvSpPr>
-          <p:cNvPr id="61" name="Rounded Rectangle 60">
-            <a:extLst>
-              <a:ext uri="{FF2B5EF4-FFF2-40B4-BE49-F238E27FC236}">
-                <a16:creationId xmlns:a16="http://schemas.microsoft.com/office/drawing/2014/main" id="{0E7AC90A-56B4-F240-A90A-33948EF85BBF}"/>
-              </a:ext>
-            </a:extLst>
-          </p:cNvPr>
-          <p:cNvSpPr/>
-          <p:nvPr/>
-        </p:nvSpPr>
-        <p:spPr>
-          <a:xfrm>
-            <a:off x="9052272" y="3750805"/>
-            <a:ext cx="1957422" cy="1176809"/>
-          </a:xfrm>
-          <a:prstGeom prst="roundRect">
-            <a:avLst/>
-          </a:prstGeom>
-          <a:solidFill>
-            <a:schemeClr val="bg1">
-              <a:lumMod val="85000"/>
-            </a:schemeClr>
-          </a:solidFill>
-        </p:spPr>
-        <p:style>
-          <a:lnRef idx="2">
-            <a:schemeClr val="accent1">
-              <a:shade val="50000"/>
-            </a:schemeClr>
-          </a:lnRef>
-          <a:fillRef idx="1">
-            <a:schemeClr val="accent1"/>
-          </a:fillRef>
-          <a:effectRef idx="0">
-            <a:schemeClr val="accent1"/>
-          </a:effectRef>
-          <a:fontRef idx="minor">
-            <a:schemeClr val="lt1"/>
-          </a:fontRef>
-        </p:style>
-        <p:txBody>
-          <a:bodyPr rtlCol="0" anchor="ctr"/>
-          <a:lstStyle/>
-          <a:p>
-            <a:pPr algn="ctr"/>
-            <a:endParaRPr lang="en-US" sz="1050" dirty="0"/>
-          </a:p>
-        </p:txBody>
-      </p:sp>
-      <p:sp>
-        <p:nvSpPr>
-          <p:cNvPr id="62" name="Rounded Rectangle 61">
-            <a:extLst>
-              <a:ext uri="{FF2B5EF4-FFF2-40B4-BE49-F238E27FC236}">
-                <a16:creationId xmlns:a16="http://schemas.microsoft.com/office/drawing/2014/main" id="{2A740A94-F84F-A24D-8214-33542C7BF26E}"/>
-              </a:ext>
-            </a:extLst>
-          </p:cNvPr>
-          <p:cNvSpPr/>
-          <p:nvPr/>
-        </p:nvSpPr>
-        <p:spPr>
-          <a:xfrm>
-            <a:off x="9456246" y="3788821"/>
-            <a:ext cx="1391370" cy="1022555"/>
-          </a:xfrm>
-          <a:prstGeom prst="roundRect">
-            <a:avLst/>
-          </a:prstGeom>
-          <a:solidFill>
-            <a:schemeClr val="accent1"/>
-          </a:solidFill>
-        </p:spPr>
-        <p:style>
-          <a:lnRef idx="2">
-            <a:schemeClr val="accent1">
-              <a:shade val="50000"/>
-            </a:schemeClr>
-          </a:lnRef>
-          <a:fillRef idx="1">
-            <a:schemeClr val="accent1"/>
-          </a:fillRef>
-          <a:effectRef idx="0">
-            <a:schemeClr val="accent1"/>
-          </a:effectRef>
-          <a:fontRef idx="minor">
-            <a:schemeClr val="lt1"/>
-          </a:fontRef>
-        </p:style>
-        <p:txBody>
-          <a:bodyPr rtlCol="0" anchor="ctr"/>
-          <a:lstStyle/>
-          <a:p>
-            <a:pPr algn="ctr"/>
-            <a:endParaRPr lang="en-US" sz="1050" dirty="0"/>
-          </a:p>
-        </p:txBody>
-      </p:sp>
-      <p:sp>
-        <p:nvSpPr>
-          <p:cNvPr id="63" name="Rectangle 62">
-            <a:extLst>
-              <a:ext uri="{FF2B5EF4-FFF2-40B4-BE49-F238E27FC236}">
-                <a16:creationId xmlns:a16="http://schemas.microsoft.com/office/drawing/2014/main" id="{8F3B2E56-3D72-F742-B394-16DA01152CF4}"/>
-              </a:ext>
-            </a:extLst>
-          </p:cNvPr>
-          <p:cNvSpPr/>
-          <p:nvPr/>
-        </p:nvSpPr>
-        <p:spPr>
-          <a:xfrm>
-            <a:off x="9753795" y="4558672"/>
-            <a:ext cx="776788" cy="185612"/>
-          </a:xfrm>
-          <a:prstGeom prst="rect">
-            <a:avLst/>
-          </a:prstGeom>
-          <a:solidFill>
-            <a:srgbClr val="00B050"/>
-          </a:solidFill>
-        </p:spPr>
-        <p:style>
-          <a:lnRef idx="2">
-            <a:schemeClr val="accent1">
-              <a:shade val="50000"/>
-            </a:schemeClr>
-          </a:lnRef>
-          <a:fillRef idx="1">
-            <a:schemeClr val="accent1"/>
-          </a:fillRef>
-          <a:effectRef idx="0">
-            <a:schemeClr val="accent1"/>
-          </a:effectRef>
-          <a:fontRef idx="minor">
-            <a:schemeClr val="lt1"/>
-          </a:fontRef>
-        </p:style>
-        <p:txBody>
-          <a:bodyPr rtlCol="0" anchor="ctr"/>
-          <a:lstStyle/>
-          <a:p>
-            <a:pPr algn="ctr"/>
-            <a:r>
-              <a:rPr lang="en-US" sz="900" dirty="0">
-                <a:solidFill>
-                  <a:srgbClr val="FF0000"/>
-                </a:solidFill>
-              </a:rPr>
-              <a:t>AGA</a:t>
-            </a:r>
-          </a:p>
-        </p:txBody>
-      </p:sp>
-      <p:sp>
-        <p:nvSpPr>
-          <p:cNvPr id="65" name="Can 64">
-            <a:extLst>
-              <a:ext uri="{FF2B5EF4-FFF2-40B4-BE49-F238E27FC236}">
-                <a16:creationId xmlns:a16="http://schemas.microsoft.com/office/drawing/2014/main" id="{528DD932-3315-424E-8AC0-57B31A74D3DF}"/>
-              </a:ext>
-            </a:extLst>
-          </p:cNvPr>
-          <p:cNvSpPr/>
-          <p:nvPr/>
-        </p:nvSpPr>
-        <p:spPr>
-          <a:xfrm>
-            <a:off x="7792550" y="237206"/>
-            <a:ext cx="4165843" cy="3830763"/>
-          </a:xfrm>
-          <a:prstGeom prst="can">
-            <a:avLst/>
-          </a:prstGeom>
-        </p:spPr>
-        <p:style>
-          <a:lnRef idx="2">
-            <a:schemeClr val="accent4">
-              <a:shade val="50000"/>
-            </a:schemeClr>
-          </a:lnRef>
-          <a:fillRef idx="1">
-            <a:schemeClr val="accent4"/>
-          </a:fillRef>
-          <a:effectRef idx="0">
-            <a:schemeClr val="accent4"/>
-          </a:effectRef>
-          <a:fontRef idx="minor">
-            <a:schemeClr val="lt1"/>
-          </a:fontRef>
-        </p:style>
-        <p:txBody>
-          <a:bodyPr rtlCol="0" anchor="ctr"/>
-          <a:lstStyle/>
-          <a:p>
-            <a:pPr algn="ctr"/>
-            <a:r>
-              <a:rPr lang="en-US" sz="2000" dirty="0"/>
-              <a:t>Shared in memory GS Configuration Cache for each Host</a:t>
-            </a:r>
-          </a:p>
-        </p:txBody>
-      </p:sp>
-      <p:sp>
-        <p:nvSpPr>
-          <p:cNvPr id="16" name="Up-Down Arrow 15">
-            <a:extLst>
-              <a:ext uri="{FF2B5EF4-FFF2-40B4-BE49-F238E27FC236}">
-                <a16:creationId xmlns:a16="http://schemas.microsoft.com/office/drawing/2014/main" id="{762920A0-F3A5-9448-B570-C9EB19C273F1}"/>
-              </a:ext>
-            </a:extLst>
-          </p:cNvPr>
-          <p:cNvSpPr/>
-          <p:nvPr/>
-        </p:nvSpPr>
-        <p:spPr>
-          <a:xfrm rot="3553710" flipH="1">
-            <a:off x="9197752" y="4413843"/>
-            <a:ext cx="126493" cy="1350277"/>
-          </a:xfrm>
-          <a:prstGeom prst="upDownArrow">
-            <a:avLst/>
-          </a:prstGeom>
-          <a:solidFill>
-            <a:srgbClr val="FFFF00"/>
-          </a:solidFill>
-        </p:spPr>
-        <p:style>
-          <a:lnRef idx="2">
-            <a:schemeClr val="accent1">
-              <a:shade val="50000"/>
-            </a:schemeClr>
-          </a:lnRef>
-          <a:fillRef idx="1">
-            <a:schemeClr val="accent1"/>
-          </a:fillRef>
-          <a:effectRef idx="0">
-            <a:schemeClr val="accent1"/>
-          </a:effectRef>
-          <a:fontRef idx="minor">
-            <a:schemeClr val="lt1"/>
-          </a:fontRef>
-        </p:style>
-        <p:txBody>
-          <a:bodyPr rtlCol="0" anchor="ctr"/>
-          <a:lstStyle/>
-          <a:p>
-            <a:pPr algn="ctr"/>
-            <a:endParaRPr lang="en-US" sz="1050" dirty="0"/>
-          </a:p>
-        </p:txBody>
-      </p:sp>
-      <p:sp>
-        <p:nvSpPr>
-          <p:cNvPr id="96" name="Up-Down Arrow 95">
-            <a:extLst>
-              <a:ext uri="{FF2B5EF4-FFF2-40B4-BE49-F238E27FC236}">
-                <a16:creationId xmlns:a16="http://schemas.microsoft.com/office/drawing/2014/main" id="{7C1835D1-AF33-A842-A69E-A167B340C172}"/>
-              </a:ext>
-            </a:extLst>
-          </p:cNvPr>
-          <p:cNvSpPr/>
-          <p:nvPr/>
-        </p:nvSpPr>
-        <p:spPr>
-          <a:xfrm rot="7542028" flipH="1">
-            <a:off x="10695775" y="4489057"/>
-            <a:ext cx="134980" cy="1219831"/>
-          </a:xfrm>
-          <a:prstGeom prst="upDownArrow">
-            <a:avLst/>
-          </a:prstGeom>
-          <a:solidFill>
-            <a:srgbClr val="FFFF00"/>
-          </a:solidFill>
-        </p:spPr>
-        <p:style>
-          <a:lnRef idx="2">
-            <a:schemeClr val="accent1">
-              <a:shade val="50000"/>
-            </a:schemeClr>
-          </a:lnRef>
-          <a:fillRef idx="1">
-            <a:schemeClr val="accent1"/>
-          </a:fillRef>
-          <a:effectRef idx="0">
-            <a:schemeClr val="accent1"/>
-          </a:effectRef>
-          <a:fontRef idx="minor">
-            <a:schemeClr val="lt1"/>
-          </a:fontRef>
-        </p:style>
-        <p:txBody>
-          <a:bodyPr rtlCol="0" anchor="ctr"/>
-          <a:lstStyle/>
-          <a:p>
-            <a:pPr algn="ctr"/>
-            <a:endParaRPr lang="en-US" sz="1050" dirty="0"/>
-          </a:p>
-        </p:txBody>
-      </p:sp>
-      <p:sp>
-        <p:nvSpPr>
-          <p:cNvPr id="68" name="TextBox 67">
-            <a:extLst>
-              <a:ext uri="{FF2B5EF4-FFF2-40B4-BE49-F238E27FC236}">
-                <a16:creationId xmlns:a16="http://schemas.microsoft.com/office/drawing/2014/main" id="{50412E84-7CF7-1645-93DE-51F09B9480E7}"/>
-              </a:ext>
-            </a:extLst>
-          </p:cNvPr>
-          <p:cNvSpPr txBox="1"/>
-          <p:nvPr/>
-        </p:nvSpPr>
-        <p:spPr>
-          <a:xfrm>
-            <a:off x="9615982" y="4933505"/>
-            <a:ext cx="700479" cy="584775"/>
-          </a:xfrm>
-          <a:prstGeom prst="rect">
-            <a:avLst/>
-          </a:prstGeom>
-          <a:noFill/>
-        </p:spPr>
-        <p:txBody>
-          <a:bodyPr wrap="square" rtlCol="0">
-            <a:spAutoFit/>
-          </a:bodyPr>
-          <a:lstStyle/>
-          <a:p>
-            <a:r>
-              <a:rPr lang="en-US" sz="800" dirty="0" err="1"/>
-              <a:t>grpc</a:t>
-            </a:r>
-            <a:r>
-              <a:rPr lang="en-US" sz="800" dirty="0"/>
-              <a:t> long lived streaming connections</a:t>
-            </a:r>
-          </a:p>
-        </p:txBody>
-      </p:sp>
-      <p:sp>
-        <p:nvSpPr>
-          <p:cNvPr id="69" name="TextBox 68">
-            <a:extLst>
-              <a:ext uri="{FF2B5EF4-FFF2-40B4-BE49-F238E27FC236}">
-                <a16:creationId xmlns:a16="http://schemas.microsoft.com/office/drawing/2014/main" id="{42202DE4-8605-5946-A004-D2D5675E7F37}"/>
-              </a:ext>
-            </a:extLst>
-          </p:cNvPr>
-          <p:cNvSpPr txBox="1"/>
-          <p:nvPr/>
-        </p:nvSpPr>
-        <p:spPr>
-          <a:xfrm>
-            <a:off x="9713121" y="5813184"/>
-            <a:ext cx="657118" cy="369332"/>
-          </a:xfrm>
-          <a:prstGeom prst="rect">
-            <a:avLst/>
-          </a:prstGeom>
-          <a:noFill/>
-        </p:spPr>
-        <p:txBody>
-          <a:bodyPr wrap="square" rtlCol="0">
-            <a:spAutoFit/>
-          </a:bodyPr>
-          <a:lstStyle/>
-          <a:p>
-            <a:r>
-              <a:rPr lang="en-US" dirty="0"/>
-              <a:t>…</a:t>
-            </a:r>
-          </a:p>
-        </p:txBody>
-      </p:sp>
-      <p:sp>
-        <p:nvSpPr>
-          <p:cNvPr id="84" name="Title 1">
-            <a:extLst>
-              <a:ext uri="{FF2B5EF4-FFF2-40B4-BE49-F238E27FC236}">
-                <a16:creationId xmlns:a16="http://schemas.microsoft.com/office/drawing/2014/main" id="{69DE01E8-8FC5-574F-9E9A-CB7019F7752F}"/>
-              </a:ext>
-            </a:extLst>
-          </p:cNvPr>
-          <p:cNvSpPr>
-            <a:spLocks noGrp="1"/>
-          </p:cNvSpPr>
-          <p:nvPr>
-            <p:ph type="title"/>
-          </p:nvPr>
-        </p:nvSpPr>
-        <p:spPr>
-          <a:xfrm>
-            <a:off x="189294" y="48850"/>
-            <a:ext cx="6800954" cy="699295"/>
-          </a:xfrm>
-        </p:spPr>
-        <p:txBody>
-          <a:bodyPr>
-            <a:normAutofit/>
-          </a:bodyPr>
-          <a:lstStyle/>
-          <a:p>
-            <a:r>
-              <a:rPr lang="en-US" dirty="0"/>
-              <a:t>Delete neighbor – small VPC</a:t>
-            </a:r>
-          </a:p>
-        </p:txBody>
-      </p:sp>
-      <p:sp>
-        <p:nvSpPr>
-          <p:cNvPr id="85" name="Content Placeholder 2">
-            <a:extLst>
-              <a:ext uri="{FF2B5EF4-FFF2-40B4-BE49-F238E27FC236}">
-                <a16:creationId xmlns:a16="http://schemas.microsoft.com/office/drawing/2014/main" id="{FEF360CE-5B08-434F-B96B-507A25C80FEC}"/>
-              </a:ext>
-            </a:extLst>
-          </p:cNvPr>
-          <p:cNvSpPr>
-            <a:spLocks noGrp="1"/>
-          </p:cNvSpPr>
-          <p:nvPr>
-            <p:ph idx="1"/>
-          </p:nvPr>
-        </p:nvSpPr>
-        <p:spPr>
-          <a:xfrm>
-            <a:off x="105168" y="762872"/>
-            <a:ext cx="7561038" cy="5923766"/>
-          </a:xfrm>
-        </p:spPr>
-        <p:txBody>
-          <a:bodyPr>
-            <a:normAutofit/>
-          </a:bodyPr>
-          <a:lstStyle/>
-          <a:p>
-            <a:r>
-              <a:rPr lang="en-US" u="sng" dirty="0">
-                <a:solidFill>
-                  <a:srgbClr val="FF0000"/>
-                </a:solidFill>
-              </a:rPr>
-              <a:t>AGA act as passthrough proxy</a:t>
-            </a:r>
-          </a:p>
-          <a:p>
-            <a:r>
-              <a:rPr lang="en-US" dirty="0"/>
-              <a:t>DPM -&gt; AGA: neighbor state</a:t>
-            </a:r>
-          </a:p>
-          <a:p>
-            <a:pPr lvl="1"/>
-            <a:r>
-              <a:rPr lang="en-US" dirty="0" err="1"/>
-              <a:t>vpc_size</a:t>
-            </a:r>
-            <a:r>
-              <a:rPr lang="en-US" dirty="0"/>
-              <a:t> from </a:t>
-            </a:r>
-            <a:r>
-              <a:rPr lang="en-US" dirty="0" err="1"/>
-              <a:t>VpcState</a:t>
-            </a:r>
-            <a:r>
-              <a:rPr lang="en-US" dirty="0"/>
-              <a:t> = SMALL</a:t>
-            </a:r>
-          </a:p>
-          <a:p>
-            <a:pPr lvl="1"/>
-            <a:r>
-              <a:rPr lang="en-US" dirty="0" err="1"/>
-              <a:t>operation_type</a:t>
-            </a:r>
-            <a:r>
-              <a:rPr lang="en-US" dirty="0"/>
-              <a:t> = DELETE</a:t>
-            </a:r>
-          </a:p>
-          <a:p>
-            <a:pPr lvl="1"/>
-            <a:r>
-              <a:rPr lang="en-US" dirty="0" err="1"/>
-              <a:t>targetted_hosts</a:t>
-            </a:r>
-            <a:r>
-              <a:rPr lang="en-US" dirty="0"/>
-              <a:t> = [“host 1”] (array of 1 host)</a:t>
-            </a:r>
-          </a:p>
-          <a:p>
-            <a:pPr lvl="1"/>
-            <a:r>
-              <a:rPr lang="en-US" dirty="0" err="1"/>
-              <a:t>revision_number</a:t>
-            </a:r>
-            <a:r>
-              <a:rPr lang="en-US" dirty="0"/>
-              <a:t> = 7</a:t>
-            </a:r>
-          </a:p>
-          <a:p>
-            <a:pPr lvl="1"/>
-            <a:r>
-              <a:rPr lang="en-US" dirty="0" err="1"/>
-              <a:t>update_type</a:t>
-            </a:r>
-            <a:r>
-              <a:rPr lang="en-US" dirty="0"/>
-              <a:t> = FULL</a:t>
-            </a:r>
-          </a:p>
-          <a:p>
-            <a:r>
-              <a:rPr lang="en-US" dirty="0"/>
-              <a:t>AGA-&gt;ACA</a:t>
-            </a:r>
-          </a:p>
-          <a:p>
-            <a:pPr lvl="1"/>
-            <a:r>
-              <a:rPr lang="en-US" dirty="0"/>
-              <a:t>Sends it down to the corresponding ACA host</a:t>
-            </a:r>
-          </a:p>
-          <a:p>
-            <a:pPr lvl="1"/>
-            <a:r>
-              <a:rPr lang="en-US" dirty="0"/>
-              <a:t>Update the delete neighbor full state (delete it or keep it for out of order handling?)</a:t>
-            </a:r>
-          </a:p>
-          <a:p>
-            <a:pPr lvl="1"/>
-            <a:r>
-              <a:rPr lang="en-US" dirty="0"/>
-              <a:t>clear all previous Delta states (#6)</a:t>
-            </a:r>
-          </a:p>
-        </p:txBody>
-      </p:sp>
-      <p:graphicFrame>
-        <p:nvGraphicFramePr>
-          <p:cNvPr id="8" name="Table 10">
-            <a:extLst>
-              <a:ext uri="{FF2B5EF4-FFF2-40B4-BE49-F238E27FC236}">
-                <a16:creationId xmlns:a16="http://schemas.microsoft.com/office/drawing/2014/main" id="{491F93DD-975D-3941-B43A-F9D09AFDEF54}"/>
-              </a:ext>
-            </a:extLst>
-          </p:cNvPr>
-          <p:cNvGraphicFramePr>
-            <a:graphicFrameLocks noGrp="1"/>
-          </p:cNvGraphicFramePr>
-          <p:nvPr/>
-        </p:nvGraphicFramePr>
-        <p:xfrm>
-          <a:off x="8485837" y="2760898"/>
-          <a:ext cx="3472556" cy="1395652"/>
-        </p:xfrm>
-        <a:graphic>
-          <a:graphicData uri="http://schemas.openxmlformats.org/drawingml/2006/table">
-            <a:tbl>
-              <a:tblPr firstRow="1" bandRow="1">
-                <a:tableStyleId>{5C22544A-7EE6-4342-B048-85BDC9FD1C3A}</a:tableStyleId>
-              </a:tblPr>
-              <a:tblGrid>
-                <a:gridCol w="1525306">
-                  <a:extLst>
-                    <a:ext uri="{9D8B030D-6E8A-4147-A177-3AD203B41FA5}">
-                      <a16:colId xmlns:a16="http://schemas.microsoft.com/office/drawing/2014/main" val="3997333578"/>
-                    </a:ext>
-                  </a:extLst>
-                </a:gridCol>
-                <a:gridCol w="485564">
-                  <a:extLst>
-                    <a:ext uri="{9D8B030D-6E8A-4147-A177-3AD203B41FA5}">
-                      <a16:colId xmlns:a16="http://schemas.microsoft.com/office/drawing/2014/main" val="1076842233"/>
-                    </a:ext>
-                  </a:extLst>
-                </a:gridCol>
-                <a:gridCol w="1461686">
-                  <a:extLst>
-                    <a:ext uri="{9D8B030D-6E8A-4147-A177-3AD203B41FA5}">
-                      <a16:colId xmlns:a16="http://schemas.microsoft.com/office/drawing/2014/main" val="3042798488"/>
-                    </a:ext>
-                  </a:extLst>
-                </a:gridCol>
-              </a:tblGrid>
-              <a:tr h="0">
-                <a:tc>
-                  <a:txBody>
-                    <a:bodyPr/>
-                    <a:lstStyle/>
-                    <a:p>
-                      <a:r>
-                        <a:rPr lang="en-US" sz="1200" dirty="0"/>
-                        <a:t>Host1, Neighbor Resource ID=“234”, Sent = </a:t>
-                      </a:r>
-                      <a:r>
-                        <a:rPr lang="en-US" sz="1200" dirty="0">
-                          <a:solidFill>
-                            <a:srgbClr val="FF0000"/>
-                          </a:solidFill>
-                        </a:rPr>
-                        <a:t>True</a:t>
-                      </a:r>
-                    </a:p>
-                  </a:txBody>
-                  <a:tcPr/>
-                </a:tc>
-                <a:tc>
-                  <a:txBody>
-                    <a:bodyPr/>
-                    <a:lstStyle/>
-                    <a:p>
-                      <a:r>
-                        <a:rPr lang="en-US" sz="1200" dirty="0"/>
-                        <a:t>Version</a:t>
-                      </a:r>
-                    </a:p>
-                  </a:txBody>
-                  <a:tcPr/>
-                </a:tc>
-                <a:tc>
-                  <a:txBody>
-                    <a:bodyPr/>
-                    <a:lstStyle/>
-                    <a:p>
-                      <a:r>
-                        <a:rPr lang="en-US" sz="1200" dirty="0"/>
-                        <a:t>State</a:t>
-                      </a:r>
-                    </a:p>
-                  </a:txBody>
-                  <a:tcPr/>
-                </a:tc>
-                <a:extLst>
-                  <a:ext uri="{0D108BD9-81ED-4DB2-BD59-A6C34878D82A}">
-                    <a16:rowId xmlns:a16="http://schemas.microsoft.com/office/drawing/2014/main" val="3094804447"/>
-                  </a:ext>
-                </a:extLst>
-              </a:tr>
-              <a:tr h="298372">
-                <a:tc>
-                  <a:txBody>
-                    <a:bodyPr/>
-                    <a:lstStyle/>
-                    <a:p>
-                      <a:r>
-                        <a:rPr lang="en-US" sz="1200" dirty="0"/>
-                        <a:t>Last Full Update</a:t>
-                      </a:r>
-                    </a:p>
-                  </a:txBody>
-                  <a:tcPr/>
-                </a:tc>
-                <a:tc>
-                  <a:txBody>
-                    <a:bodyPr/>
-                    <a:lstStyle/>
-                    <a:p>
-                      <a:r>
-                        <a:rPr lang="en-US" sz="1200" dirty="0"/>
-                        <a:t>7</a:t>
-                      </a:r>
-                    </a:p>
-                  </a:txBody>
-                  <a:tcPr/>
-                </a:tc>
-                <a:tc>
-                  <a:txBody>
-                    <a:bodyPr/>
-                    <a:lstStyle/>
-                    <a:p>
-                      <a:r>
-                        <a:rPr lang="en-US" sz="1200" dirty="0"/>
-                        <a:t>NeighFullState#7 (DELETE)</a:t>
-                      </a:r>
-                    </a:p>
-                  </a:txBody>
-                  <a:tcPr/>
-                </a:tc>
-                <a:extLst>
-                  <a:ext uri="{0D108BD9-81ED-4DB2-BD59-A6C34878D82A}">
-                    <a16:rowId xmlns:a16="http://schemas.microsoft.com/office/drawing/2014/main" val="2868273196"/>
-                  </a:ext>
-                </a:extLst>
-              </a:tr>
-              <a:tr h="298372">
-                <a:tc>
-                  <a:txBody>
-                    <a:bodyPr/>
-                    <a:lstStyle/>
-                    <a:p>
-                      <a:r>
-                        <a:rPr lang="en-US" sz="1200" strike="sngStrike" dirty="0"/>
-                        <a:t>Last Delta Update</a:t>
-                      </a:r>
-                    </a:p>
-                  </a:txBody>
-                  <a:tcPr/>
-                </a:tc>
-                <a:tc>
-                  <a:txBody>
-                    <a:bodyPr/>
-                    <a:lstStyle/>
-                    <a:p>
-                      <a:r>
-                        <a:rPr lang="en-US" sz="1200" strike="sngStrike" dirty="0"/>
-                        <a:t>6</a:t>
-                      </a:r>
-                    </a:p>
-                  </a:txBody>
-                  <a:tcPr/>
-                </a:tc>
-                <a:tc>
-                  <a:txBody>
-                    <a:bodyPr/>
-                    <a:lstStyle/>
-                    <a:p>
-                      <a:r>
-                        <a:rPr lang="en-US" sz="1200" strike="sngStrike" dirty="0"/>
-                        <a:t>NeighDeltaState#6</a:t>
-                      </a:r>
-                    </a:p>
-                  </a:txBody>
-                  <a:tcPr/>
-                </a:tc>
-                <a:extLst>
-                  <a:ext uri="{0D108BD9-81ED-4DB2-BD59-A6C34878D82A}">
-                    <a16:rowId xmlns:a16="http://schemas.microsoft.com/office/drawing/2014/main" val="329187170"/>
-                  </a:ext>
-                </a:extLst>
-              </a:tr>
-            </a:tbl>
-          </a:graphicData>
-        </a:graphic>
-      </p:graphicFrame>
-    </p:spTree>
-    <p:extLst>
-      <p:ext uri="{BB962C8B-B14F-4D97-AF65-F5344CB8AC3E}">
-        <p14:creationId xmlns:p14="http://schemas.microsoft.com/office/powerpoint/2010/main" val="2085386961"/>
       </p:ext>
     </p:extLst>
   </p:cSld>

--- a/docs/modules/ROOT/pages/alcor_agents/AGA_design.pptx
+++ b/docs/modules/ROOT/pages/alcor_agents/AGA_design.pptx
@@ -222,7 +222,7 @@
           <a:p>
             <a:fld id="{027A9787-ED9C-DD45-9343-9117E52B77E3}" type="datetimeFigureOut">
               <a:rPr lang="en-US" smtClean="0"/>
-              <a:t>1/28/21</a:t>
+              <a:t>2/2/21</a:t>
             </a:fld>
             <a:endParaRPr lang="en-US"/>
           </a:p>
@@ -552,18 +552,18 @@
           <a:bodyPr/>
           <a:lstStyle/>
           <a:p>
-            <a:fld id="{F0837B78-B9E6-AD43-876A-2D1D48F9945E}" type="slidenum">
+            <a:fld id="{3B8F7B5A-F07A-D34B-B7A1-626E768F04C8}" type="slidenum">
               <a:rPr lang="en-US" smtClean="0"/>
-              <a:t>5</a:t>
+              <a:t>1</a:t>
             </a:fld>
-            <a:endParaRPr lang="en-US" dirty="0"/>
+            <a:endParaRPr lang="en-US"/>
           </a:p>
         </p:txBody>
       </p:sp>
     </p:spTree>
     <p:extLst>
       <p:ext uri="{BB962C8B-B14F-4D97-AF65-F5344CB8AC3E}">
-        <p14:creationId xmlns:p14="http://schemas.microsoft.com/office/powerpoint/2010/main" val="369882814"/>
+        <p14:creationId xmlns:p14="http://schemas.microsoft.com/office/powerpoint/2010/main" val="1606965322"/>
       </p:ext>
     </p:extLst>
   </p:cSld>
@@ -638,7 +638,7 @@
           <a:p>
             <a:fld id="{F0837B78-B9E6-AD43-876A-2D1D48F9945E}" type="slidenum">
               <a:rPr lang="en-US" smtClean="0"/>
-              <a:t>14</a:t>
+              <a:t>5</a:t>
             </a:fld>
             <a:endParaRPr lang="en-US" dirty="0"/>
           </a:p>
@@ -647,7 +647,7 @@
     </p:spTree>
     <p:extLst>
       <p:ext uri="{BB962C8B-B14F-4D97-AF65-F5344CB8AC3E}">
-        <p14:creationId xmlns:p14="http://schemas.microsoft.com/office/powerpoint/2010/main" val="2896363311"/>
+        <p14:creationId xmlns:p14="http://schemas.microsoft.com/office/powerpoint/2010/main" val="369882814"/>
       </p:ext>
     </p:extLst>
   </p:cSld>
@@ -701,10 +701,7 @@
           <a:bodyPr/>
           <a:lstStyle/>
           <a:p>
-            <a:r>
-              <a:rPr lang="en-US" dirty="0"/>
-              <a:t>TODO: need to define the Zeta supported port behavior, how does it handle security group?</a:t>
-            </a:r>
+            <a:endParaRPr lang="en-US" dirty="0"/>
           </a:p>
         </p:txBody>
       </p:sp>
@@ -723,18 +720,18 @@
           <a:bodyPr/>
           <a:lstStyle/>
           <a:p>
-            <a:fld id="{3B8F7B5A-F07A-D34B-B7A1-626E768F04C8}" type="slidenum">
+            <a:fld id="{F0837B78-B9E6-AD43-876A-2D1D48F9945E}" type="slidenum">
               <a:rPr lang="en-US" smtClean="0"/>
-              <a:t>17</a:t>
+              <a:t>14</a:t>
             </a:fld>
-            <a:endParaRPr lang="en-US"/>
+            <a:endParaRPr lang="en-US" dirty="0"/>
           </a:p>
         </p:txBody>
       </p:sp>
     </p:spTree>
     <p:extLst>
       <p:ext uri="{BB962C8B-B14F-4D97-AF65-F5344CB8AC3E}">
-        <p14:creationId xmlns:p14="http://schemas.microsoft.com/office/powerpoint/2010/main" val="1013416999"/>
+        <p14:creationId xmlns:p14="http://schemas.microsoft.com/office/powerpoint/2010/main" val="2896363311"/>
       </p:ext>
     </p:extLst>
   </p:cSld>
@@ -790,138 +787,8 @@
           <a:p>
             <a:r>
               <a:rPr lang="en-US" dirty="0"/>
-              <a:t>HW Cloud: </a:t>
-            </a:r>
-            <a:r>
-              <a:rPr lang="en-US" sz="1200" kern="1200" dirty="0">
-                <a:solidFill>
-                  <a:schemeClr val="tx1"/>
-                </a:solidFill>
-                <a:effectLst/>
-                <a:latin typeface="+mn-lt"/>
-                <a:ea typeface="+mn-ea"/>
-                <a:cs typeface="+mn-cs"/>
-              </a:rPr>
-              <a:t>Each NIC can have up to 5 SG.</a:t>
-            </a:r>
-          </a:p>
-          <a:p>
-            <a:r>
-              <a:rPr lang="en-US" sz="1200" kern="1200" dirty="0">
-                <a:solidFill>
-                  <a:schemeClr val="tx1"/>
-                </a:solidFill>
-                <a:effectLst/>
-                <a:latin typeface="+mn-lt"/>
-                <a:ea typeface="+mn-ea"/>
-                <a:cs typeface="+mn-cs"/>
-              </a:rPr>
-              <a:t>Documented limit to help with the scale issues.</a:t>
-            </a:r>
-          </a:p>
-          <a:p>
-            <a:r>
-              <a:rPr lang="en-US" sz="1200" kern="1200" dirty="0">
-                <a:solidFill>
-                  <a:schemeClr val="tx1"/>
-                </a:solidFill>
-                <a:effectLst/>
-                <a:latin typeface="+mn-lt"/>
-                <a:ea typeface="+mn-ea"/>
-                <a:cs typeface="+mn-cs"/>
-              </a:rPr>
-              <a:t> </a:t>
-            </a:r>
-          </a:p>
-          <a:p>
-            <a:r>
-              <a:rPr lang="en-US" sz="1200" kern="1200" dirty="0">
-                <a:solidFill>
-                  <a:schemeClr val="tx1"/>
-                </a:solidFill>
-                <a:effectLst/>
-                <a:latin typeface="+mn-lt"/>
-                <a:ea typeface="+mn-ea"/>
-                <a:cs typeface="+mn-cs"/>
-              </a:rPr>
-              <a:t>There are quotas (limits): 100 SG per account, 50 rules per SG, 5 SG per ECS</a:t>
-            </a:r>
-          </a:p>
-          <a:p>
-            <a:endParaRPr lang="en-US" sz="1200" kern="1200" dirty="0">
-              <a:solidFill>
-                <a:schemeClr val="tx1"/>
-              </a:solidFill>
-              <a:effectLst/>
-              <a:latin typeface="+mn-lt"/>
-              <a:ea typeface="+mn-ea"/>
-              <a:cs typeface="+mn-cs"/>
-            </a:endParaRPr>
-          </a:p>
-          <a:p>
-            <a:r>
-              <a:rPr lang="en-US" sz="1200" kern="1200" dirty="0">
-                <a:solidFill>
-                  <a:schemeClr val="tx1"/>
-                </a:solidFill>
-                <a:effectLst/>
-                <a:latin typeface="+mn-lt"/>
-                <a:ea typeface="+mn-ea"/>
-                <a:cs typeface="+mn-cs"/>
-              </a:rPr>
-              <a:t>Append packet at the end: https://</a:t>
-            </a:r>
-            <a:r>
-              <a:rPr lang="en-US" sz="1200" kern="1200" dirty="0" err="1">
-                <a:solidFill>
-                  <a:schemeClr val="tx1"/>
-                </a:solidFill>
-                <a:effectLst/>
-                <a:latin typeface="+mn-lt"/>
-                <a:ea typeface="+mn-ea"/>
-                <a:cs typeface="+mn-cs"/>
-              </a:rPr>
-              <a:t>stackoverflow.com</a:t>
-            </a:r>
-            <a:r>
-              <a:rPr lang="en-US" sz="1200" kern="1200" dirty="0">
-                <a:solidFill>
-                  <a:schemeClr val="tx1"/>
-                </a:solidFill>
-                <a:effectLst/>
-                <a:latin typeface="+mn-lt"/>
-                <a:ea typeface="+mn-ea"/>
-                <a:cs typeface="+mn-cs"/>
-              </a:rPr>
-              <a:t>/questions/12529497/</a:t>
-            </a:r>
-            <a:r>
-              <a:rPr lang="en-US" sz="1200" kern="1200" dirty="0" err="1">
-                <a:solidFill>
-                  <a:schemeClr val="tx1"/>
-                </a:solidFill>
-                <a:effectLst/>
-                <a:latin typeface="+mn-lt"/>
-                <a:ea typeface="+mn-ea"/>
-                <a:cs typeface="+mn-cs"/>
-              </a:rPr>
-              <a:t>how-to-append-data-on-a-packet-from-kernel-space?rq</a:t>
-            </a:r>
-            <a:r>
-              <a:rPr lang="en-US" sz="1200" kern="1200" dirty="0">
-                <a:solidFill>
-                  <a:schemeClr val="tx1"/>
-                </a:solidFill>
-                <a:effectLst/>
-                <a:latin typeface="+mn-lt"/>
-                <a:ea typeface="+mn-ea"/>
-                <a:cs typeface="+mn-cs"/>
-              </a:rPr>
-              <a:t>=1</a:t>
-            </a:r>
-          </a:p>
-          <a:p>
-            <a:endParaRPr lang="en-US" dirty="0"/>
+              <a:t>TODO: need to define the Zeta supported port behavior, how does it handle security group?</a:t>
+            </a:r>
           </a:p>
         </p:txBody>
       </p:sp>
@@ -940,18 +807,18 @@
           <a:bodyPr/>
           <a:lstStyle/>
           <a:p>
-            <a:fld id="{F0837B78-B9E6-AD43-876A-2D1D48F9945E}" type="slidenum">
+            <a:fld id="{3B8F7B5A-F07A-D34B-B7A1-626E768F04C8}" type="slidenum">
               <a:rPr lang="en-US" smtClean="0"/>
-              <a:t>18</a:t>
+              <a:t>17</a:t>
             </a:fld>
-            <a:endParaRPr lang="en-US" dirty="0"/>
+            <a:endParaRPr lang="en-US"/>
           </a:p>
         </p:txBody>
       </p:sp>
     </p:spTree>
     <p:extLst>
       <p:ext uri="{BB962C8B-B14F-4D97-AF65-F5344CB8AC3E}">
-        <p14:creationId xmlns:p14="http://schemas.microsoft.com/office/powerpoint/2010/main" val="4196126413"/>
+        <p14:creationId xmlns:p14="http://schemas.microsoft.com/office/powerpoint/2010/main" val="1013416999"/>
       </p:ext>
     </p:extLst>
   </p:cSld>
@@ -1007,33 +874,138 @@
           <a:p>
             <a:r>
               <a:rPr lang="en-US" dirty="0"/>
-              <a:t>https://</a:t>
-            </a:r>
-            <a:r>
-              <a:rPr lang="en-US" dirty="0" err="1"/>
-              <a:t>tools.ietf.org</a:t>
-            </a:r>
-            <a:r>
-              <a:rPr lang="en-US" dirty="0"/>
-              <a:t>/id/draft-ietf-nvo3-vxlan-gpe-10.html</a:t>
+              <a:t>HW Cloud: </a:t>
+            </a:r>
+            <a:r>
+              <a:rPr lang="en-US" sz="1200" kern="1200" dirty="0">
+                <a:solidFill>
+                  <a:schemeClr val="tx1"/>
+                </a:solidFill>
+                <a:effectLst/>
+                <a:latin typeface="+mn-lt"/>
+                <a:ea typeface="+mn-ea"/>
+                <a:cs typeface="+mn-cs"/>
+              </a:rPr>
+              <a:t>Each NIC can have up to 5 SG.</a:t>
+            </a:r>
+          </a:p>
+          <a:p>
+            <a:r>
+              <a:rPr lang="en-US" sz="1200" kern="1200" dirty="0">
+                <a:solidFill>
+                  <a:schemeClr val="tx1"/>
+                </a:solidFill>
+                <a:effectLst/>
+                <a:latin typeface="+mn-lt"/>
+                <a:ea typeface="+mn-ea"/>
+                <a:cs typeface="+mn-cs"/>
+              </a:rPr>
+              <a:t>Documented limit to help with the scale issues.</a:t>
+            </a:r>
+          </a:p>
+          <a:p>
+            <a:r>
+              <a:rPr lang="en-US" sz="1200" kern="1200" dirty="0">
+                <a:solidFill>
+                  <a:schemeClr val="tx1"/>
+                </a:solidFill>
+                <a:effectLst/>
+                <a:latin typeface="+mn-lt"/>
+                <a:ea typeface="+mn-ea"/>
+                <a:cs typeface="+mn-cs"/>
+              </a:rPr>
+              <a:t> </a:t>
+            </a:r>
+          </a:p>
+          <a:p>
+            <a:r>
+              <a:rPr lang="en-US" sz="1200" kern="1200" dirty="0">
+                <a:solidFill>
+                  <a:schemeClr val="tx1"/>
+                </a:solidFill>
+                <a:effectLst/>
+                <a:latin typeface="+mn-lt"/>
+                <a:ea typeface="+mn-ea"/>
+                <a:cs typeface="+mn-cs"/>
+              </a:rPr>
+              <a:t>There are quotas (limits): 100 SG per account, 50 rules per SG, 5 SG per ECS</a:t>
+            </a:r>
+          </a:p>
+          <a:p>
+            <a:endParaRPr lang="en-US" sz="1200" kern="1200" dirty="0">
+              <a:solidFill>
+                <a:schemeClr val="tx1"/>
+              </a:solidFill>
+              <a:effectLst/>
+              <a:latin typeface="+mn-lt"/>
+              <a:ea typeface="+mn-ea"/>
+              <a:cs typeface="+mn-cs"/>
+            </a:endParaRPr>
+          </a:p>
+          <a:p>
+            <a:r>
+              <a:rPr lang="en-US" sz="1200" kern="1200" dirty="0">
+                <a:solidFill>
+                  <a:schemeClr val="tx1"/>
+                </a:solidFill>
+                <a:effectLst/>
+                <a:latin typeface="+mn-lt"/>
+                <a:ea typeface="+mn-ea"/>
+                <a:cs typeface="+mn-cs"/>
+              </a:rPr>
+              <a:t>Append packet at the end: https://</a:t>
+            </a:r>
+            <a:r>
+              <a:rPr lang="en-US" sz="1200" kern="1200" dirty="0" err="1">
+                <a:solidFill>
+                  <a:schemeClr val="tx1"/>
+                </a:solidFill>
+                <a:effectLst/>
+                <a:latin typeface="+mn-lt"/>
+                <a:ea typeface="+mn-ea"/>
+                <a:cs typeface="+mn-cs"/>
+              </a:rPr>
+              <a:t>stackoverflow.com</a:t>
+            </a:r>
+            <a:r>
+              <a:rPr lang="en-US" sz="1200" kern="1200" dirty="0">
+                <a:solidFill>
+                  <a:schemeClr val="tx1"/>
+                </a:solidFill>
+                <a:effectLst/>
+                <a:latin typeface="+mn-lt"/>
+                <a:ea typeface="+mn-ea"/>
+                <a:cs typeface="+mn-cs"/>
+              </a:rPr>
+              <a:t>/questions/12529497/</a:t>
+            </a:r>
+            <a:r>
+              <a:rPr lang="en-US" sz="1200" kern="1200" dirty="0" err="1">
+                <a:solidFill>
+                  <a:schemeClr val="tx1"/>
+                </a:solidFill>
+                <a:effectLst/>
+                <a:latin typeface="+mn-lt"/>
+                <a:ea typeface="+mn-ea"/>
+                <a:cs typeface="+mn-cs"/>
+              </a:rPr>
+              <a:t>how-to-append-data-on-a-packet-from-kernel-space?rq</a:t>
+            </a:r>
+            <a:r>
+              <a:rPr lang="en-US" sz="1200" kern="1200" dirty="0">
+                <a:solidFill>
+                  <a:schemeClr val="tx1"/>
+                </a:solidFill>
+                <a:effectLst/>
+                <a:latin typeface="+mn-lt"/>
+                <a:ea typeface="+mn-ea"/>
+                <a:cs typeface="+mn-cs"/>
+              </a:rPr>
+              <a:t>=1</a:t>
             </a:r>
           </a:p>
           <a:p>
             <a:endParaRPr lang="en-US" dirty="0"/>
-          </a:p>
-          <a:p>
-            <a:r>
-              <a:rPr lang="en-US" dirty="0"/>
-              <a:t>https://</a:t>
-            </a:r>
-            <a:r>
-              <a:rPr lang="en-US" dirty="0" err="1"/>
-              <a:t>tools.ietf.org</a:t>
-            </a:r>
-            <a:r>
-              <a:rPr lang="en-US" dirty="0"/>
-              <a:t>/id/draft-ietf-sfc-nsh-17.html</a:t>
-            </a:r>
           </a:p>
         </p:txBody>
       </p:sp>
@@ -1054,7 +1026,7 @@
           <a:p>
             <a:fld id="{F0837B78-B9E6-AD43-876A-2D1D48F9945E}" type="slidenum">
               <a:rPr lang="en-US" smtClean="0"/>
-              <a:t>19</a:t>
+              <a:t>18</a:t>
             </a:fld>
             <a:endParaRPr lang="en-US" dirty="0"/>
           </a:p>
@@ -1063,7 +1035,7 @@
     </p:spTree>
     <p:extLst>
       <p:ext uri="{BB962C8B-B14F-4D97-AF65-F5344CB8AC3E}">
-        <p14:creationId xmlns:p14="http://schemas.microsoft.com/office/powerpoint/2010/main" val="4160707843"/>
+        <p14:creationId xmlns:p14="http://schemas.microsoft.com/office/powerpoint/2010/main" val="4196126413"/>
       </p:ext>
     </p:extLst>
   </p:cSld>
@@ -1119,6 +1091,118 @@
           <a:p>
             <a:r>
               <a:rPr lang="en-US" dirty="0"/>
+              <a:t>https://</a:t>
+            </a:r>
+            <a:r>
+              <a:rPr lang="en-US" dirty="0" err="1"/>
+              <a:t>tools.ietf.org</a:t>
+            </a:r>
+            <a:r>
+              <a:rPr lang="en-US" dirty="0"/>
+              <a:t>/id/draft-ietf-nvo3-vxlan-gpe-10.html</a:t>
+            </a:r>
+          </a:p>
+          <a:p>
+            <a:endParaRPr lang="en-US" dirty="0"/>
+          </a:p>
+          <a:p>
+            <a:r>
+              <a:rPr lang="en-US" dirty="0"/>
+              <a:t>https://</a:t>
+            </a:r>
+            <a:r>
+              <a:rPr lang="en-US" dirty="0" err="1"/>
+              <a:t>tools.ietf.org</a:t>
+            </a:r>
+            <a:r>
+              <a:rPr lang="en-US" dirty="0"/>
+              <a:t>/id/draft-ietf-sfc-nsh-17.html</a:t>
+            </a:r>
+          </a:p>
+        </p:txBody>
+      </p:sp>
+      <p:sp>
+        <p:nvSpPr>
+          <p:cNvPr id="4" name="Slide Number Placeholder 3"/>
+          <p:cNvSpPr>
+            <a:spLocks noGrp="1"/>
+          </p:cNvSpPr>
+          <p:nvPr>
+            <p:ph type="sldNum" sz="quarter" idx="5"/>
+          </p:nvPr>
+        </p:nvSpPr>
+        <p:spPr/>
+        <p:txBody>
+          <a:bodyPr/>
+          <a:lstStyle/>
+          <a:p>
+            <a:fld id="{F0837B78-B9E6-AD43-876A-2D1D48F9945E}" type="slidenum">
+              <a:rPr lang="en-US" smtClean="0"/>
+              <a:t>19</a:t>
+            </a:fld>
+            <a:endParaRPr lang="en-US" dirty="0"/>
+          </a:p>
+        </p:txBody>
+      </p:sp>
+    </p:spTree>
+    <p:extLst>
+      <p:ext uri="{BB962C8B-B14F-4D97-AF65-F5344CB8AC3E}">
+        <p14:creationId xmlns:p14="http://schemas.microsoft.com/office/powerpoint/2010/main" val="4160707843"/>
+      </p:ext>
+    </p:extLst>
+  </p:cSld>
+  <p:clrMapOvr>
+    <a:masterClrMapping/>
+  </p:clrMapOvr>
+</p:notes>
+</file>
+
+<file path=ppt/notesSlides/notesSlide7.xml><?xml version="1.0" encoding="utf-8"?>
+<p:notes xmlns:a="http://schemas.openxmlformats.org/drawingml/2006/main" xmlns:r="http://schemas.openxmlformats.org/officeDocument/2006/relationships" xmlns:p="http://schemas.openxmlformats.org/presentationml/2006/main">
+  <p:cSld>
+    <p:spTree>
+      <p:nvGrpSpPr>
+        <p:cNvPr id="1" name=""/>
+        <p:cNvGrpSpPr/>
+        <p:nvPr/>
+      </p:nvGrpSpPr>
+      <p:grpSpPr>
+        <a:xfrm>
+          <a:off x="0" y="0"/>
+          <a:ext cx="0" cy="0"/>
+          <a:chOff x="0" y="0"/>
+          <a:chExt cx="0" cy="0"/>
+        </a:xfrm>
+      </p:grpSpPr>
+      <p:sp>
+        <p:nvSpPr>
+          <p:cNvPr id="2" name="Slide Image Placeholder 1"/>
+          <p:cNvSpPr>
+            <a:spLocks noGrp="1" noRot="1" noChangeAspect="1"/>
+          </p:cNvSpPr>
+          <p:nvPr>
+            <p:ph type="sldImg"/>
+          </p:nvPr>
+        </p:nvSpPr>
+        <p:spPr/>
+      </p:sp>
+      <p:sp>
+        <p:nvSpPr>
+          <p:cNvPr id="3" name="Notes Placeholder 2"/>
+          <p:cNvSpPr>
+            <a:spLocks noGrp="1"/>
+          </p:cNvSpPr>
+          <p:nvPr>
+            <p:ph type="body" idx="1"/>
+          </p:nvPr>
+        </p:nvSpPr>
+        <p:spPr/>
+        <p:txBody>
+          <a:bodyPr/>
+          <a:lstStyle/>
+          <a:p>
+            <a:r>
+              <a:rPr lang="en-US" dirty="0"/>
               <a:t>http://</a:t>
             </a:r>
             <a:r>
@@ -1150,6 +1234,23 @@
             <a:r>
               <a:rPr lang="en-US" dirty="0"/>
               <a:t>/library/view/internet-core-protocols/1565925726/re13.html#:~:text=IP%20Options%20provide%20a%20way,be%20recorded%2C%20among%20other%20things.</a:t>
+            </a:r>
+          </a:p>
+          <a:p>
+            <a:endParaRPr lang="en-US" dirty="0"/>
+          </a:p>
+          <a:p>
+            <a:r>
+              <a:rPr lang="en-US" dirty="0"/>
+              <a:t>IP Options are not an option: https://www2.eecs.berkeley.edu/Pubs/</a:t>
+            </a:r>
+            <a:r>
+              <a:rPr lang="en-US" dirty="0" err="1"/>
+              <a:t>TechRpts</a:t>
+            </a:r>
+            <a:r>
+              <a:rPr lang="en-US" dirty="0"/>
+              <a:t>/2005/EECS-2005-24.pdf</a:t>
             </a:r>
           </a:p>
         </p:txBody>
@@ -1190,7 +1291,7 @@
 </p:notes>
 </file>
 
-<file path=ppt/notesSlides/notesSlide7.xml><?xml version="1.0" encoding="utf-8"?>
+<file path=ppt/notesSlides/notesSlide8.xml><?xml version="1.0" encoding="utf-8"?>
 <p:notes xmlns:a="http://schemas.openxmlformats.org/drawingml/2006/main" xmlns:r="http://schemas.openxmlformats.org/officeDocument/2006/relationships" xmlns:p="http://schemas.openxmlformats.org/presentationml/2006/main">
   <p:cSld>
     <p:spTree>
@@ -1447,7 +1548,7 @@
           <a:p>
             <a:fld id="{3E6E40AA-6AEA-3E4C-834D-1791CEC61FE5}" type="datetimeFigureOut">
               <a:rPr lang="en-US" smtClean="0"/>
-              <a:t>1/28/21</a:t>
+              <a:t>2/2/21</a:t>
             </a:fld>
             <a:endParaRPr lang="en-US"/>
           </a:p>
@@ -1645,7 +1746,7 @@
           <a:p>
             <a:fld id="{3E6E40AA-6AEA-3E4C-834D-1791CEC61FE5}" type="datetimeFigureOut">
               <a:rPr lang="en-US" smtClean="0"/>
-              <a:t>1/28/21</a:t>
+              <a:t>2/2/21</a:t>
             </a:fld>
             <a:endParaRPr lang="en-US"/>
           </a:p>
@@ -1853,7 +1954,7 @@
           <a:p>
             <a:fld id="{3E6E40AA-6AEA-3E4C-834D-1791CEC61FE5}" type="datetimeFigureOut">
               <a:rPr lang="en-US" smtClean="0"/>
-              <a:t>1/28/21</a:t>
+              <a:t>2/2/21</a:t>
             </a:fld>
             <a:endParaRPr lang="en-US"/>
           </a:p>
@@ -2051,7 +2152,7 @@
           <a:p>
             <a:fld id="{3E6E40AA-6AEA-3E4C-834D-1791CEC61FE5}" type="datetimeFigureOut">
               <a:rPr lang="en-US" smtClean="0"/>
-              <a:t>1/28/21</a:t>
+              <a:t>2/2/21</a:t>
             </a:fld>
             <a:endParaRPr lang="en-US"/>
           </a:p>
@@ -2326,7 +2427,7 @@
           <a:p>
             <a:fld id="{3E6E40AA-6AEA-3E4C-834D-1791CEC61FE5}" type="datetimeFigureOut">
               <a:rPr lang="en-US" smtClean="0"/>
-              <a:t>1/28/21</a:t>
+              <a:t>2/2/21</a:t>
             </a:fld>
             <a:endParaRPr lang="en-US"/>
           </a:p>
@@ -2591,7 +2692,7 @@
           <a:p>
             <a:fld id="{3E6E40AA-6AEA-3E4C-834D-1791CEC61FE5}" type="datetimeFigureOut">
               <a:rPr lang="en-US" smtClean="0"/>
-              <a:t>1/28/21</a:t>
+              <a:t>2/2/21</a:t>
             </a:fld>
             <a:endParaRPr lang="en-US"/>
           </a:p>
@@ -3003,7 +3104,7 @@
           <a:p>
             <a:fld id="{3E6E40AA-6AEA-3E4C-834D-1791CEC61FE5}" type="datetimeFigureOut">
               <a:rPr lang="en-US" smtClean="0"/>
-              <a:t>1/28/21</a:t>
+              <a:t>2/2/21</a:t>
             </a:fld>
             <a:endParaRPr lang="en-US"/>
           </a:p>
@@ -3144,7 +3245,7 @@
           <a:p>
             <a:fld id="{3E6E40AA-6AEA-3E4C-834D-1791CEC61FE5}" type="datetimeFigureOut">
               <a:rPr lang="en-US" smtClean="0"/>
-              <a:t>1/28/21</a:t>
+              <a:t>2/2/21</a:t>
             </a:fld>
             <a:endParaRPr lang="en-US"/>
           </a:p>
@@ -3257,7 +3358,7 @@
           <a:p>
             <a:fld id="{3E6E40AA-6AEA-3E4C-834D-1791CEC61FE5}" type="datetimeFigureOut">
               <a:rPr lang="en-US" smtClean="0"/>
-              <a:t>1/28/21</a:t>
+              <a:t>2/2/21</a:t>
             </a:fld>
             <a:endParaRPr lang="en-US"/>
           </a:p>
@@ -3568,7 +3669,7 @@
           <a:p>
             <a:fld id="{3E6E40AA-6AEA-3E4C-834D-1791CEC61FE5}" type="datetimeFigureOut">
               <a:rPr lang="en-US" smtClean="0"/>
-              <a:t>1/28/21</a:t>
+              <a:t>2/2/21</a:t>
             </a:fld>
             <a:endParaRPr lang="en-US"/>
           </a:p>
@@ -3856,7 +3957,7 @@
           <a:p>
             <a:fld id="{3E6E40AA-6AEA-3E4C-834D-1791CEC61FE5}" type="datetimeFigureOut">
               <a:rPr lang="en-US" smtClean="0"/>
-              <a:t>1/28/21</a:t>
+              <a:t>2/2/21</a:t>
             </a:fld>
             <a:endParaRPr lang="en-US"/>
           </a:p>
@@ -4097,7 +4198,7 @@
           <a:p>
             <a:fld id="{3E6E40AA-6AEA-3E4C-834D-1791CEC61FE5}" type="datetimeFigureOut">
               <a:rPr lang="en-US" smtClean="0"/>
-              <a:t>1/28/21</a:t>
+              <a:t>2/2/21</a:t>
             </a:fld>
             <a:endParaRPr lang="en-US"/>
           </a:p>
@@ -6125,14 +6226,14 @@
             <a:pPr lvl="1"/>
             <a:r>
               <a:rPr lang="en-US" dirty="0"/>
-              <a:t>Update the delete neighbor full state (delete it or keep it for out of order handling?)</a:t>
+              <a:t>Delete neighbor full and delta states</a:t>
             </a:r>
           </a:p>
           <a:p>
             <a:pPr lvl="1"/>
             <a:r>
               <a:rPr lang="en-US" dirty="0"/>
-              <a:t>clear all previous Delta states (#6)</a:t>
+              <a:t>Remove the whole configuration</a:t>
             </a:r>
           </a:p>
         </p:txBody>
@@ -35741,13 +35842,8 @@
           <a:p>
             <a:r>
               <a:rPr lang="en-US" dirty="0"/>
-              <a:t>ACA clears all internal memory </a:t>
-            </a:r>
-            <a:r>
-              <a:rPr lang="en-US"/>
-              <a:t>and database</a:t>
-            </a:r>
-            <a:endParaRPr lang="en-US" dirty="0"/>
+              <a:t>ACA clears all internal memory and database</a:t>
+            </a:r>
           </a:p>
           <a:p>
             <a:r>
@@ -45316,7 +45412,7 @@
         </p:spPr>
         <p:txBody>
           <a:bodyPr>
-            <a:normAutofit fontScale="92500" lnSpcReduction="10000"/>
+            <a:normAutofit/>
           </a:bodyPr>
           <a:lstStyle/>
           <a:p>
@@ -45397,43 +45493,6 @@
             <a:r>
               <a:rPr lang="en-US" dirty="0"/>
               <a:t>Update the port last delta update</a:t>
-            </a:r>
-          </a:p>
-          <a:p>
-            <a:r>
-              <a:rPr lang="en-US" dirty="0"/>
-              <a:t>Need to think about ways for AGA to help with direct </a:t>
-            </a:r>
-            <a:r>
-              <a:rPr lang="en-US" dirty="0" err="1"/>
-              <a:t>dataplane</a:t>
-            </a:r>
-            <a:r>
-              <a:rPr lang="en-US" dirty="0"/>
-              <a:t> programming, figure out which </a:t>
-            </a:r>
-            <a:r>
-              <a:rPr lang="en-US" dirty="0" err="1"/>
-              <a:t>dataplane</a:t>
-            </a:r>
-            <a:r>
-              <a:rPr lang="en-US" dirty="0"/>
-              <a:t> rule to add/update/delete</a:t>
-            </a:r>
-          </a:p>
-          <a:p>
-            <a:pPr lvl="1"/>
-            <a:r>
-              <a:rPr lang="en-US" dirty="0"/>
-              <a:t>Need to update schema for direct </a:t>
-            </a:r>
-            <a:r>
-              <a:rPr lang="en-US" dirty="0" err="1"/>
-              <a:t>dataplane</a:t>
-            </a:r>
-            <a:r>
-              <a:rPr lang="en-US" dirty="0"/>
-              <a:t> programming</a:t>
             </a:r>
           </a:p>
           <a:p>
@@ -47165,14 +47224,14 @@
             <a:pPr lvl="1"/>
             <a:r>
               <a:rPr lang="en-US" dirty="0"/>
-              <a:t>Update the delete port full state (thinking to keep it instead of deleting the resource entry just in case if ACA ask for it for OOO handling, unless ACA is using a database that always have full config)</a:t>
+              <a:t>Delete port full and delta states</a:t>
             </a:r>
           </a:p>
           <a:p>
             <a:pPr lvl="1"/>
             <a:r>
               <a:rPr lang="en-US" dirty="0"/>
-              <a:t>clear all previous Delta states (#6)</a:t>
+              <a:t>Remove the whole configuration</a:t>
             </a:r>
           </a:p>
         </p:txBody>
@@ -50725,7 +50784,7 @@
           <a:p>
             <a:r>
               <a:rPr lang="en-US" dirty="0"/>
-              <a:t>Need to think about ways for AGA to help with direct </a:t>
+              <a:t>Need to think about ways for control plane to help with direct </a:t>
             </a:r>
             <a:r>
               <a:rPr lang="en-US" dirty="0" err="1"/>

--- a/docs/modules/ROOT/pages/alcor_agents/AGA_design.pptx
+++ b/docs/modules/ROOT/pages/alcor_agents/AGA_design.pptx
@@ -222,7 +222,7 @@
           <a:p>
             <a:fld id="{027A9787-ED9C-DD45-9343-9117E52B77E3}" type="datetimeFigureOut">
               <a:rPr lang="en-US" smtClean="0"/>
-              <a:t>2/2/21</a:t>
+              <a:t>2/5/21</a:t>
             </a:fld>
             <a:endParaRPr lang="en-US"/>
           </a:p>
@@ -1548,7 +1548,7 @@
           <a:p>
             <a:fld id="{3E6E40AA-6AEA-3E4C-834D-1791CEC61FE5}" type="datetimeFigureOut">
               <a:rPr lang="en-US" smtClean="0"/>
-              <a:t>2/2/21</a:t>
+              <a:t>2/5/21</a:t>
             </a:fld>
             <a:endParaRPr lang="en-US"/>
           </a:p>
@@ -1746,7 +1746,7 @@
           <a:p>
             <a:fld id="{3E6E40AA-6AEA-3E4C-834D-1791CEC61FE5}" type="datetimeFigureOut">
               <a:rPr lang="en-US" smtClean="0"/>
-              <a:t>2/2/21</a:t>
+              <a:t>2/5/21</a:t>
             </a:fld>
             <a:endParaRPr lang="en-US"/>
           </a:p>
@@ -1954,7 +1954,7 @@
           <a:p>
             <a:fld id="{3E6E40AA-6AEA-3E4C-834D-1791CEC61FE5}" type="datetimeFigureOut">
               <a:rPr lang="en-US" smtClean="0"/>
-              <a:t>2/2/21</a:t>
+              <a:t>2/5/21</a:t>
             </a:fld>
             <a:endParaRPr lang="en-US"/>
           </a:p>
@@ -2152,7 +2152,7 @@
           <a:p>
             <a:fld id="{3E6E40AA-6AEA-3E4C-834D-1791CEC61FE5}" type="datetimeFigureOut">
               <a:rPr lang="en-US" smtClean="0"/>
-              <a:t>2/2/21</a:t>
+              <a:t>2/5/21</a:t>
             </a:fld>
             <a:endParaRPr lang="en-US"/>
           </a:p>
@@ -2427,7 +2427,7 @@
           <a:p>
             <a:fld id="{3E6E40AA-6AEA-3E4C-834D-1791CEC61FE5}" type="datetimeFigureOut">
               <a:rPr lang="en-US" smtClean="0"/>
-              <a:t>2/2/21</a:t>
+              <a:t>2/5/21</a:t>
             </a:fld>
             <a:endParaRPr lang="en-US"/>
           </a:p>
@@ -2692,7 +2692,7 @@
           <a:p>
             <a:fld id="{3E6E40AA-6AEA-3E4C-834D-1791CEC61FE5}" type="datetimeFigureOut">
               <a:rPr lang="en-US" smtClean="0"/>
-              <a:t>2/2/21</a:t>
+              <a:t>2/5/21</a:t>
             </a:fld>
             <a:endParaRPr lang="en-US"/>
           </a:p>
@@ -3104,7 +3104,7 @@
           <a:p>
             <a:fld id="{3E6E40AA-6AEA-3E4C-834D-1791CEC61FE5}" type="datetimeFigureOut">
               <a:rPr lang="en-US" smtClean="0"/>
-              <a:t>2/2/21</a:t>
+              <a:t>2/5/21</a:t>
             </a:fld>
             <a:endParaRPr lang="en-US"/>
           </a:p>
@@ -3245,7 +3245,7 @@
           <a:p>
             <a:fld id="{3E6E40AA-6AEA-3E4C-834D-1791CEC61FE5}" type="datetimeFigureOut">
               <a:rPr lang="en-US" smtClean="0"/>
-              <a:t>2/2/21</a:t>
+              <a:t>2/5/21</a:t>
             </a:fld>
             <a:endParaRPr lang="en-US"/>
           </a:p>
@@ -3358,7 +3358,7 @@
           <a:p>
             <a:fld id="{3E6E40AA-6AEA-3E4C-834D-1791CEC61FE5}" type="datetimeFigureOut">
               <a:rPr lang="en-US" smtClean="0"/>
-              <a:t>2/2/21</a:t>
+              <a:t>2/5/21</a:t>
             </a:fld>
             <a:endParaRPr lang="en-US"/>
           </a:p>
@@ -3669,7 +3669,7 @@
           <a:p>
             <a:fld id="{3E6E40AA-6AEA-3E4C-834D-1791CEC61FE5}" type="datetimeFigureOut">
               <a:rPr lang="en-US" smtClean="0"/>
-              <a:t>2/2/21</a:t>
+              <a:t>2/5/21</a:t>
             </a:fld>
             <a:endParaRPr lang="en-US"/>
           </a:p>
@@ -3957,7 +3957,7 @@
           <a:p>
             <a:fld id="{3E6E40AA-6AEA-3E4C-834D-1791CEC61FE5}" type="datetimeFigureOut">
               <a:rPr lang="en-US" smtClean="0"/>
-              <a:t>2/2/21</a:t>
+              <a:t>2/5/21</a:t>
             </a:fld>
             <a:endParaRPr lang="en-US"/>
           </a:p>
@@ -4198,7 +4198,7 @@
           <a:p>
             <a:fld id="{3E6E40AA-6AEA-3E4C-834D-1791CEC61FE5}" type="datetimeFigureOut">
               <a:rPr lang="en-US" smtClean="0"/>
-              <a:t>2/2/21</a:t>
+              <a:t>2/5/21</a:t>
             </a:fld>
             <a:endParaRPr lang="en-US"/>
           </a:p>
@@ -18924,7 +18924,7 @@
             <a:pPr lvl="2"/>
             <a:r>
               <a:rPr lang="en-US" dirty="0"/>
-              <a:t>For all ports in VPC, find the source port based on IP</a:t>
+              <a:t>For all ports in VPC, find the source port ID based on IP</a:t>
             </a:r>
           </a:p>
           <a:p>
@@ -18966,7 +18966,7 @@
             <a:pPr lvl="4"/>
             <a:r>
               <a:rPr lang="en-US" dirty="0"/>
-              <a:t>send down neighbor the corresponding SG rule</a:t>
+              <a:t>send down neighbor and corresponding SG rules</a:t>
             </a:r>
           </a:p>
           <a:p>

--- a/docs/modules/ROOT/pages/alcor_agents/AGA_design.pptx
+++ b/docs/modules/ROOT/pages/alcor_agents/AGA_design.pptx
@@ -222,7 +222,7 @@
           <a:p>
             <a:fld id="{027A9787-ED9C-DD45-9343-9117E52B77E3}" type="datetimeFigureOut">
               <a:rPr lang="en-US" smtClean="0"/>
-              <a:t>2/5/21</a:t>
+              <a:t>2/9/21</a:t>
             </a:fld>
             <a:endParaRPr lang="en-US"/>
           </a:p>
@@ -1548,7 +1548,7 @@
           <a:p>
             <a:fld id="{3E6E40AA-6AEA-3E4C-834D-1791CEC61FE5}" type="datetimeFigureOut">
               <a:rPr lang="en-US" smtClean="0"/>
-              <a:t>2/5/21</a:t>
+              <a:t>2/9/21</a:t>
             </a:fld>
             <a:endParaRPr lang="en-US"/>
           </a:p>
@@ -1746,7 +1746,7 @@
           <a:p>
             <a:fld id="{3E6E40AA-6AEA-3E4C-834D-1791CEC61FE5}" type="datetimeFigureOut">
               <a:rPr lang="en-US" smtClean="0"/>
-              <a:t>2/5/21</a:t>
+              <a:t>2/9/21</a:t>
             </a:fld>
             <a:endParaRPr lang="en-US"/>
           </a:p>
@@ -1954,7 +1954,7 @@
           <a:p>
             <a:fld id="{3E6E40AA-6AEA-3E4C-834D-1791CEC61FE5}" type="datetimeFigureOut">
               <a:rPr lang="en-US" smtClean="0"/>
-              <a:t>2/5/21</a:t>
+              <a:t>2/9/21</a:t>
             </a:fld>
             <a:endParaRPr lang="en-US"/>
           </a:p>
@@ -2152,7 +2152,7 @@
           <a:p>
             <a:fld id="{3E6E40AA-6AEA-3E4C-834D-1791CEC61FE5}" type="datetimeFigureOut">
               <a:rPr lang="en-US" smtClean="0"/>
-              <a:t>2/5/21</a:t>
+              <a:t>2/9/21</a:t>
             </a:fld>
             <a:endParaRPr lang="en-US"/>
           </a:p>
@@ -2427,7 +2427,7 @@
           <a:p>
             <a:fld id="{3E6E40AA-6AEA-3E4C-834D-1791CEC61FE5}" type="datetimeFigureOut">
               <a:rPr lang="en-US" smtClean="0"/>
-              <a:t>2/5/21</a:t>
+              <a:t>2/9/21</a:t>
             </a:fld>
             <a:endParaRPr lang="en-US"/>
           </a:p>
@@ -2692,7 +2692,7 @@
           <a:p>
             <a:fld id="{3E6E40AA-6AEA-3E4C-834D-1791CEC61FE5}" type="datetimeFigureOut">
               <a:rPr lang="en-US" smtClean="0"/>
-              <a:t>2/5/21</a:t>
+              <a:t>2/9/21</a:t>
             </a:fld>
             <a:endParaRPr lang="en-US"/>
           </a:p>
@@ -3104,7 +3104,7 @@
           <a:p>
             <a:fld id="{3E6E40AA-6AEA-3E4C-834D-1791CEC61FE5}" type="datetimeFigureOut">
               <a:rPr lang="en-US" smtClean="0"/>
-              <a:t>2/5/21</a:t>
+              <a:t>2/9/21</a:t>
             </a:fld>
             <a:endParaRPr lang="en-US"/>
           </a:p>
@@ -3245,7 +3245,7 @@
           <a:p>
             <a:fld id="{3E6E40AA-6AEA-3E4C-834D-1791CEC61FE5}" type="datetimeFigureOut">
               <a:rPr lang="en-US" smtClean="0"/>
-              <a:t>2/5/21</a:t>
+              <a:t>2/9/21</a:t>
             </a:fld>
             <a:endParaRPr lang="en-US"/>
           </a:p>
@@ -3358,7 +3358,7 @@
           <a:p>
             <a:fld id="{3E6E40AA-6AEA-3E4C-834D-1791CEC61FE5}" type="datetimeFigureOut">
               <a:rPr lang="en-US" smtClean="0"/>
-              <a:t>2/5/21</a:t>
+              <a:t>2/9/21</a:t>
             </a:fld>
             <a:endParaRPr lang="en-US"/>
           </a:p>
@@ -3669,7 +3669,7 @@
           <a:p>
             <a:fld id="{3E6E40AA-6AEA-3E4C-834D-1791CEC61FE5}" type="datetimeFigureOut">
               <a:rPr lang="en-US" smtClean="0"/>
-              <a:t>2/5/21</a:t>
+              <a:t>2/9/21</a:t>
             </a:fld>
             <a:endParaRPr lang="en-US"/>
           </a:p>
@@ -3957,7 +3957,7 @@
           <a:p>
             <a:fld id="{3E6E40AA-6AEA-3E4C-834D-1791CEC61FE5}" type="datetimeFigureOut">
               <a:rPr lang="en-US" smtClean="0"/>
-              <a:t>2/5/21</a:t>
+              <a:t>2/9/21</a:t>
             </a:fld>
             <a:endParaRPr lang="en-US"/>
           </a:p>
@@ -4198,7 +4198,7 @@
           <a:p>
             <a:fld id="{3E6E40AA-6AEA-3E4C-834D-1791CEC61FE5}" type="datetimeFigureOut">
               <a:rPr lang="en-US" smtClean="0"/>
-              <a:t>2/5/21</a:t>
+              <a:t>2/9/21</a:t>
             </a:fld>
             <a:endParaRPr lang="en-US"/>
           </a:p>
@@ -18830,18 +18830,18 @@
         </p:nvSpPr>
         <p:spPr>
           <a:xfrm>
-            <a:off x="105168" y="762872"/>
-            <a:ext cx="7561038" cy="5923766"/>
+            <a:off x="105167" y="762871"/>
+            <a:ext cx="7692913" cy="5967753"/>
           </a:xfrm>
         </p:spPr>
         <p:txBody>
           <a:bodyPr>
-            <a:normAutofit fontScale="70000" lnSpcReduction="20000"/>
+            <a:normAutofit fontScale="92500" lnSpcReduction="20000"/>
           </a:bodyPr>
           <a:lstStyle/>
           <a:p>
             <a:r>
-              <a:rPr lang="en-US" u="sng" dirty="0">
+              <a:rPr lang="en-US" sz="2000" u="sng" dirty="0">
                 <a:solidFill>
                   <a:srgbClr val="FF0000"/>
                 </a:solidFill>
@@ -18851,7 +18851,7 @@
           </a:p>
           <a:p>
             <a:r>
-              <a:rPr lang="en-US" dirty="0">
+              <a:rPr lang="en-US" sz="2000" dirty="0">
                 <a:solidFill>
                   <a:srgbClr val="FF0000"/>
                 </a:solidFill>
@@ -18861,10 +18861,10 @@
           </a:p>
           <a:p>
             <a:r>
-              <a:rPr lang="en-US" dirty="0"/>
+              <a:rPr lang="en-US" sz="2000" dirty="0"/>
               <a:t>If the L2/L3 neighbor rule is found, we need to assume the corresponding SG rule is already downloaded and installed on host</a:t>
             </a:r>
-            <a:endParaRPr lang="en-US" dirty="0">
+            <a:endParaRPr lang="en-US" sz="2000" dirty="0">
               <a:solidFill>
                 <a:srgbClr val="FF0000"/>
               </a:solidFill>
@@ -18872,7 +18872,7 @@
           </a:p>
           <a:p>
             <a:r>
-              <a:rPr lang="en-US" dirty="0">
+              <a:rPr lang="en-US" sz="2000" dirty="0">
                 <a:solidFill>
                   <a:srgbClr val="FF0000"/>
                 </a:solidFill>
@@ -18883,142 +18883,152 @@
           <a:p>
             <a:pPr lvl="1"/>
             <a:r>
-              <a:rPr lang="en-US" dirty="0" err="1"/>
+              <a:rPr lang="en-US" sz="1600" dirty="0" err="1"/>
               <a:t>rpc</a:t>
             </a:r>
             <a:r>
-              <a:rPr lang="en-US" dirty="0"/>
+              <a:rPr lang="en-US" sz="1600" dirty="0"/>
               <a:t> </a:t>
             </a:r>
             <a:r>
-              <a:rPr lang="en-US" dirty="0" err="1"/>
+              <a:rPr lang="en-US" sz="1600" dirty="0" err="1"/>
               <a:t>RetrieveNetworkResourceStatesStream</a:t>
             </a:r>
             <a:r>
-              <a:rPr lang="en-US" dirty="0"/>
+              <a:rPr lang="en-US" sz="1600" dirty="0"/>
               <a:t> (new)</a:t>
             </a:r>
           </a:p>
           <a:p>
             <a:pPr lvl="1"/>
             <a:r>
-              <a:rPr lang="en-US" dirty="0"/>
-              <a:t>Input: VNI, source/destination IP, source/destination port, protocol - TCP/UDP/Other(ARP/ICMP) (note: port ID is not available in the packet, but likely available in ACA)</a:t>
+              <a:rPr lang="en-US" sz="1600" dirty="0"/>
+              <a:t>Input: </a:t>
+            </a:r>
+            <a:r>
+              <a:rPr lang="en-US" sz="1600" dirty="0" err="1"/>
+              <a:t>GoalStateRequest</a:t>
+            </a:r>
+            <a:r>
+              <a:rPr lang="en-US" sz="1600" dirty="0"/>
+              <a:t> - </a:t>
+            </a:r>
+            <a:r>
+              <a:rPr lang="en-US" sz="1600" dirty="0" err="1"/>
+              <a:t>request_type</a:t>
+            </a:r>
+            <a:r>
+              <a:rPr lang="en-US" sz="1600" dirty="0"/>
+              <a:t>=ON_DEMAND, </a:t>
+            </a:r>
+            <a:r>
+              <a:rPr lang="en-US" sz="1600" dirty="0" err="1"/>
+              <a:t>request_id</a:t>
+            </a:r>
+            <a:r>
+              <a:rPr lang="en-US" sz="1600" dirty="0"/>
+              <a:t> (generated by ACA), </a:t>
+            </a:r>
+            <a:r>
+              <a:rPr lang="en-US" sz="1600" dirty="0" err="1"/>
+              <a:t>tunnel_id</a:t>
+            </a:r>
+            <a:r>
+              <a:rPr lang="en-US" sz="1600" dirty="0"/>
+              <a:t>, source port ID or IP, destination IP, source/destination port, protocol - TCP/UDP/Other(ARP/ICMP) </a:t>
             </a:r>
           </a:p>
           <a:p>
             <a:pPr lvl="1"/>
             <a:r>
-              <a:rPr lang="en-US" dirty="0"/>
+              <a:rPr lang="en-US" sz="1600" dirty="0"/>
               <a:t>AGA Workflow:</a:t>
             </a:r>
           </a:p>
           <a:p>
             <a:pPr lvl="2"/>
             <a:r>
-              <a:rPr lang="en-US" dirty="0"/>
+              <a:rPr lang="en-US" sz="1400" dirty="0"/>
               <a:t>Use VNI to lookup VPC</a:t>
             </a:r>
           </a:p>
           <a:p>
             <a:pPr lvl="2"/>
             <a:r>
-              <a:rPr lang="en-US" dirty="0"/>
+              <a:rPr lang="en-US" sz="1400" dirty="0"/>
               <a:t>For all ports in VPC, find the source port ID based on IP</a:t>
             </a:r>
           </a:p>
           <a:p>
             <a:pPr lvl="3"/>
             <a:r>
-              <a:rPr lang="en-US" dirty="0"/>
+              <a:rPr lang="en-US" sz="1200" dirty="0"/>
               <a:t>For destination IP on the same subnet, confirm it is L2 neighbor</a:t>
             </a:r>
           </a:p>
           <a:p>
             <a:pPr lvl="3"/>
             <a:r>
-              <a:rPr lang="en-US" dirty="0"/>
+              <a:rPr lang="en-US" sz="1200" dirty="0"/>
               <a:t>For destination IP on the different subnet, confirm it is L3 neighbor</a:t>
             </a:r>
           </a:p>
           <a:p>
             <a:pPr lvl="3"/>
             <a:r>
-              <a:rPr lang="en-US" dirty="0"/>
+              <a:rPr lang="en-US" sz="1200" dirty="0"/>
               <a:t>For destination IP from routing rule or gateway, the configurations should be in ACA already</a:t>
             </a:r>
           </a:p>
           <a:p>
             <a:pPr lvl="2"/>
             <a:r>
-              <a:rPr lang="en-US" dirty="0"/>
+              <a:rPr lang="en-US" sz="1400" dirty="0"/>
               <a:t>If confirm it is L2/L3 neighbor, look up SG rules for source port</a:t>
             </a:r>
           </a:p>
           <a:p>
             <a:pPr lvl="3"/>
             <a:r>
-              <a:rPr lang="en-US" dirty="0"/>
+              <a:rPr lang="en-US" sz="1200" dirty="0"/>
               <a:t>If traffic is allowed, construct and track the corresponding SG config</a:t>
             </a:r>
           </a:p>
           <a:p>
             <a:pPr lvl="4"/>
             <a:r>
-              <a:rPr lang="en-US" dirty="0"/>
+              <a:rPr lang="en-US" sz="1200" dirty="0"/>
               <a:t>send down neighbor and corresponding SG rules</a:t>
             </a:r>
           </a:p>
           <a:p>
             <a:pPr lvl="4"/>
             <a:r>
-              <a:rPr lang="en-US" dirty="0"/>
-              <a:t>Reply </a:t>
-            </a:r>
-            <a:r>
-              <a:rPr lang="en-US" dirty="0" err="1"/>
-              <a:t>OperationStatus</a:t>
-            </a:r>
-            <a:r>
-              <a:rPr lang="en-US" dirty="0"/>
-              <a:t> = SUCCESS (routable) for the </a:t>
-            </a:r>
-            <a:r>
-              <a:rPr lang="en-US" dirty="0" err="1"/>
-              <a:t>rpc</a:t>
-            </a:r>
-            <a:r>
-              <a:rPr lang="en-US" dirty="0"/>
-              <a:t> call</a:t>
-            </a:r>
+              <a:rPr lang="en-US" sz="1200" dirty="0"/>
+              <a:t>send down port configuration with Operation = INFO (routable) for with corresponding </a:t>
+            </a:r>
+            <a:r>
+              <a:rPr lang="en-US" sz="1200" dirty="0" err="1"/>
+              <a:t>request_id</a:t>
+            </a:r>
+            <a:endParaRPr lang="en-US" sz="1200" dirty="0"/>
           </a:p>
           <a:p>
             <a:pPr lvl="3"/>
             <a:r>
-              <a:rPr lang="en-US" dirty="0"/>
-              <a:t>Reply </a:t>
-            </a:r>
-            <a:r>
-              <a:rPr lang="en-US" dirty="0" err="1"/>
-              <a:t>OperationStatus</a:t>
-            </a:r>
-            <a:r>
-              <a:rPr lang="en-US" dirty="0"/>
-              <a:t> = FAILURE (not routable) for the </a:t>
-            </a:r>
-            <a:r>
-              <a:rPr lang="en-US" dirty="0" err="1"/>
-              <a:t>rpc</a:t>
-            </a:r>
-            <a:r>
-              <a:rPr lang="en-US" dirty="0"/>
-              <a:t> call</a:t>
-            </a:r>
+              <a:rPr lang="en-US" sz="1200" dirty="0"/>
+              <a:t>send down port configuration with Operation = NOT_ROUTABLE (not routable) for with corresponding </a:t>
+            </a:r>
+            <a:r>
+              <a:rPr lang="en-US" sz="1200" dirty="0" err="1"/>
+              <a:t>request_id</a:t>
+            </a:r>
+            <a:endParaRPr lang="en-US" sz="1200" dirty="0"/>
           </a:p>
           <a:p>
             <a:pPr lvl="2"/>
             <a:r>
-              <a:rPr lang="en-US" dirty="0">
+              <a:rPr lang="en-US" sz="1400" dirty="0">
                 <a:solidFill>
                   <a:srgbClr val="FF0000"/>
                 </a:solidFill>
@@ -19029,7 +19039,7 @@
           <a:p>
             <a:pPr lvl="1"/>
             <a:r>
-              <a:rPr lang="en-US" dirty="0">
+              <a:rPr lang="en-US" sz="1600" dirty="0">
                 <a:solidFill>
                   <a:srgbClr val="FF0000"/>
                 </a:solidFill>
@@ -19040,7 +19050,7 @@
           <a:p>
             <a:pPr lvl="1"/>
             <a:r>
-              <a:rPr lang="en-US" dirty="0"/>
+              <a:rPr lang="en-US" sz="1600" dirty="0"/>
               <a:t>Goal is less than 1 milli-second on this ACA to AGA delay</a:t>
             </a:r>
           </a:p>
@@ -29006,9 +29016,31 @@
             </a:r>
             <a:r>
               <a:rPr lang="en-US" dirty="0" err="1"/>
-              <a:t>GoalStateOperationStatus</a:t>
+              <a:t>GoalStateRequest</a:t>
             </a:r>
             <a:endParaRPr lang="en-US" dirty="0"/>
+          </a:p>
+          <a:p>
+            <a:pPr lvl="1"/>
+            <a:r>
+              <a:rPr lang="en-US" dirty="0" err="1"/>
+              <a:t>request_type</a:t>
+            </a:r>
+            <a:r>
+              <a:rPr lang="en-US" dirty="0"/>
+              <a:t>=OUT_OF_ORDER</a:t>
+            </a:r>
+          </a:p>
+          <a:p>
+            <a:pPr lvl="1"/>
+            <a:r>
+              <a:rPr lang="en-US" dirty="0" err="1"/>
+              <a:t>request_id</a:t>
+            </a:r>
+            <a:r>
+              <a:rPr lang="en-US" dirty="0"/>
+              <a:t> (generated by ACA)</a:t>
+            </a:r>
           </a:p>
           <a:p>
             <a:pPr lvl="1"/>
@@ -29033,20 +29065,13 @@
             </a:r>
           </a:p>
           <a:p>
-            <a:pPr lvl="1"/>
-            <a:r>
-              <a:rPr lang="en-US" dirty="0" err="1"/>
-              <a:t>operation_status</a:t>
+            <a:r>
+              <a:rPr lang="en-US"/>
+              <a:t>DPM-</a:t>
             </a:r>
             <a:r>
               <a:rPr lang="en-US" dirty="0"/>
-              <a:t> = OUT_OF_ORDER</a:t>
-            </a:r>
-          </a:p>
-          <a:p>
-            <a:r>
-              <a:rPr lang="en-US" dirty="0"/>
-              <a:t>DPM-&gt;AGA</a:t>
+              <a:t>&gt;AGA</a:t>
             </a:r>
           </a:p>
           <a:p>
@@ -35874,7 +35899,7 @@
             </a:r>
             <a:r>
               <a:rPr lang="en-US" dirty="0" err="1"/>
-              <a:t>GoalStateOperationStatus</a:t>
+              <a:t>GoalStateRequest</a:t>
             </a:r>
             <a:endParaRPr lang="en-US" dirty="0"/>
           </a:p>
@@ -35882,41 +35907,22 @@
             <a:pPr lvl="1"/>
             <a:r>
               <a:rPr lang="en-US" dirty="0" err="1"/>
-              <a:t>resource_id</a:t>
+              <a:t>request_type</a:t>
             </a:r>
             <a:r>
               <a:rPr lang="en-US" dirty="0"/>
-              <a:t> = doesn’t matter</a:t>
+              <a:t>=RESTARTED</a:t>
             </a:r>
           </a:p>
           <a:p>
             <a:pPr lvl="1"/>
             <a:r>
               <a:rPr lang="en-US" dirty="0" err="1"/>
-              <a:t>resource_type</a:t>
+              <a:t>request_id</a:t>
             </a:r>
             <a:r>
               <a:rPr lang="en-US" dirty="0"/>
-              <a:t> = doesn’t matter</a:t>
-            </a:r>
-          </a:p>
-          <a:p>
-            <a:pPr lvl="1"/>
-            <a:r>
-              <a:rPr lang="en-US" dirty="0" err="1"/>
-              <a:t>operation_status</a:t>
-            </a:r>
-            <a:r>
-              <a:rPr lang="en-US" dirty="0"/>
-              <a:t> = </a:t>
-            </a:r>
-            <a:r>
-              <a:rPr lang="en-US" dirty="0">
-                <a:solidFill>
-                  <a:srgbClr val="FF0000"/>
-                </a:solidFill>
-              </a:rPr>
-              <a:t>RESTARTED</a:t>
+              <a:t> (generated by ACA)</a:t>
             </a:r>
           </a:p>
           <a:p>
